--- a/ppts/Topic 7 Linear mixed-effects models (random effects).pptx
+++ b/ppts/Topic 7 Linear mixed-effects models (random effects).pptx
@@ -6,21 +6,21 @@
   </p:sldMasterIdLst>
   <p:sldIdLst>
     <p:sldId id="256" r:id="rId2"/>
-    <p:sldId id="261" r:id="rId3"/>
+    <p:sldId id="281" r:id="rId3"/>
     <p:sldId id="259" r:id="rId4"/>
     <p:sldId id="262" r:id="rId5"/>
     <p:sldId id="266" r:id="rId6"/>
     <p:sldId id="263" r:id="rId7"/>
     <p:sldId id="267" r:id="rId8"/>
-    <p:sldId id="265" r:id="rId9"/>
-    <p:sldId id="264" r:id="rId10"/>
-    <p:sldId id="269" r:id="rId11"/>
-    <p:sldId id="272" r:id="rId12"/>
-    <p:sldId id="273" r:id="rId13"/>
-    <p:sldId id="270" r:id="rId14"/>
-    <p:sldId id="271" r:id="rId15"/>
-    <p:sldId id="274" r:id="rId16"/>
-    <p:sldId id="280" r:id="rId17"/>
+    <p:sldId id="264" r:id="rId9"/>
+    <p:sldId id="269" r:id="rId10"/>
+    <p:sldId id="272" r:id="rId11"/>
+    <p:sldId id="273" r:id="rId12"/>
+    <p:sldId id="270" r:id="rId13"/>
+    <p:sldId id="271" r:id="rId14"/>
+    <p:sldId id="274" r:id="rId15"/>
+    <p:sldId id="280" r:id="rId16"/>
+    <p:sldId id="282" r:id="rId17"/>
     <p:sldId id="275" r:id="rId18"/>
     <p:sldId id="278" r:id="rId19"/>
     <p:sldId id="276" r:id="rId20"/>
@@ -326,7 +326,7 @@
           <a:p>
             <a:fld id="{F3A5C36C-4AD1-4368-83A4-9559EE6EF9BD}" type="datetimeFigureOut">
               <a:rPr lang="en-CA" smtClean="0"/>
-              <a:t>2018-02-15</a:t>
+              <a:t>2018-02-23</a:t>
             </a:fld>
             <a:endParaRPr lang="en-CA"/>
           </a:p>
@@ -512,7 +512,7 @@
           <a:p>
             <a:fld id="{F3A5C36C-4AD1-4368-83A4-9559EE6EF9BD}" type="datetimeFigureOut">
               <a:rPr lang="en-CA" smtClean="0"/>
-              <a:t>2018-02-15</a:t>
+              <a:t>2018-02-23</a:t>
             </a:fld>
             <a:endParaRPr lang="en-CA"/>
           </a:p>
@@ -704,7 +704,7 @@
           <a:p>
             <a:fld id="{F3A5C36C-4AD1-4368-83A4-9559EE6EF9BD}" type="datetimeFigureOut">
               <a:rPr lang="en-CA" smtClean="0"/>
-              <a:t>2018-02-15</a:t>
+              <a:t>2018-02-23</a:t>
             </a:fld>
             <a:endParaRPr lang="en-CA"/>
           </a:p>
@@ -886,7 +886,7 @@
           <a:p>
             <a:fld id="{F3A5C36C-4AD1-4368-83A4-9559EE6EF9BD}" type="datetimeFigureOut">
               <a:rPr lang="en-CA" smtClean="0"/>
-              <a:t>2018-02-15</a:t>
+              <a:t>2018-02-23</a:t>
             </a:fld>
             <a:endParaRPr lang="en-CA"/>
           </a:p>
@@ -1152,7 +1152,7 @@
           <a:p>
             <a:fld id="{F3A5C36C-4AD1-4368-83A4-9559EE6EF9BD}" type="datetimeFigureOut">
               <a:rPr lang="en-CA" smtClean="0"/>
-              <a:t>2018-02-15</a:t>
+              <a:t>2018-02-23</a:t>
             </a:fld>
             <a:endParaRPr lang="en-CA"/>
           </a:p>
@@ -1437,7 +1437,7 @@
           <a:p>
             <a:fld id="{F3A5C36C-4AD1-4368-83A4-9559EE6EF9BD}" type="datetimeFigureOut">
               <a:rPr lang="en-CA" smtClean="0"/>
-              <a:t>2018-02-15</a:t>
+              <a:t>2018-02-23</a:t>
             </a:fld>
             <a:endParaRPr lang="en-CA"/>
           </a:p>
@@ -1832,7 +1832,7 @@
           <a:p>
             <a:fld id="{F3A5C36C-4AD1-4368-83A4-9559EE6EF9BD}" type="datetimeFigureOut">
               <a:rPr lang="en-CA" smtClean="0"/>
-              <a:t>2018-02-15</a:t>
+              <a:t>2018-02-23</a:t>
             </a:fld>
             <a:endParaRPr lang="en-CA"/>
           </a:p>
@@ -1999,7 +1999,7 @@
           <a:p>
             <a:fld id="{F3A5C36C-4AD1-4368-83A4-9559EE6EF9BD}" type="datetimeFigureOut">
               <a:rPr lang="en-CA" smtClean="0"/>
-              <a:t>2018-02-15</a:t>
+              <a:t>2018-02-23</a:t>
             </a:fld>
             <a:endParaRPr lang="en-CA"/>
           </a:p>
@@ -2106,7 +2106,7 @@
           <a:p>
             <a:fld id="{F3A5C36C-4AD1-4368-83A4-9559EE6EF9BD}" type="datetimeFigureOut">
               <a:rPr lang="en-CA" smtClean="0"/>
-              <a:t>2018-02-15</a:t>
+              <a:t>2018-02-23</a:t>
             </a:fld>
             <a:endParaRPr lang="en-CA"/>
           </a:p>
@@ -2384,7 +2384,7 @@
           <a:p>
             <a:fld id="{F3A5C36C-4AD1-4368-83A4-9559EE6EF9BD}" type="datetimeFigureOut">
               <a:rPr lang="en-CA" smtClean="0"/>
-              <a:t>2018-02-15</a:t>
+              <a:t>2018-02-23</a:t>
             </a:fld>
             <a:endParaRPr lang="en-CA"/>
           </a:p>
@@ -2994,7 +2994,7 @@
           <a:p>
             <a:fld id="{F3A5C36C-4AD1-4368-83A4-9559EE6EF9BD}" type="datetimeFigureOut">
               <a:rPr lang="en-CA" smtClean="0"/>
-              <a:t>2018-02-15</a:t>
+              <a:t>2018-02-23</a:t>
             </a:fld>
             <a:endParaRPr lang="en-CA"/>
           </a:p>
@@ -3404,7 +3404,6 @@
               <a:rPr lang="en-US" altLang="en-US" smtClean="0"/>
               <a:t>Click to edit Master title style</a:t>
             </a:r>
-            <a:endParaRPr lang="en-US" altLang="en-US" smtClean="0"/>
           </a:p>
         </p:txBody>
       </p:sp>
@@ -3491,7 +3490,6 @@
               <a:rPr lang="en-US" altLang="en-US" smtClean="0"/>
               <a:t>Fifth level</a:t>
             </a:r>
-            <a:endParaRPr lang="en-US" altLang="en-US" smtClean="0"/>
           </a:p>
         </p:txBody>
       </p:sp>
@@ -3532,7 +3530,7 @@
           <a:p>
             <a:fld id="{F3A5C36C-4AD1-4368-83A4-9559EE6EF9BD}" type="datetimeFigureOut">
               <a:rPr lang="en-CA" smtClean="0"/>
-              <a:t>2018-02-15</a:t>
+              <a:t>2018-02-23</a:t>
             </a:fld>
             <a:endParaRPr lang="en-CA"/>
           </a:p>
@@ -4342,7 +4340,7 @@
           <p:cNvPr id="3" name="Picture 2">
             <a:extLst>
               <a:ext uri="{FF2B5EF4-FFF2-40B4-BE49-F238E27FC236}">
-                <a16:creationId xmlns:a16="http://schemas.microsoft.com/office/drawing/2014/main" xmlns="" id="{791FE4D5-C22C-49F6-B916-6A36FFF3D7D7}"/>
+                <a16:creationId xmlns="" xmlns:a16="http://schemas.microsoft.com/office/drawing/2014/main" id="{791FE4D5-C22C-49F6-B916-6A36FFF3D7D7}"/>
               </a:ext>
             </a:extLst>
           </p:cNvPr>
@@ -4377,7 +4375,7 @@
           <p:cNvPr id="4" name="TextBox 3">
             <a:extLst>
               <a:ext uri="{FF2B5EF4-FFF2-40B4-BE49-F238E27FC236}">
-                <a16:creationId xmlns:a16="http://schemas.microsoft.com/office/drawing/2014/main" xmlns="" id="{303BBE34-596A-4812-AA2D-95C8598A6CA3}"/>
+                <a16:creationId xmlns="" xmlns:a16="http://schemas.microsoft.com/office/drawing/2014/main" id="{303BBE34-596A-4812-AA2D-95C8598A6CA3}"/>
               </a:ext>
             </a:extLst>
           </p:cNvPr>
@@ -4447,7 +4445,7 @@
           <p:cNvPr id="6" name="TextBox 5">
             <a:extLst>
               <a:ext uri="{FF2B5EF4-FFF2-40B4-BE49-F238E27FC236}">
-                <a16:creationId xmlns:a16="http://schemas.microsoft.com/office/drawing/2014/main" xmlns="" id="{303BBE34-596A-4812-AA2D-95C8598A6CA3}"/>
+                <a16:creationId xmlns="" xmlns:a16="http://schemas.microsoft.com/office/drawing/2014/main" id="{303BBE34-596A-4812-AA2D-95C8598A6CA3}"/>
               </a:ext>
             </a:extLst>
           </p:cNvPr>
@@ -4531,7 +4529,7 @@
         </p:nvSpPr>
         <p:spPr>
           <a:xfrm>
-            <a:off x="457200" y="4581128"/>
+            <a:off x="466430" y="4437112"/>
             <a:ext cx="8229600" cy="1671465"/>
           </a:xfrm>
         </p:spPr>
@@ -4544,11 +4542,11 @@
             </a:pPr>
             <a:r>
               <a:rPr lang="de-AT" sz="2400" dirty="0" smtClean="0"/>
-              <a:t>1. </a:t>
+              <a:t>2. Group </a:t>
             </a:r>
             <a:r>
               <a:rPr lang="de-AT" sz="2400" dirty="0" err="1" smtClean="0"/>
-              <a:t>Grouping</a:t>
+              <a:t>means</a:t>
             </a:r>
             <a:r>
               <a:rPr lang="de-AT" sz="2400" dirty="0" smtClean="0"/>
@@ -4556,7 +4554,7 @@
             </a:r>
             <a:r>
               <a:rPr lang="de-AT" sz="2400" dirty="0" err="1" smtClean="0"/>
-              <a:t>is</a:t>
+              <a:t>are</a:t>
             </a:r>
             <a:r>
               <a:rPr lang="de-AT" sz="2400" dirty="0" smtClean="0"/>
@@ -4564,15 +4562,23 @@
             </a:r>
             <a:r>
               <a:rPr lang="de-AT" sz="2400" dirty="0" err="1" smtClean="0"/>
-              <a:t>ignored</a:t>
+              <a:t>estimated</a:t>
             </a:r>
             <a:r>
               <a:rPr lang="de-AT" sz="2400" dirty="0" smtClean="0"/>
-              <a:t> – </a:t>
+              <a:t> </a:t>
+            </a:r>
+            <a:r>
+              <a:rPr lang="de-AT" sz="2400" dirty="0" err="1" smtClean="0"/>
+              <a:t>separately</a:t>
+            </a:r>
+            <a:r>
+              <a:rPr lang="de-AT" sz="2400" dirty="0" smtClean="0"/>
+              <a:t> - </a:t>
             </a:r>
             <a:r>
               <a:rPr lang="de-AT" sz="2400" b="1" dirty="0" err="1" smtClean="0"/>
-              <a:t>complete</a:t>
+              <a:t>no</a:t>
             </a:r>
             <a:r>
               <a:rPr lang="de-AT" sz="2400" b="1" dirty="0" smtClean="0"/>
@@ -4582,58 +4588,36 @@
               <a:rPr lang="de-AT" sz="2400" b="1" dirty="0" err="1" smtClean="0"/>
               <a:t>pooling</a:t>
             </a:r>
-            <a:endParaRPr lang="de-AT" sz="2400" b="1" dirty="0" smtClean="0"/>
-          </a:p>
-          <a:p>
-            <a:pPr marL="0" indent="0">
-              <a:buNone/>
-            </a:pPr>
-            <a:r>
-              <a:rPr lang="de-AT" sz="2400" dirty="0" smtClean="0"/>
-              <a:t>-&gt; </a:t>
-            </a:r>
-            <a:r>
-              <a:rPr lang="de-AT" sz="2400" dirty="0" err="1" smtClean="0"/>
-              <a:t>Pseudpreplication</a:t>
-            </a:r>
-            <a:r>
-              <a:rPr lang="de-AT" sz="2400" dirty="0"/>
-              <a:t>!</a:t>
-            </a:r>
-            <a:r>
-              <a:rPr lang="de-AT" sz="2400" dirty="0" smtClean="0"/>
-              <a:t> </a:t>
+            <a:r>
+              <a:rPr lang="de-AT" b="1" dirty="0" smtClean="0"/>
+              <a:t/>
             </a:r>
             <a:br>
-              <a:rPr lang="de-AT" sz="2400" dirty="0" smtClean="0"/>
+              <a:rPr lang="de-AT" b="1" dirty="0" smtClean="0"/>
             </a:br>
             <a:r>
-              <a:rPr lang="de-AT" sz="2400" dirty="0" err="1" smtClean="0"/>
-              <a:t>we</a:t>
-            </a:r>
-            <a:r>
-              <a:rPr lang="de-AT" sz="2400" dirty="0" smtClean="0"/>
-              <a:t> </a:t>
-            </a:r>
-            <a:r>
-              <a:rPr lang="de-AT" sz="2400" dirty="0" err="1" smtClean="0"/>
-              <a:t>are</a:t>
-            </a:r>
-            <a:r>
-              <a:rPr lang="de-AT" sz="2400" dirty="0" smtClean="0"/>
-              <a:t> </a:t>
-            </a:r>
-            <a:r>
-              <a:rPr lang="en-GB" sz="2400" dirty="0" smtClean="0"/>
-              <a:t>too </a:t>
-            </a:r>
-            <a:r>
-              <a:rPr lang="en-GB" sz="2400" dirty="0"/>
-              <a:t>confident in the result because we assume that all observations are independent when they are not.</a:t>
-            </a:r>
-            <a:r>
-              <a:rPr lang="en-GB" sz="2400" dirty="0"/>
-              <a:t> </a:t>
+              <a:rPr lang="de-AT" sz="2000" b="1" dirty="0" smtClean="0"/>
+              <a:t>(</a:t>
+            </a:r>
+            <a:r>
+              <a:rPr lang="en-GB" sz="2000" dirty="0" smtClean="0"/>
+              <a:t>data </a:t>
+            </a:r>
+            <a:r>
+              <a:rPr lang="en-GB" sz="2000" dirty="0"/>
+              <a:t>from all other groups are ignored when estimating a group </a:t>
+            </a:r>
+            <a:r>
+              <a:rPr lang="en-GB" sz="2000" dirty="0" smtClean="0"/>
+              <a:t>mean - </a:t>
+            </a:r>
+            <a:r>
+              <a:rPr lang="en-GB" sz="2000" dirty="0"/>
+              <a:t>equivalent to treating the factor </a:t>
+            </a:r>
+            <a:r>
+              <a:rPr lang="en-GB" sz="2000" dirty="0" smtClean="0"/>
+              <a:t>as fixed)</a:t>
             </a:r>
             <a:r>
               <a:rPr lang="en-GB" dirty="0"/>
@@ -4641,6 +4625,29 @@
             </a:r>
             <a:br>
               <a:rPr lang="en-GB" dirty="0"/>
+            </a:br>
+            <a:r>
+              <a:rPr lang="de-AT" sz="2400" dirty="0" smtClean="0"/>
+              <a:t>-&gt;  </a:t>
+            </a:r>
+            <a:r>
+              <a:rPr lang="en-GB" sz="2400" dirty="0"/>
+              <a:t>danger of overestimation of the </a:t>
+            </a:r>
+            <a:r>
+              <a:rPr lang="en-GB" sz="2400" i="1" dirty="0"/>
+              <a:t>between-group variance </a:t>
+            </a:r>
+            <a:r>
+              <a:rPr lang="en-GB" sz="2400" dirty="0" smtClean="0"/>
+              <a:t>because the </a:t>
+            </a:r>
+            <a:r>
+              <a:rPr lang="en-GB" sz="2400" dirty="0"/>
+              <a:t>group means are estimated independently of each other </a:t>
+            </a:r>
+            <a:br>
+              <a:rPr lang="en-GB" sz="2400" dirty="0"/>
             </a:br>
             <a:endParaRPr lang="en-GB" dirty="0"/>
           </a:p>
@@ -4651,452 +4658,7 @@
           <p:cNvPr id="7" name="Title 1">
             <a:extLst>
               <a:ext uri="{FF2B5EF4-FFF2-40B4-BE49-F238E27FC236}">
-                <a16:creationId xmlns:a16="http://schemas.microsoft.com/office/drawing/2014/main" xmlns="" id="{EDDE273D-90E2-47F3-8613-1F70BBDC1086}"/>
-              </a:ext>
-            </a:extLst>
-          </p:cNvPr>
-          <p:cNvSpPr txBox="1">
-            <a:spLocks/>
-          </p:cNvSpPr>
-          <p:nvPr/>
-        </p:nvSpPr>
-        <p:spPr bwMode="auto">
-          <a:xfrm>
-            <a:off x="457200" y="704850"/>
-            <a:ext cx="8229600" cy="779934"/>
-          </a:xfrm>
-          <a:prstGeom prst="rect">
-            <a:avLst/>
-          </a:prstGeom>
-          <a:noFill/>
-          <a:ln>
-            <a:noFill/>
-          </a:ln>
-          <a:extLst>
-            <a:ext uri="{909E8E84-426E-40DD-AFC4-6F175D3DCCD1}">
-              <a14:hiddenFill xmlns:a14="http://schemas.microsoft.com/office/drawing/2010/main">
-                <a:solidFill>
-                  <a:srgbClr val="FFFFFF"/>
-                </a:solidFill>
-              </a14:hiddenFill>
-            </a:ext>
-            <a:ext uri="{91240B29-F687-4F45-9708-019B960494DF}">
-              <a14:hiddenLine xmlns:a14="http://schemas.microsoft.com/office/drawing/2010/main" w="9525">
-                <a:solidFill>
-                  <a:srgbClr val="000000"/>
-                </a:solidFill>
-                <a:miter lim="800000"/>
-                <a:headEnd/>
-                <a:tailEnd/>
-              </a14:hiddenLine>
-            </a:ext>
-          </a:extLst>
-        </p:spPr>
-        <p:txBody>
-          <a:bodyPr vert="horz" wrap="square" lIns="0" tIns="45720" rIns="0" bIns="0" numCol="1" anchor="b" anchorCtr="0" compatLnSpc="1">
-            <a:prstTxWarp prst="textNoShape">
-              <a:avLst/>
-            </a:prstTxWarp>
-            <a:normAutofit fontScale="75000" lnSpcReduction="20000"/>
-          </a:bodyPr>
-          <a:lstStyle>
-            <a:lvl1pPr algn="l" rtl="0" eaLnBrk="1" fontAlgn="base" hangingPunct="1">
-              <a:spcBef>
-                <a:spcPct val="0"/>
-              </a:spcBef>
-              <a:spcAft>
-                <a:spcPct val="0"/>
-              </a:spcAft>
-              <a:defRPr sz="5000" kern="1200">
-                <a:solidFill>
-                  <a:schemeClr val="tx2"/>
-                </a:solidFill>
-                <a:latin typeface="+mj-lt"/>
-                <a:ea typeface="+mj-ea"/>
-                <a:cs typeface="+mj-cs"/>
-              </a:defRPr>
-            </a:lvl1pPr>
-            <a:lvl2pPr algn="l" rtl="0" eaLnBrk="1" fontAlgn="base" hangingPunct="1">
-              <a:spcBef>
-                <a:spcPct val="0"/>
-              </a:spcBef>
-              <a:spcAft>
-                <a:spcPct val="0"/>
-              </a:spcAft>
-              <a:defRPr sz="5000">
-                <a:solidFill>
-                  <a:schemeClr val="tx2"/>
-                </a:solidFill>
-                <a:latin typeface="Calibri" pitchFamily="34" charset="0"/>
-              </a:defRPr>
-            </a:lvl2pPr>
-            <a:lvl3pPr algn="l" rtl="0" eaLnBrk="1" fontAlgn="base" hangingPunct="1">
-              <a:spcBef>
-                <a:spcPct val="0"/>
-              </a:spcBef>
-              <a:spcAft>
-                <a:spcPct val="0"/>
-              </a:spcAft>
-              <a:defRPr sz="5000">
-                <a:solidFill>
-                  <a:schemeClr val="tx2"/>
-                </a:solidFill>
-                <a:latin typeface="Calibri" pitchFamily="34" charset="0"/>
-              </a:defRPr>
-            </a:lvl3pPr>
-            <a:lvl4pPr algn="l" rtl="0" eaLnBrk="1" fontAlgn="base" hangingPunct="1">
-              <a:spcBef>
-                <a:spcPct val="0"/>
-              </a:spcBef>
-              <a:spcAft>
-                <a:spcPct val="0"/>
-              </a:spcAft>
-              <a:defRPr sz="5000">
-                <a:solidFill>
-                  <a:schemeClr val="tx2"/>
-                </a:solidFill>
-                <a:latin typeface="Calibri" pitchFamily="34" charset="0"/>
-              </a:defRPr>
-            </a:lvl4pPr>
-            <a:lvl5pPr algn="l" rtl="0" eaLnBrk="1" fontAlgn="base" hangingPunct="1">
-              <a:spcBef>
-                <a:spcPct val="0"/>
-              </a:spcBef>
-              <a:spcAft>
-                <a:spcPct val="0"/>
-              </a:spcAft>
-              <a:defRPr sz="5000">
-                <a:solidFill>
-                  <a:schemeClr val="tx2"/>
-                </a:solidFill>
-                <a:latin typeface="Calibri" pitchFamily="34" charset="0"/>
-              </a:defRPr>
-            </a:lvl5pPr>
-            <a:lvl6pPr marL="457200" algn="l" rtl="0" eaLnBrk="1" fontAlgn="base" hangingPunct="1">
-              <a:spcBef>
-                <a:spcPct val="0"/>
-              </a:spcBef>
-              <a:spcAft>
-                <a:spcPct val="0"/>
-              </a:spcAft>
-              <a:defRPr sz="5000">
-                <a:solidFill>
-                  <a:schemeClr val="tx2"/>
-                </a:solidFill>
-                <a:latin typeface="Calibri" pitchFamily="34" charset="0"/>
-              </a:defRPr>
-            </a:lvl6pPr>
-            <a:lvl7pPr marL="914400" algn="l" rtl="0" eaLnBrk="1" fontAlgn="base" hangingPunct="1">
-              <a:spcBef>
-                <a:spcPct val="0"/>
-              </a:spcBef>
-              <a:spcAft>
-                <a:spcPct val="0"/>
-              </a:spcAft>
-              <a:defRPr sz="5000">
-                <a:solidFill>
-                  <a:schemeClr val="tx2"/>
-                </a:solidFill>
-                <a:latin typeface="Calibri" pitchFamily="34" charset="0"/>
-              </a:defRPr>
-            </a:lvl7pPr>
-            <a:lvl8pPr marL="1371600" algn="l" rtl="0" eaLnBrk="1" fontAlgn="base" hangingPunct="1">
-              <a:spcBef>
-                <a:spcPct val="0"/>
-              </a:spcBef>
-              <a:spcAft>
-                <a:spcPct val="0"/>
-              </a:spcAft>
-              <a:defRPr sz="5000">
-                <a:solidFill>
-                  <a:schemeClr val="tx2"/>
-                </a:solidFill>
-                <a:latin typeface="Calibri" pitchFamily="34" charset="0"/>
-              </a:defRPr>
-            </a:lvl8pPr>
-            <a:lvl9pPr marL="1828800" algn="l" rtl="0" eaLnBrk="1" fontAlgn="base" hangingPunct="1">
-              <a:spcBef>
-                <a:spcPct val="0"/>
-              </a:spcBef>
-              <a:spcAft>
-                <a:spcPct val="0"/>
-              </a:spcAft>
-              <a:defRPr sz="5000">
-                <a:solidFill>
-                  <a:schemeClr val="tx2"/>
-                </a:solidFill>
-                <a:latin typeface="Calibri" pitchFamily="34" charset="0"/>
-              </a:defRPr>
-            </a:lvl9pPr>
-          </a:lstStyle>
-          <a:p>
-            <a:r>
-              <a:rPr lang="de-AT" dirty="0" smtClean="0"/>
-              <a:t>3 </a:t>
-            </a:r>
-            <a:r>
-              <a:rPr lang="de-AT" dirty="0" err="1" smtClean="0"/>
-              <a:t>ways</a:t>
-            </a:r>
-            <a:r>
-              <a:rPr lang="de-AT" dirty="0" smtClean="0"/>
-              <a:t> </a:t>
-            </a:r>
-            <a:r>
-              <a:rPr lang="de-AT" dirty="0" err="1" smtClean="0"/>
-              <a:t>to</a:t>
-            </a:r>
-            <a:r>
-              <a:rPr lang="de-AT" dirty="0" smtClean="0"/>
-              <a:t> </a:t>
-            </a:r>
-            <a:r>
-              <a:rPr lang="de-AT" dirty="0" err="1" smtClean="0"/>
-              <a:t>obtain</a:t>
-            </a:r>
-            <a:r>
-              <a:rPr lang="de-AT" dirty="0" smtClean="0"/>
-              <a:t> </a:t>
-            </a:r>
-            <a:r>
-              <a:rPr lang="de-AT" dirty="0" err="1" smtClean="0"/>
-              <a:t>means</a:t>
-            </a:r>
-            <a:r>
-              <a:rPr lang="de-AT" dirty="0" smtClean="0"/>
-              <a:t> </a:t>
-            </a:r>
-            <a:r>
-              <a:rPr lang="de-AT" dirty="0" err="1" smtClean="0"/>
-              <a:t>of</a:t>
-            </a:r>
-            <a:r>
-              <a:rPr lang="de-AT" dirty="0" smtClean="0"/>
-              <a:t> </a:t>
-            </a:r>
-            <a:r>
-              <a:rPr lang="de-AT" dirty="0" err="1" smtClean="0"/>
-              <a:t>grouped</a:t>
-            </a:r>
-            <a:r>
-              <a:rPr lang="de-AT" dirty="0" smtClean="0"/>
-              <a:t> </a:t>
-            </a:r>
-            <a:r>
-              <a:rPr lang="de-AT" dirty="0" err="1" smtClean="0"/>
-              <a:t>data</a:t>
-            </a:r>
-            <a:endParaRPr lang="en-CA" dirty="0"/>
-          </a:p>
-        </p:txBody>
-      </p:sp>
-      <p:pic>
-        <p:nvPicPr>
-          <p:cNvPr id="8" name="Picture 7"/>
-          <p:cNvPicPr>
-            <a:picLocks noChangeAspect="1"/>
-          </p:cNvPicPr>
-          <p:nvPr/>
-        </p:nvPicPr>
-        <p:blipFill>
-          <a:blip r:embed="rId2"/>
-          <a:stretch>
-            <a:fillRect/>
-          </a:stretch>
-        </p:blipFill>
-        <p:spPr>
-          <a:xfrm>
-            <a:off x="1259632" y="1556792"/>
-            <a:ext cx="6336704" cy="2726430"/>
-          </a:xfrm>
-          <a:prstGeom prst="rect">
-            <a:avLst/>
-          </a:prstGeom>
-        </p:spPr>
-      </p:pic>
-    </p:spTree>
-    <p:extLst>
-      <p:ext uri="{BB962C8B-B14F-4D97-AF65-F5344CB8AC3E}">
-        <p14:creationId xmlns:p14="http://schemas.microsoft.com/office/powerpoint/2010/main" val="1735189189"/>
-      </p:ext>
-    </p:extLst>
-  </p:cSld>
-  <p:clrMapOvr>
-    <a:masterClrMapping/>
-  </p:clrMapOvr>
-  <p:timing>
-    <p:tnLst>
-      <p:par>
-        <p:cTn id="1" dur="indefinite" restart="never" nodeType="tmRoot"/>
-      </p:par>
-    </p:tnLst>
-  </p:timing>
-</p:sld>
-</file>
-
-<file path=ppt/slides/slide11.xml><?xml version="1.0" encoding="utf-8"?>
-<p:sld xmlns:a="http://schemas.openxmlformats.org/drawingml/2006/main" xmlns:r="http://schemas.openxmlformats.org/officeDocument/2006/relationships" xmlns:p="http://schemas.openxmlformats.org/presentationml/2006/main">
-  <p:cSld>
-    <p:spTree>
-      <p:nvGrpSpPr>
-        <p:cNvPr id="1" name=""/>
-        <p:cNvGrpSpPr/>
-        <p:nvPr/>
-      </p:nvGrpSpPr>
-      <p:grpSpPr>
-        <a:xfrm>
-          <a:off x="0" y="0"/>
-          <a:ext cx="0" cy="0"/>
-          <a:chOff x="0" y="0"/>
-          <a:chExt cx="0" cy="0"/>
-        </a:xfrm>
-      </p:grpSpPr>
-      <p:sp>
-        <p:nvSpPr>
-          <p:cNvPr id="3" name="Content Placeholder 2"/>
-          <p:cNvSpPr>
-            <a:spLocks noGrp="1"/>
-          </p:cNvSpPr>
-          <p:nvPr>
-            <p:ph idx="1"/>
-          </p:nvPr>
-        </p:nvSpPr>
-        <p:spPr>
-          <a:xfrm>
-            <a:off x="466430" y="4437112"/>
-            <a:ext cx="8229600" cy="1671465"/>
-          </a:xfrm>
-        </p:spPr>
-        <p:txBody>
-          <a:bodyPr/>
-          <a:lstStyle/>
-          <a:p>
-            <a:pPr marL="0" indent="0">
-              <a:buNone/>
-            </a:pPr>
-            <a:r>
-              <a:rPr lang="de-AT" sz="2400" dirty="0" smtClean="0"/>
-              <a:t>2. Group </a:t>
-            </a:r>
-            <a:r>
-              <a:rPr lang="de-AT" sz="2400" dirty="0" err="1" smtClean="0"/>
-              <a:t>means</a:t>
-            </a:r>
-            <a:r>
-              <a:rPr lang="de-AT" sz="2400" dirty="0" smtClean="0"/>
-              <a:t> </a:t>
-            </a:r>
-            <a:r>
-              <a:rPr lang="de-AT" sz="2400" dirty="0" err="1" smtClean="0"/>
-              <a:t>are</a:t>
-            </a:r>
-            <a:r>
-              <a:rPr lang="de-AT" sz="2400" dirty="0" smtClean="0"/>
-              <a:t> </a:t>
-            </a:r>
-            <a:r>
-              <a:rPr lang="de-AT" sz="2400" dirty="0" err="1" smtClean="0"/>
-              <a:t>estimated</a:t>
-            </a:r>
-            <a:r>
-              <a:rPr lang="de-AT" sz="2400" dirty="0" smtClean="0"/>
-              <a:t> </a:t>
-            </a:r>
-            <a:r>
-              <a:rPr lang="de-AT" sz="2400" dirty="0" err="1" smtClean="0"/>
-              <a:t>separately</a:t>
-            </a:r>
-            <a:r>
-              <a:rPr lang="de-AT" sz="2400" dirty="0" smtClean="0"/>
-              <a:t> - </a:t>
-            </a:r>
-            <a:r>
-              <a:rPr lang="de-AT" sz="2400" b="1" dirty="0" err="1" smtClean="0"/>
-              <a:t>no</a:t>
-            </a:r>
-            <a:r>
-              <a:rPr lang="de-AT" sz="2400" b="1" dirty="0" smtClean="0"/>
-              <a:t> </a:t>
-            </a:r>
-            <a:r>
-              <a:rPr lang="de-AT" sz="2400" b="1" dirty="0" err="1" smtClean="0"/>
-              <a:t>pooling</a:t>
-            </a:r>
-            <a:r>
-              <a:rPr lang="de-AT" b="1" dirty="0" smtClean="0"/>
-              <a:t/>
-            </a:r>
-            <a:br>
-              <a:rPr lang="de-AT" b="1" dirty="0" smtClean="0"/>
-            </a:br>
-            <a:r>
-              <a:rPr lang="de-AT" sz="2000" b="1" dirty="0" smtClean="0"/>
-              <a:t>(</a:t>
-            </a:r>
-            <a:r>
-              <a:rPr lang="en-GB" sz="2000" dirty="0" smtClean="0"/>
-              <a:t>data </a:t>
-            </a:r>
-            <a:r>
-              <a:rPr lang="en-GB" sz="2000" dirty="0"/>
-              <a:t>from all other groups are ignored when estimating a group </a:t>
-            </a:r>
-            <a:r>
-              <a:rPr lang="en-GB" sz="2000" dirty="0" smtClean="0"/>
-              <a:t>mean - </a:t>
-            </a:r>
-            <a:r>
-              <a:rPr lang="en-GB" sz="2000" dirty="0"/>
-              <a:t>equivalent to treating the factor </a:t>
-            </a:r>
-            <a:r>
-              <a:rPr lang="en-GB" sz="2000" dirty="0" smtClean="0"/>
-              <a:t>as fixed)</a:t>
-            </a:r>
-            <a:r>
-              <a:rPr lang="en-GB" dirty="0"/>
-              <a:t/>
-            </a:r>
-            <a:br>
-              <a:rPr lang="en-GB" dirty="0"/>
-            </a:br>
-            <a:r>
-              <a:rPr lang="de-AT" sz="2400" dirty="0" smtClean="0"/>
-              <a:t>-&gt;  </a:t>
-            </a:r>
-            <a:r>
-              <a:rPr lang="en-GB" sz="2400" dirty="0"/>
-              <a:t>danger of overestimation of the </a:t>
-            </a:r>
-            <a:r>
-              <a:rPr lang="en-GB" sz="2400" i="1" dirty="0"/>
-              <a:t>between-group variance </a:t>
-            </a:r>
-            <a:r>
-              <a:rPr lang="en-GB" sz="2400" dirty="0" smtClean="0"/>
-              <a:t>because the </a:t>
-            </a:r>
-            <a:r>
-              <a:rPr lang="en-GB" sz="2400" dirty="0"/>
-              <a:t>group means are estimated independently of each other</a:t>
-            </a:r>
-            <a:r>
-              <a:rPr lang="en-GB" sz="2400" dirty="0"/>
-              <a:t> </a:t>
-            </a:r>
-            <a:br>
-              <a:rPr lang="en-GB" sz="2400" dirty="0"/>
-            </a:br>
-            <a:endParaRPr lang="en-GB" dirty="0"/>
-          </a:p>
-        </p:txBody>
-      </p:sp>
-      <p:sp>
-        <p:nvSpPr>
-          <p:cNvPr id="7" name="Title 1">
-            <a:extLst>
-              <a:ext uri="{FF2B5EF4-FFF2-40B4-BE49-F238E27FC236}">
-                <a16:creationId xmlns:a16="http://schemas.microsoft.com/office/drawing/2014/main" xmlns="" id="{EDDE273D-90E2-47F3-8613-1F70BBDC1086}"/>
+                <a16:creationId xmlns="" xmlns:a16="http://schemas.microsoft.com/office/drawing/2014/main" id="{EDDE273D-90E2-47F3-8613-1F70BBDC1086}"/>
               </a:ext>
             </a:extLst>
           </p:cNvPr>
@@ -5379,7 +4941,7 @@
 </p:sld>
 </file>
 
-<file path=ppt/slides/slide12.xml><?xml version="1.0" encoding="utf-8"?>
+<file path=ppt/slides/slide11.xml><?xml version="1.0" encoding="utf-8"?>
 <p:sld xmlns:a="http://schemas.openxmlformats.org/drawingml/2006/main" xmlns:r="http://schemas.openxmlformats.org/officeDocument/2006/relationships" xmlns:p="http://schemas.openxmlformats.org/presentationml/2006/main">
   <p:cSld>
     <p:spTree>
@@ -5471,7 +5033,7 @@
           <p:cNvPr id="7" name="Title 1">
             <a:extLst>
               <a:ext uri="{FF2B5EF4-FFF2-40B4-BE49-F238E27FC236}">
-                <a16:creationId xmlns:a16="http://schemas.microsoft.com/office/drawing/2014/main" xmlns="" id="{EDDE273D-90E2-47F3-8613-1F70BBDC1086}"/>
+                <a16:creationId xmlns="" xmlns:a16="http://schemas.microsoft.com/office/drawing/2014/main" id="{EDDE273D-90E2-47F3-8613-1F70BBDC1086}"/>
               </a:ext>
             </a:extLst>
           </p:cNvPr>
@@ -5754,7 +5316,7 @@
 </p:sld>
 </file>
 
-<file path=ppt/slides/slide13.xml><?xml version="1.0" encoding="utf-8"?>
+<file path=ppt/slides/slide12.xml><?xml version="1.0" encoding="utf-8"?>
 <p:sld xmlns:a="http://schemas.openxmlformats.org/drawingml/2006/main" xmlns:r="http://schemas.openxmlformats.org/officeDocument/2006/relationships" xmlns:p="http://schemas.openxmlformats.org/presentationml/2006/main">
   <p:cSld>
     <p:spTree>
@@ -5866,7 +5428,7 @@
           <p:cNvPr id="7" name="Title 1">
             <a:extLst>
               <a:ext uri="{FF2B5EF4-FFF2-40B4-BE49-F238E27FC236}">
-                <a16:creationId xmlns:a16="http://schemas.microsoft.com/office/drawing/2014/main" xmlns="" id="{EDDE273D-90E2-47F3-8613-1F70BBDC1086}"/>
+                <a16:creationId xmlns="" xmlns:a16="http://schemas.microsoft.com/office/drawing/2014/main" id="{EDDE273D-90E2-47F3-8613-1F70BBDC1086}"/>
               </a:ext>
             </a:extLst>
           </p:cNvPr>
@@ -6161,13 +5723,8 @@
             </a:br>
             <a:r>
               <a:rPr lang="en-GB" sz="2200" dirty="0"/>
-              <a:t>the residuals are positively correlated with the fitted values</a:t>
-            </a:r>
-            <a:r>
-              <a:rPr lang="en-GB" sz="2200" dirty="0"/>
-              <a:t> </a:t>
-            </a:r>
-            <a:endParaRPr lang="en-GB" sz="2200" dirty="0"/>
+              <a:t>the residuals are positively correlated with the fitted values </a:t>
+            </a:r>
           </a:p>
         </p:txBody>
       </p:sp>
@@ -6175,6 +5732,491 @@
     <p:extLst>
       <p:ext uri="{BB962C8B-B14F-4D97-AF65-F5344CB8AC3E}">
         <p14:creationId xmlns:p14="http://schemas.microsoft.com/office/powerpoint/2010/main" val="2613316526"/>
+      </p:ext>
+    </p:extLst>
+  </p:cSld>
+  <p:clrMapOvr>
+    <a:masterClrMapping/>
+  </p:clrMapOvr>
+  <p:timing>
+    <p:tnLst>
+      <p:par>
+        <p:cTn id="1" dur="indefinite" restart="never" nodeType="tmRoot">
+          <p:childTnLst>
+            <p:seq concurrent="1" nextAc="seek">
+              <p:cTn id="2" dur="indefinite" nodeType="mainSeq">
+                <p:childTnLst>
+                  <p:par>
+                    <p:cTn id="3" fill="hold">
+                      <p:stCondLst>
+                        <p:cond delay="indefinite"/>
+                      </p:stCondLst>
+                      <p:childTnLst>
+                        <p:par>
+                          <p:cTn id="4" fill="hold">
+                            <p:stCondLst>
+                              <p:cond delay="0"/>
+                            </p:stCondLst>
+                            <p:childTnLst>
+                              <p:par>
+                                <p:cTn id="5" presetID="1" presetClass="entr" presetSubtype="0" fill="hold" nodeType="clickEffect">
+                                  <p:stCondLst>
+                                    <p:cond delay="0"/>
+                                  </p:stCondLst>
+                                  <p:childTnLst>
+                                    <p:set>
+                                      <p:cBhvr>
+                                        <p:cTn id="6" dur="1" fill="hold">
+                                          <p:stCondLst>
+                                            <p:cond delay="0"/>
+                                          </p:stCondLst>
+                                        </p:cTn>
+                                        <p:tgtEl>
+                                          <p:spTgt spid="3">
+                                            <p:txEl>
+                                              <p:pRg st="2" end="2"/>
+                                            </p:txEl>
+                                          </p:spTgt>
+                                        </p:tgtEl>
+                                        <p:attrNameLst>
+                                          <p:attrName>style.visibility</p:attrName>
+                                        </p:attrNameLst>
+                                      </p:cBhvr>
+                                      <p:to>
+                                        <p:strVal val="visible"/>
+                                      </p:to>
+                                    </p:set>
+                                  </p:childTnLst>
+                                </p:cTn>
+                              </p:par>
+                            </p:childTnLst>
+                          </p:cTn>
+                        </p:par>
+                      </p:childTnLst>
+                    </p:cTn>
+                  </p:par>
+                  <p:par>
+                    <p:cTn id="7" fill="hold">
+                      <p:stCondLst>
+                        <p:cond delay="indefinite"/>
+                      </p:stCondLst>
+                      <p:childTnLst>
+                        <p:par>
+                          <p:cTn id="8" fill="hold">
+                            <p:stCondLst>
+                              <p:cond delay="0"/>
+                            </p:stCondLst>
+                            <p:childTnLst>
+                              <p:par>
+                                <p:cTn id="9" presetID="1" presetClass="entr" presetSubtype="0" fill="hold" nodeType="clickEffect">
+                                  <p:stCondLst>
+                                    <p:cond delay="0"/>
+                                  </p:stCondLst>
+                                  <p:childTnLst>
+                                    <p:set>
+                                      <p:cBhvr>
+                                        <p:cTn id="10" dur="1" fill="hold">
+                                          <p:stCondLst>
+                                            <p:cond delay="0"/>
+                                          </p:stCondLst>
+                                        </p:cTn>
+                                        <p:tgtEl>
+                                          <p:spTgt spid="2">
+                                            <p:txEl>
+                                              <p:pRg st="0" end="0"/>
+                                            </p:txEl>
+                                          </p:spTgt>
+                                        </p:tgtEl>
+                                        <p:attrNameLst>
+                                          <p:attrName>style.visibility</p:attrName>
+                                        </p:attrNameLst>
+                                      </p:cBhvr>
+                                      <p:to>
+                                        <p:strVal val="visible"/>
+                                      </p:to>
+                                    </p:set>
+                                  </p:childTnLst>
+                                </p:cTn>
+                              </p:par>
+                              <p:par>
+                                <p:cTn id="11" presetID="1" presetClass="entr" presetSubtype="0" fill="hold" nodeType="withEffect">
+                                  <p:stCondLst>
+                                    <p:cond delay="0"/>
+                                  </p:stCondLst>
+                                  <p:childTnLst>
+                                    <p:set>
+                                      <p:cBhvr>
+                                        <p:cTn id="12" dur="1" fill="hold">
+                                          <p:stCondLst>
+                                            <p:cond delay="0"/>
+                                          </p:stCondLst>
+                                        </p:cTn>
+                                        <p:tgtEl>
+                                          <p:spTgt spid="2">
+                                            <p:txEl>
+                                              <p:pRg st="1" end="1"/>
+                                            </p:txEl>
+                                          </p:spTgt>
+                                        </p:tgtEl>
+                                        <p:attrNameLst>
+                                          <p:attrName>style.visibility</p:attrName>
+                                        </p:attrNameLst>
+                                      </p:cBhvr>
+                                      <p:to>
+                                        <p:strVal val="visible"/>
+                                      </p:to>
+                                    </p:set>
+                                  </p:childTnLst>
+                                </p:cTn>
+                              </p:par>
+                            </p:childTnLst>
+                          </p:cTn>
+                        </p:par>
+                      </p:childTnLst>
+                    </p:cTn>
+                  </p:par>
+                </p:childTnLst>
+              </p:cTn>
+              <p:prevCondLst>
+                <p:cond evt="onPrev" delay="0">
+                  <p:tgtEl>
+                    <p:sldTgt/>
+                  </p:tgtEl>
+                </p:cond>
+              </p:prevCondLst>
+              <p:nextCondLst>
+                <p:cond evt="onNext" delay="0">
+                  <p:tgtEl>
+                    <p:sldTgt/>
+                  </p:tgtEl>
+                </p:cond>
+              </p:nextCondLst>
+            </p:seq>
+          </p:childTnLst>
+        </p:cTn>
+      </p:par>
+    </p:tnLst>
+  </p:timing>
+</p:sld>
+</file>
+
+<file path=ppt/slides/slide13.xml><?xml version="1.0" encoding="utf-8"?>
+<p:sld xmlns:a="http://schemas.openxmlformats.org/drawingml/2006/main" xmlns:r="http://schemas.openxmlformats.org/officeDocument/2006/relationships" xmlns:p="http://schemas.openxmlformats.org/presentationml/2006/main">
+  <p:cSld>
+    <p:spTree>
+      <p:nvGrpSpPr>
+        <p:cNvPr id="1" name=""/>
+        <p:cNvGrpSpPr/>
+        <p:nvPr/>
+      </p:nvGrpSpPr>
+      <p:grpSpPr>
+        <a:xfrm>
+          <a:off x="0" y="0"/>
+          <a:ext cx="0" cy="0"/>
+          <a:chOff x="0" y="0"/>
+          <a:chExt cx="0" cy="0"/>
+        </a:xfrm>
+      </p:grpSpPr>
+      <p:sp>
+        <p:nvSpPr>
+          <p:cNvPr id="3" name="Content Placeholder 2"/>
+          <p:cNvSpPr>
+            <a:spLocks noGrp="1"/>
+          </p:cNvSpPr>
+          <p:nvPr>
+            <p:ph idx="1"/>
+          </p:nvPr>
+        </p:nvSpPr>
+        <p:spPr>
+          <a:xfrm>
+            <a:off x="457200" y="1628801"/>
+            <a:ext cx="8229600" cy="4695800"/>
+          </a:xfrm>
+        </p:spPr>
+        <p:txBody>
+          <a:bodyPr/>
+          <a:lstStyle/>
+          <a:p>
+            <a:r>
+              <a:rPr lang="en-GB" dirty="0" smtClean="0"/>
+              <a:t>To summarize</a:t>
+            </a:r>
+            <a:r>
+              <a:rPr lang="en-GB" dirty="0"/>
+              <a:t>:</a:t>
+            </a:r>
+            <a:r>
+              <a:rPr lang="en-GB" dirty="0" smtClean="0"/>
+              <a:t> mixed </a:t>
+            </a:r>
+            <a:r>
+              <a:rPr lang="en-GB" dirty="0"/>
+              <a:t>models are used to appropriately estimate </a:t>
+            </a:r>
+            <a:r>
+              <a:rPr lang="en-GB" dirty="0" smtClean="0"/>
+              <a:t>between-group </a:t>
+            </a:r>
+            <a:r>
+              <a:rPr lang="en-GB" dirty="0"/>
+              <a:t>variance and to account for </a:t>
+            </a:r>
+            <a:r>
+              <a:rPr lang="en-GB" dirty="0" smtClean="0"/>
+              <a:t>non-independency </a:t>
+            </a:r>
+            <a:r>
+              <a:rPr lang="en-GB" dirty="0"/>
+              <a:t>among data points</a:t>
+            </a:r>
+            <a:r>
+              <a:rPr lang="en-GB" dirty="0" smtClean="0"/>
+              <a:t>.</a:t>
+            </a:r>
+          </a:p>
+          <a:p>
+            <a:r>
+              <a:rPr lang="en-GB" dirty="0"/>
+              <a:t>The presence of a random effect adds another layer of variance!</a:t>
+            </a:r>
+          </a:p>
+          <a:p>
+            <a:endParaRPr lang="en-GB" dirty="0"/>
+          </a:p>
+        </p:txBody>
+      </p:sp>
+      <p:sp>
+        <p:nvSpPr>
+          <p:cNvPr id="7" name="Title 1">
+            <a:extLst>
+              <a:ext uri="{FF2B5EF4-FFF2-40B4-BE49-F238E27FC236}">
+                <a16:creationId xmlns="" xmlns:a16="http://schemas.microsoft.com/office/drawing/2014/main" id="{EDDE273D-90E2-47F3-8613-1F70BBDC1086}"/>
+              </a:ext>
+            </a:extLst>
+          </p:cNvPr>
+          <p:cNvSpPr txBox="1">
+            <a:spLocks/>
+          </p:cNvSpPr>
+          <p:nvPr/>
+        </p:nvSpPr>
+        <p:spPr bwMode="auto">
+          <a:xfrm>
+            <a:off x="457200" y="704850"/>
+            <a:ext cx="8229600" cy="779934"/>
+          </a:xfrm>
+          <a:prstGeom prst="rect">
+            <a:avLst/>
+          </a:prstGeom>
+          <a:noFill/>
+          <a:ln>
+            <a:noFill/>
+          </a:ln>
+          <a:extLst>
+            <a:ext uri="{909E8E84-426E-40DD-AFC4-6F175D3DCCD1}">
+              <a14:hiddenFill xmlns:a14="http://schemas.microsoft.com/office/drawing/2010/main">
+                <a:solidFill>
+                  <a:srgbClr val="FFFFFF"/>
+                </a:solidFill>
+              </a14:hiddenFill>
+            </a:ext>
+            <a:ext uri="{91240B29-F687-4F45-9708-019B960494DF}">
+              <a14:hiddenLine xmlns:a14="http://schemas.microsoft.com/office/drawing/2010/main" w="9525">
+                <a:solidFill>
+                  <a:srgbClr val="000000"/>
+                </a:solidFill>
+                <a:miter lim="800000"/>
+                <a:headEnd/>
+                <a:tailEnd/>
+              </a14:hiddenLine>
+            </a:ext>
+          </a:extLst>
+        </p:spPr>
+        <p:txBody>
+          <a:bodyPr vert="horz" wrap="square" lIns="0" tIns="45720" rIns="0" bIns="0" numCol="1" anchor="b" anchorCtr="0" compatLnSpc="1">
+            <a:prstTxWarp prst="textNoShape">
+              <a:avLst/>
+            </a:prstTxWarp>
+            <a:normAutofit fontScale="97500" lnSpcReduction="10000"/>
+          </a:bodyPr>
+          <a:lstStyle>
+            <a:lvl1pPr algn="l" rtl="0" eaLnBrk="1" fontAlgn="base" hangingPunct="1">
+              <a:spcBef>
+                <a:spcPct val="0"/>
+              </a:spcBef>
+              <a:spcAft>
+                <a:spcPct val="0"/>
+              </a:spcAft>
+              <a:defRPr sz="5000" kern="1200">
+                <a:solidFill>
+                  <a:schemeClr val="tx2"/>
+                </a:solidFill>
+                <a:latin typeface="+mj-lt"/>
+                <a:ea typeface="+mj-ea"/>
+                <a:cs typeface="+mj-cs"/>
+              </a:defRPr>
+            </a:lvl1pPr>
+            <a:lvl2pPr algn="l" rtl="0" eaLnBrk="1" fontAlgn="base" hangingPunct="1">
+              <a:spcBef>
+                <a:spcPct val="0"/>
+              </a:spcBef>
+              <a:spcAft>
+                <a:spcPct val="0"/>
+              </a:spcAft>
+              <a:defRPr sz="5000">
+                <a:solidFill>
+                  <a:schemeClr val="tx2"/>
+                </a:solidFill>
+                <a:latin typeface="Calibri" pitchFamily="34" charset="0"/>
+              </a:defRPr>
+            </a:lvl2pPr>
+            <a:lvl3pPr algn="l" rtl="0" eaLnBrk="1" fontAlgn="base" hangingPunct="1">
+              <a:spcBef>
+                <a:spcPct val="0"/>
+              </a:spcBef>
+              <a:spcAft>
+                <a:spcPct val="0"/>
+              </a:spcAft>
+              <a:defRPr sz="5000">
+                <a:solidFill>
+                  <a:schemeClr val="tx2"/>
+                </a:solidFill>
+                <a:latin typeface="Calibri" pitchFamily="34" charset="0"/>
+              </a:defRPr>
+            </a:lvl3pPr>
+            <a:lvl4pPr algn="l" rtl="0" eaLnBrk="1" fontAlgn="base" hangingPunct="1">
+              <a:spcBef>
+                <a:spcPct val="0"/>
+              </a:spcBef>
+              <a:spcAft>
+                <a:spcPct val="0"/>
+              </a:spcAft>
+              <a:defRPr sz="5000">
+                <a:solidFill>
+                  <a:schemeClr val="tx2"/>
+                </a:solidFill>
+                <a:latin typeface="Calibri" pitchFamily="34" charset="0"/>
+              </a:defRPr>
+            </a:lvl4pPr>
+            <a:lvl5pPr algn="l" rtl="0" eaLnBrk="1" fontAlgn="base" hangingPunct="1">
+              <a:spcBef>
+                <a:spcPct val="0"/>
+              </a:spcBef>
+              <a:spcAft>
+                <a:spcPct val="0"/>
+              </a:spcAft>
+              <a:defRPr sz="5000">
+                <a:solidFill>
+                  <a:schemeClr val="tx2"/>
+                </a:solidFill>
+                <a:latin typeface="Calibri" pitchFamily="34" charset="0"/>
+              </a:defRPr>
+            </a:lvl5pPr>
+            <a:lvl6pPr marL="457200" algn="l" rtl="0" eaLnBrk="1" fontAlgn="base" hangingPunct="1">
+              <a:spcBef>
+                <a:spcPct val="0"/>
+              </a:spcBef>
+              <a:spcAft>
+                <a:spcPct val="0"/>
+              </a:spcAft>
+              <a:defRPr sz="5000">
+                <a:solidFill>
+                  <a:schemeClr val="tx2"/>
+                </a:solidFill>
+                <a:latin typeface="Calibri" pitchFamily="34" charset="0"/>
+              </a:defRPr>
+            </a:lvl6pPr>
+            <a:lvl7pPr marL="914400" algn="l" rtl="0" eaLnBrk="1" fontAlgn="base" hangingPunct="1">
+              <a:spcBef>
+                <a:spcPct val="0"/>
+              </a:spcBef>
+              <a:spcAft>
+                <a:spcPct val="0"/>
+              </a:spcAft>
+              <a:defRPr sz="5000">
+                <a:solidFill>
+                  <a:schemeClr val="tx2"/>
+                </a:solidFill>
+                <a:latin typeface="Calibri" pitchFamily="34" charset="0"/>
+              </a:defRPr>
+            </a:lvl7pPr>
+            <a:lvl8pPr marL="1371600" algn="l" rtl="0" eaLnBrk="1" fontAlgn="base" hangingPunct="1">
+              <a:spcBef>
+                <a:spcPct val="0"/>
+              </a:spcBef>
+              <a:spcAft>
+                <a:spcPct val="0"/>
+              </a:spcAft>
+              <a:defRPr sz="5000">
+                <a:solidFill>
+                  <a:schemeClr val="tx2"/>
+                </a:solidFill>
+                <a:latin typeface="Calibri" pitchFamily="34" charset="0"/>
+              </a:defRPr>
+            </a:lvl8pPr>
+            <a:lvl9pPr marL="1828800" algn="l" rtl="0" eaLnBrk="1" fontAlgn="base" hangingPunct="1">
+              <a:spcBef>
+                <a:spcPct val="0"/>
+              </a:spcBef>
+              <a:spcAft>
+                <a:spcPct val="0"/>
+              </a:spcAft>
+              <a:defRPr sz="5000">
+                <a:solidFill>
+                  <a:schemeClr val="tx2"/>
+                </a:solidFill>
+                <a:latin typeface="Calibri" pitchFamily="34" charset="0"/>
+              </a:defRPr>
+            </a:lvl9pPr>
+          </a:lstStyle>
+          <a:p>
+            <a:r>
+              <a:rPr lang="de-AT" dirty="0"/>
+              <a:t>Linear </a:t>
+            </a:r>
+            <a:r>
+              <a:rPr lang="de-AT" dirty="0" err="1"/>
+              <a:t>mixed-effects</a:t>
+            </a:r>
+            <a:r>
+              <a:rPr lang="de-AT" dirty="0"/>
+              <a:t> </a:t>
+            </a:r>
+            <a:r>
+              <a:rPr lang="de-AT" dirty="0" err="1"/>
+              <a:t>models</a:t>
+            </a:r>
+            <a:endParaRPr lang="en-CA" dirty="0"/>
+          </a:p>
+        </p:txBody>
+      </p:sp>
+      <p:pic>
+        <p:nvPicPr>
+          <p:cNvPr id="4" name="Picture 3"/>
+          <p:cNvPicPr>
+            <a:picLocks noChangeAspect="1"/>
+          </p:cNvPicPr>
+          <p:nvPr/>
+        </p:nvPicPr>
+        <p:blipFill>
+          <a:blip r:embed="rId2"/>
+          <a:stretch>
+            <a:fillRect/>
+          </a:stretch>
+        </p:blipFill>
+        <p:spPr>
+          <a:xfrm>
+            <a:off x="809836" y="4073803"/>
+            <a:ext cx="7524328" cy="2394815"/>
+          </a:xfrm>
+          <a:prstGeom prst="rect">
+            <a:avLst/>
+          </a:prstGeom>
+        </p:spPr>
+      </p:pic>
+    </p:spTree>
+    <p:extLst>
+      <p:ext uri="{BB962C8B-B14F-4D97-AF65-F5344CB8AC3E}">
+        <p14:creationId xmlns:p14="http://schemas.microsoft.com/office/powerpoint/2010/main" val="2038864934"/>
       </p:ext>
     </p:extLst>
   </p:cSld>
@@ -6228,51 +6270,120 @@
           <a:bodyPr/>
           <a:lstStyle/>
           <a:p>
-            <a:r>
-              <a:rPr lang="en-GB" dirty="0" smtClean="0"/>
-              <a:t>To summarize</a:t>
-            </a:r>
-            <a:r>
-              <a:rPr lang="en-GB" dirty="0"/>
-              <a:t>:</a:t>
-            </a:r>
-            <a:r>
-              <a:rPr lang="en-GB" dirty="0" smtClean="0"/>
-              <a:t> mixed </a:t>
-            </a:r>
-            <a:r>
-              <a:rPr lang="en-GB" dirty="0"/>
-              <a:t>models are used to appropriately estimate </a:t>
-            </a:r>
-            <a:r>
-              <a:rPr lang="en-GB" dirty="0" smtClean="0"/>
-              <a:t>between-group </a:t>
-            </a:r>
-            <a:r>
-              <a:rPr lang="en-GB" dirty="0"/>
-              <a:t>variance and to account for </a:t>
-            </a:r>
-            <a:r>
-              <a:rPr lang="en-GB" dirty="0" smtClean="0"/>
-              <a:t>non-independency </a:t>
-            </a:r>
-            <a:r>
-              <a:rPr lang="en-GB" dirty="0"/>
-              <a:t>among data points</a:t>
-            </a:r>
-            <a:r>
-              <a:rPr lang="en-GB" dirty="0" smtClean="0"/>
-              <a:t>.</a:t>
-            </a:r>
-          </a:p>
-          <a:p>
-            <a:r>
-              <a:rPr lang="en-GB" dirty="0"/>
-              <a:t>The presence of a random effect adds another layer of variance!</a:t>
-            </a:r>
-          </a:p>
-          <a:p>
-            <a:endParaRPr lang="en-GB" dirty="0"/>
+            <a:pPr marL="0" indent="0">
+              <a:buNone/>
+            </a:pPr>
+            <a:r>
+              <a:rPr lang="en-GB" sz="2400" dirty="0" smtClean="0"/>
+              <a:t>-&gt; </a:t>
+            </a:r>
+            <a:r>
+              <a:rPr lang="en-GB" sz="2400" dirty="0"/>
+              <a:t>use </a:t>
+            </a:r>
+            <a:r>
+              <a:rPr lang="en-GB" sz="2400" dirty="0" smtClean="0"/>
+              <a:t>package lme4, function: </a:t>
+            </a:r>
+            <a:r>
+              <a:rPr lang="en-GB" sz="2400" b="1" dirty="0" err="1" smtClean="0"/>
+              <a:t>lmer</a:t>
+            </a:r>
+            <a:r>
+              <a:rPr lang="en-GB" sz="2400" b="1" dirty="0" smtClean="0"/>
+              <a:t>()</a:t>
+            </a:r>
+            <a:br>
+              <a:rPr lang="en-GB" sz="2400" b="1" dirty="0" smtClean="0"/>
+            </a:br>
+            <a:r>
+              <a:rPr lang="en-GB" sz="2400" dirty="0" smtClean="0"/>
+              <a:t>lm</a:t>
+            </a:r>
+            <a:r>
+              <a:rPr lang="en-GB" sz="2400" dirty="0"/>
+              <a:t>() assumes all effects are </a:t>
+            </a:r>
+            <a:r>
+              <a:rPr lang="en-GB" sz="2400" dirty="0" smtClean="0"/>
+              <a:t>fixed</a:t>
+            </a:r>
+          </a:p>
+          <a:p>
+            <a:pPr marL="0" indent="0">
+              <a:buNone/>
+            </a:pPr>
+            <a:endParaRPr lang="en-GB" sz="2400" b="1" dirty="0" smtClean="0"/>
+          </a:p>
+          <a:p>
+            <a:r>
+              <a:rPr lang="en-GB" sz="2400" dirty="0" err="1"/>
+              <a:t>l</a:t>
+            </a:r>
+            <a:r>
+              <a:rPr lang="en-GB" sz="2400" dirty="0" err="1" smtClean="0"/>
+              <a:t>mer</a:t>
+            </a:r>
+            <a:r>
+              <a:rPr lang="en-GB" sz="2400" dirty="0" smtClean="0"/>
+              <a:t>() </a:t>
+            </a:r>
+            <a:r>
+              <a:rPr lang="en-GB" sz="2400" dirty="0"/>
+              <a:t>is used similarly to </a:t>
+            </a:r>
+            <a:r>
+              <a:rPr lang="en-GB" sz="2400" dirty="0" smtClean="0"/>
+              <a:t>function lm() </a:t>
+            </a:r>
+          </a:p>
+          <a:p>
+            <a:r>
+              <a:rPr lang="en-GB" sz="2400" dirty="0" smtClean="0"/>
+              <a:t>random </a:t>
+            </a:r>
+            <a:r>
+              <a:rPr lang="en-GB" sz="2400" dirty="0"/>
+              <a:t>factors are added in the model formula within </a:t>
+            </a:r>
+            <a:r>
+              <a:rPr lang="en-GB" sz="2400" dirty="0" smtClean="0"/>
+              <a:t>parentheses. </a:t>
+            </a:r>
+          </a:p>
+          <a:p>
+            <a:r>
+              <a:rPr lang="en-GB" sz="2400" dirty="0" smtClean="0"/>
+              <a:t>The </a:t>
+            </a:r>
+            <a:r>
+              <a:rPr lang="en-GB" sz="2400" dirty="0"/>
+              <a:t>“1” stands for the intercept and the </a:t>
+            </a:r>
+            <a:r>
+              <a:rPr lang="en-GB" sz="2400" dirty="0" smtClean="0"/>
+              <a:t>“|” </a:t>
+            </a:r>
+            <a:r>
+              <a:rPr lang="en-GB" sz="2400" dirty="0"/>
+              <a:t>means “grouped by</a:t>
+            </a:r>
+            <a:r>
+              <a:rPr lang="en-GB" sz="2400" dirty="0" smtClean="0"/>
+              <a:t>”, (1|Individual) therefore</a:t>
+            </a:r>
+            <a:r>
+              <a:rPr lang="en-GB" sz="2400" dirty="0"/>
+              <a:t>, adds the random deviations for each individual to the </a:t>
+            </a:r>
+            <a:r>
+              <a:rPr lang="en-GB" sz="2400" dirty="0" smtClean="0"/>
+              <a:t>average intercept</a:t>
+            </a:r>
+            <a:r>
+              <a:rPr lang="en-GB" sz="2400" dirty="0"/>
+              <a:t>. </a:t>
+            </a:r>
           </a:p>
         </p:txBody>
       </p:sp>
@@ -6281,7 +6392,7 @@
           <p:cNvPr id="7" name="Title 1">
             <a:extLst>
               <a:ext uri="{FF2B5EF4-FFF2-40B4-BE49-F238E27FC236}">
-                <a16:creationId xmlns:a16="http://schemas.microsoft.com/office/drawing/2014/main" xmlns="" id="{EDDE273D-90E2-47F3-8613-1F70BBDC1086}"/>
+                <a16:creationId xmlns="" xmlns:a16="http://schemas.microsoft.com/office/drawing/2014/main" id="{EDDE273D-90E2-47F3-8613-1F70BBDC1086}"/>
               </a:ext>
             </a:extLst>
           </p:cNvPr>
@@ -6327,7 +6438,7 @@
             <a:prstTxWarp prst="textNoShape">
               <a:avLst/>
             </a:prstTxWarp>
-            <a:normAutofit fontScale="97500" lnSpcReduction="10000"/>
+            <a:normAutofit fontScale="82500" lnSpcReduction="10000"/>
           </a:bodyPr>
           <a:lstStyle>
             <a:lvl1pPr algn="l" rtl="0" eaLnBrk="1" fontAlgn="base" hangingPunct="1">
@@ -6461,8 +6572,16 @@
           </a:lstStyle>
           <a:p>
             <a:r>
+              <a:rPr lang="de-AT" dirty="0" smtClean="0"/>
+              <a:t>Fitting </a:t>
+            </a:r>
+            <a:r>
               <a:rPr lang="de-AT" dirty="0"/>
-              <a:t>Linear </a:t>
+              <a:t>l</a:t>
+            </a:r>
+            <a:r>
+              <a:rPr lang="de-AT" dirty="0" smtClean="0"/>
+              <a:t>inear </a:t>
             </a:r>
             <a:r>
               <a:rPr lang="de-AT" dirty="0" err="1"/>
@@ -6473,41 +6592,21 @@
               <a:t> </a:t>
             </a:r>
             <a:r>
-              <a:rPr lang="de-AT" dirty="0" err="1"/>
+              <a:rPr lang="de-AT" dirty="0" err="1" smtClean="0"/>
               <a:t>models</a:t>
+            </a:r>
+            <a:r>
+              <a:rPr lang="de-AT" dirty="0" smtClean="0"/>
+              <a:t> in R</a:t>
             </a:r>
             <a:endParaRPr lang="en-CA" dirty="0"/>
           </a:p>
         </p:txBody>
       </p:sp>
-      <p:pic>
-        <p:nvPicPr>
-          <p:cNvPr id="4" name="Picture 3"/>
-          <p:cNvPicPr>
-            <a:picLocks noChangeAspect="1"/>
-          </p:cNvPicPr>
-          <p:nvPr/>
-        </p:nvPicPr>
-        <p:blipFill>
-          <a:blip r:embed="rId2"/>
-          <a:stretch>
-            <a:fillRect/>
-          </a:stretch>
-        </p:blipFill>
-        <p:spPr>
-          <a:xfrm>
-            <a:off x="809836" y="4073803"/>
-            <a:ext cx="7524328" cy="2394815"/>
-          </a:xfrm>
-          <a:prstGeom prst="rect">
-            <a:avLst/>
-          </a:prstGeom>
-        </p:spPr>
-      </p:pic>
     </p:spTree>
     <p:extLst>
       <p:ext uri="{BB962C8B-B14F-4D97-AF65-F5344CB8AC3E}">
-        <p14:creationId xmlns:p14="http://schemas.microsoft.com/office/powerpoint/2010/main" val="2038864934"/>
+        <p14:creationId xmlns:p14="http://schemas.microsoft.com/office/powerpoint/2010/main" val="797118597"/>
       </p:ext>
     </p:extLst>
   </p:cSld>
@@ -6553,8 +6652,8 @@
         </p:nvSpPr>
         <p:spPr>
           <a:xfrm>
-            <a:off x="457200" y="1628801"/>
-            <a:ext cx="8229600" cy="4695800"/>
+            <a:off x="179512" y="1604917"/>
+            <a:ext cx="4330824" cy="4695800"/>
           </a:xfrm>
         </p:spPr>
         <p:txBody>
@@ -6565,118 +6664,280 @@
               <a:buNone/>
             </a:pPr>
             <a:r>
-              <a:rPr lang="en-GB" sz="2400" dirty="0" smtClean="0"/>
-              <a:t>-&gt; </a:t>
-            </a:r>
-            <a:r>
-              <a:rPr lang="en-GB" sz="2400" dirty="0"/>
-              <a:t>use lme4</a:t>
-            </a:r>
-            <a:r>
-              <a:rPr lang="en-GB" sz="2400" dirty="0" smtClean="0"/>
-              <a:t>::</a:t>
-            </a:r>
-            <a:r>
-              <a:rPr lang="en-GB" sz="2400" b="1" dirty="0" err="1" smtClean="0"/>
-              <a:t>lmer</a:t>
-            </a:r>
-            <a:r>
-              <a:rPr lang="en-GB" sz="2400" b="1" dirty="0"/>
-              <a:t>() </a:t>
-            </a:r>
-            <a:r>
-              <a:rPr lang="en-GB" sz="2400" b="1" dirty="0" smtClean="0"/>
-              <a:t>– </a:t>
-            </a:r>
-            <a:r>
-              <a:rPr lang="en-GB" sz="2400" dirty="0" smtClean="0"/>
-              <a:t>(</a:t>
-            </a:r>
-            <a:r>
-              <a:rPr lang="en-GB" sz="2400" dirty="0"/>
-              <a:t>lm() assumes all effects are </a:t>
-            </a:r>
-            <a:r>
-              <a:rPr lang="en-GB" sz="2400" dirty="0" smtClean="0"/>
-              <a:t>fixed)</a:t>
+              <a:rPr lang="de-AT" sz="2200" dirty="0" err="1" smtClean="0"/>
+              <a:t>Example</a:t>
+            </a:r>
+            <a:r>
+              <a:rPr lang="de-AT" sz="2200" dirty="0" smtClean="0"/>
+              <a:t>: </a:t>
+            </a:r>
+            <a:r>
+              <a:rPr lang="de-AT" sz="2200" dirty="0" err="1" smtClean="0"/>
+              <a:t>species</a:t>
+            </a:r>
+            <a:r>
+              <a:rPr lang="de-AT" sz="2200" dirty="0" smtClean="0"/>
+              <a:t> </a:t>
+            </a:r>
+            <a:r>
+              <a:rPr lang="de-AT" sz="2200" dirty="0" err="1" smtClean="0"/>
+              <a:t>richness</a:t>
+            </a:r>
+            <a:r>
+              <a:rPr lang="de-AT" sz="2200" dirty="0" smtClean="0"/>
+              <a:t> on </a:t>
+            </a:r>
+            <a:r>
+              <a:rPr lang="de-AT" sz="2200" dirty="0" err="1" smtClean="0"/>
+              <a:t>five</a:t>
+            </a:r>
+            <a:r>
+              <a:rPr lang="de-AT" sz="2200" dirty="0" smtClean="0"/>
+              <a:t> </a:t>
+            </a:r>
+            <a:r>
+              <a:rPr lang="de-AT" sz="2200" dirty="0" err="1" smtClean="0"/>
+              <a:t>plots</a:t>
+            </a:r>
+            <a:r>
+              <a:rPr lang="de-AT" sz="2200" dirty="0" smtClean="0"/>
+              <a:t> at </a:t>
+            </a:r>
+            <a:r>
+              <a:rPr lang="de-AT" sz="2200" dirty="0" err="1" smtClean="0"/>
+              <a:t>each</a:t>
+            </a:r>
+            <a:r>
+              <a:rPr lang="de-AT" sz="2200" dirty="0" smtClean="0"/>
+              <a:t> </a:t>
+            </a:r>
+            <a:r>
+              <a:rPr lang="de-AT" sz="2200" dirty="0" err="1" smtClean="0"/>
+              <a:t>of</a:t>
+            </a:r>
+            <a:r>
+              <a:rPr lang="de-AT" sz="2200" dirty="0" smtClean="0"/>
+              <a:t> </a:t>
+            </a:r>
+            <a:r>
+              <a:rPr lang="de-AT" sz="2200" dirty="0" err="1" smtClean="0"/>
+              <a:t>nine</a:t>
+            </a:r>
+            <a:r>
+              <a:rPr lang="de-AT" sz="2200" dirty="0" smtClean="0"/>
+              <a:t> </a:t>
+            </a:r>
+            <a:r>
+              <a:rPr lang="de-AT" sz="2200" dirty="0" err="1" smtClean="0"/>
+              <a:t>beaches</a:t>
+            </a:r>
+            <a:r>
+              <a:rPr lang="de-AT" sz="2200" dirty="0" smtClean="0"/>
+              <a:t> </a:t>
+            </a:r>
+            <a:r>
+              <a:rPr lang="de-AT" sz="2200" dirty="0" err="1" smtClean="0"/>
+              <a:t>with</a:t>
+            </a:r>
+            <a:r>
+              <a:rPr lang="de-AT" sz="2200" dirty="0" smtClean="0"/>
+              <a:t> </a:t>
+            </a:r>
+            <a:r>
+              <a:rPr lang="de-AT" sz="2200" dirty="0" err="1" smtClean="0"/>
+              <a:t>the</a:t>
+            </a:r>
+            <a:r>
+              <a:rPr lang="de-AT" sz="2200" dirty="0" smtClean="0"/>
+              <a:t> </a:t>
+            </a:r>
+            <a:r>
+              <a:rPr lang="de-AT" sz="2200" dirty="0" err="1" smtClean="0"/>
+              <a:t>predictor</a:t>
+            </a:r>
+            <a:r>
+              <a:rPr lang="de-AT" sz="2200" dirty="0" smtClean="0"/>
+              <a:t> variable NAP (</a:t>
+            </a:r>
+            <a:r>
+              <a:rPr lang="de-AT" sz="2200" dirty="0" err="1" smtClean="0"/>
+              <a:t>height</a:t>
+            </a:r>
+            <a:r>
+              <a:rPr lang="de-AT" sz="2200" dirty="0" smtClean="0"/>
+              <a:t> </a:t>
+            </a:r>
+            <a:r>
+              <a:rPr lang="de-AT" sz="2200" dirty="0" err="1" smtClean="0"/>
+              <a:t>of</a:t>
+            </a:r>
+            <a:r>
+              <a:rPr lang="de-AT" sz="2200" dirty="0" smtClean="0"/>
+              <a:t> </a:t>
+            </a:r>
+            <a:r>
+              <a:rPr lang="de-AT" sz="2200" dirty="0" err="1" smtClean="0"/>
+              <a:t>sampling</a:t>
+            </a:r>
+            <a:r>
+              <a:rPr lang="de-AT" sz="2200" dirty="0" smtClean="0"/>
+              <a:t> </a:t>
+            </a:r>
+            <a:r>
+              <a:rPr lang="de-AT" sz="2200" dirty="0" err="1" smtClean="0"/>
+              <a:t>station</a:t>
+            </a:r>
+            <a:r>
+              <a:rPr lang="de-AT" sz="2200" dirty="0" smtClean="0"/>
+              <a:t> </a:t>
+            </a:r>
+            <a:r>
+              <a:rPr lang="de-AT" sz="2200" dirty="0" err="1" smtClean="0"/>
+              <a:t>compared</a:t>
+            </a:r>
+            <a:r>
+              <a:rPr lang="de-AT" sz="2200" dirty="0" smtClean="0"/>
+              <a:t> </a:t>
+            </a:r>
+            <a:r>
+              <a:rPr lang="de-AT" sz="2200" dirty="0" err="1" smtClean="0"/>
+              <a:t>to</a:t>
+            </a:r>
+            <a:r>
+              <a:rPr lang="de-AT" sz="2200" dirty="0" smtClean="0"/>
+              <a:t> </a:t>
+            </a:r>
+            <a:r>
+              <a:rPr lang="de-AT" sz="2200" dirty="0" err="1" smtClean="0"/>
+              <a:t>mean</a:t>
+            </a:r>
+            <a:r>
+              <a:rPr lang="de-AT" sz="2200" dirty="0" smtClean="0"/>
+              <a:t> </a:t>
+            </a:r>
+            <a:r>
+              <a:rPr lang="de-AT" sz="2200" dirty="0" err="1" smtClean="0"/>
+              <a:t>tidal</a:t>
+            </a:r>
+            <a:r>
+              <a:rPr lang="de-AT" sz="2200" dirty="0" smtClean="0"/>
+              <a:t> </a:t>
+            </a:r>
+            <a:r>
+              <a:rPr lang="de-AT" sz="2200" dirty="0" err="1" smtClean="0"/>
+              <a:t>level</a:t>
+            </a:r>
+            <a:r>
+              <a:rPr lang="de-AT" sz="2200" dirty="0" smtClean="0"/>
+              <a:t>). </a:t>
+            </a:r>
+            <a:r>
+              <a:rPr lang="de-AT" sz="1600" dirty="0" smtClean="0"/>
+              <a:t>Data </a:t>
+            </a:r>
+            <a:r>
+              <a:rPr lang="de-AT" sz="1600" dirty="0" err="1" smtClean="0"/>
+              <a:t>collected</a:t>
+            </a:r>
+            <a:r>
+              <a:rPr lang="de-AT" sz="1600" dirty="0" smtClean="0"/>
+              <a:t> </a:t>
+            </a:r>
+            <a:r>
+              <a:rPr lang="de-AT" sz="1600" dirty="0" err="1" smtClean="0"/>
+              <a:t>by</a:t>
+            </a:r>
+            <a:r>
+              <a:rPr lang="de-AT" sz="1600" dirty="0" smtClean="0"/>
+              <a:t> </a:t>
+            </a:r>
+            <a:r>
+              <a:rPr lang="de-AT" sz="1600" dirty="0" err="1" smtClean="0"/>
+              <a:t>the</a:t>
+            </a:r>
+            <a:r>
+              <a:rPr lang="de-AT" sz="1600" dirty="0" smtClean="0"/>
+              <a:t> </a:t>
+            </a:r>
+            <a:r>
+              <a:rPr lang="de-AT" sz="1600" dirty="0" err="1" smtClean="0"/>
+              <a:t>dutch</a:t>
+            </a:r>
+            <a:r>
+              <a:rPr lang="de-AT" sz="1600" dirty="0" smtClean="0"/>
+              <a:t> </a:t>
+            </a:r>
+            <a:r>
+              <a:rPr lang="de-AT" sz="1600" dirty="0" err="1" smtClean="0"/>
+              <a:t>institute</a:t>
+            </a:r>
+            <a:r>
+              <a:rPr lang="de-AT" sz="1600" dirty="0" smtClean="0"/>
+              <a:t> RIKZ, </a:t>
+            </a:r>
+            <a:r>
+              <a:rPr lang="de-AT" sz="1600" dirty="0" err="1" smtClean="0"/>
+              <a:t>see</a:t>
+            </a:r>
+            <a:r>
+              <a:rPr lang="de-AT" sz="1600" dirty="0" smtClean="0"/>
+              <a:t> also </a:t>
+            </a:r>
+            <a:r>
+              <a:rPr lang="de-AT" sz="1600" dirty="0" err="1" smtClean="0"/>
+              <a:t>Zuur</a:t>
+            </a:r>
+            <a:r>
+              <a:rPr lang="de-AT" sz="1600" dirty="0" smtClean="0"/>
+              <a:t> et al. 2009</a:t>
             </a:r>
           </a:p>
           <a:p>
             <a:pPr marL="0" indent="0">
               <a:buNone/>
             </a:pPr>
-            <a:endParaRPr lang="en-GB" sz="2400" b="1" dirty="0" smtClean="0"/>
-          </a:p>
-          <a:p>
-            <a:r>
-              <a:rPr lang="en-GB" sz="2400" dirty="0" err="1"/>
-              <a:t>l</a:t>
-            </a:r>
-            <a:r>
-              <a:rPr lang="en-GB" sz="2400" dirty="0" err="1" smtClean="0"/>
-              <a:t>mer</a:t>
-            </a:r>
-            <a:r>
-              <a:rPr lang="en-GB" sz="2400" dirty="0" smtClean="0"/>
-              <a:t>() </a:t>
-            </a:r>
-            <a:r>
-              <a:rPr lang="en-GB" sz="2400" dirty="0"/>
-              <a:t>is used similarly to </a:t>
-            </a:r>
-            <a:r>
-              <a:rPr lang="en-GB" sz="2400" dirty="0" smtClean="0"/>
-              <a:t>function lm() </a:t>
-            </a:r>
-          </a:p>
-          <a:p>
-            <a:r>
-              <a:rPr lang="en-GB" sz="2400" dirty="0" smtClean="0"/>
-              <a:t>random </a:t>
-            </a:r>
-            <a:r>
-              <a:rPr lang="en-GB" sz="2400" dirty="0"/>
-              <a:t>factors are added in the model formula within </a:t>
-            </a:r>
-            <a:r>
-              <a:rPr lang="en-GB" sz="2400" dirty="0" smtClean="0"/>
-              <a:t>parentheses. </a:t>
-            </a:r>
-          </a:p>
-          <a:p>
-            <a:r>
-              <a:rPr lang="en-GB" sz="2400" dirty="0" smtClean="0"/>
-              <a:t>The </a:t>
-            </a:r>
-            <a:r>
-              <a:rPr lang="en-GB" sz="2400" dirty="0"/>
-              <a:t>“1” stands for the intercept and the </a:t>
-            </a:r>
-            <a:r>
-              <a:rPr lang="en-GB" sz="2400" dirty="0" smtClean="0"/>
-              <a:t>“|” </a:t>
-            </a:r>
-            <a:r>
-              <a:rPr lang="en-GB" sz="2400" dirty="0"/>
-              <a:t>means “grouped by</a:t>
-            </a:r>
-            <a:r>
-              <a:rPr lang="en-GB" sz="2400" dirty="0" smtClean="0"/>
-              <a:t>”, (1|Individual) therefore</a:t>
-            </a:r>
-            <a:r>
-              <a:rPr lang="en-GB" sz="2400" dirty="0"/>
-              <a:t>, adds the random deviations for each individual to the </a:t>
-            </a:r>
-            <a:r>
-              <a:rPr lang="en-GB" sz="2400" dirty="0" smtClean="0"/>
-              <a:t>average intercept</a:t>
-            </a:r>
-            <a:r>
-              <a:rPr lang="en-GB" sz="2400" dirty="0"/>
-              <a:t>. </a:t>
-            </a:r>
-            <a:endParaRPr lang="en-GB" sz="2400" dirty="0"/>
+            <a:endParaRPr lang="de-AT" sz="2000" dirty="0" smtClean="0"/>
+          </a:p>
+          <a:p>
+            <a:pPr marL="0" indent="0">
+              <a:buNone/>
+            </a:pPr>
+            <a:r>
+              <a:rPr lang="de-AT" sz="2200" dirty="0" smtClean="0"/>
+              <a:t>Interpretation</a:t>
+            </a:r>
+          </a:p>
+          <a:p>
+            <a:r>
+              <a:rPr lang="de-AT" sz="2200" dirty="0" err="1" smtClean="0"/>
+              <a:t>Fitted</a:t>
+            </a:r>
+            <a:r>
+              <a:rPr lang="de-AT" sz="2200" dirty="0" smtClean="0"/>
+              <a:t> </a:t>
+            </a:r>
+            <a:r>
+              <a:rPr lang="de-AT" sz="2200" dirty="0" err="1" smtClean="0"/>
+              <a:t>with</a:t>
+            </a:r>
+            <a:r>
+              <a:rPr lang="de-AT" sz="2200" dirty="0" smtClean="0"/>
+              <a:t> REML</a:t>
+            </a:r>
+          </a:p>
+          <a:p>
+            <a:r>
+              <a:rPr lang="en-GB" sz="2200" dirty="0" smtClean="0"/>
+              <a:t>Parameter estimates are </a:t>
+            </a:r>
+            <a:r>
+              <a:rPr lang="en-GB" sz="2200" dirty="0"/>
+              <a:t>grouped into a random effects and </a:t>
+            </a:r>
+            <a:r>
+              <a:rPr lang="en-GB" sz="2200" dirty="0" smtClean="0"/>
+              <a:t>fixed effects. </a:t>
+            </a:r>
           </a:p>
         </p:txBody>
       </p:sp>
@@ -6685,7 +6946,7 @@
           <p:cNvPr id="7" name="Title 1">
             <a:extLst>
               <a:ext uri="{FF2B5EF4-FFF2-40B4-BE49-F238E27FC236}">
-                <a16:creationId xmlns:a16="http://schemas.microsoft.com/office/drawing/2014/main" xmlns="" id="{EDDE273D-90E2-47F3-8613-1F70BBDC1086}"/>
+                <a16:creationId xmlns="" xmlns:a16="http://schemas.microsoft.com/office/drawing/2014/main" id="{EDDE273D-90E2-47F3-8613-1F70BBDC1086}"/>
               </a:ext>
             </a:extLst>
           </p:cNvPr>
@@ -6731,7 +6992,7 @@
             <a:prstTxWarp prst="textNoShape">
               <a:avLst/>
             </a:prstTxWarp>
-            <a:normAutofit fontScale="82500" lnSpcReduction="10000"/>
+            <a:normAutofit fontScale="97500"/>
           </a:bodyPr>
           <a:lstStyle>
             <a:lvl1pPr algn="l" rtl="0" eaLnBrk="1" fontAlgn="base" hangingPunct="1">
@@ -6865,41 +7126,61 @@
           </a:lstStyle>
           <a:p>
             <a:r>
-              <a:rPr lang="de-AT" dirty="0" smtClean="0"/>
-              <a:t>Fitting </a:t>
-            </a:r>
-            <a:r>
-              <a:rPr lang="de-AT" dirty="0"/>
-              <a:t>l</a:t>
-            </a:r>
-            <a:r>
-              <a:rPr lang="de-AT" dirty="0" smtClean="0"/>
-              <a:t>inear </a:t>
-            </a:r>
-            <a:r>
-              <a:rPr lang="de-AT" dirty="0" err="1"/>
-              <a:t>mixed-effects</a:t>
-            </a:r>
-            <a:r>
-              <a:rPr lang="de-AT" dirty="0"/>
+              <a:rPr lang="de-AT" sz="4800" dirty="0" smtClean="0"/>
+              <a:t>Interpretation </a:t>
+            </a:r>
+            <a:r>
+              <a:rPr lang="de-AT" sz="4800" dirty="0" err="1" smtClean="0"/>
+              <a:t>of</a:t>
+            </a:r>
+            <a:r>
+              <a:rPr lang="de-AT" sz="4800" dirty="0" smtClean="0"/>
               <a:t> </a:t>
             </a:r>
             <a:r>
-              <a:rPr lang="de-AT" dirty="0" err="1" smtClean="0"/>
-              <a:t>models</a:t>
-            </a:r>
-            <a:r>
-              <a:rPr lang="de-AT" dirty="0" smtClean="0"/>
-              <a:t> in R</a:t>
-            </a:r>
-            <a:endParaRPr lang="en-CA" dirty="0"/>
+              <a:rPr lang="de-AT" sz="4800" dirty="0" err="1" smtClean="0"/>
+              <a:t>the</a:t>
+            </a:r>
+            <a:r>
+              <a:rPr lang="de-AT" sz="4800" dirty="0" smtClean="0"/>
+              <a:t> R </a:t>
+            </a:r>
+            <a:r>
+              <a:rPr lang="de-AT" sz="4800" dirty="0" err="1" smtClean="0"/>
+              <a:t>output</a:t>
+            </a:r>
+            <a:endParaRPr lang="en-CA" sz="4800" dirty="0"/>
           </a:p>
         </p:txBody>
       </p:sp>
+      <p:pic>
+        <p:nvPicPr>
+          <p:cNvPr id="2" name="Picture 1"/>
+          <p:cNvPicPr>
+            <a:picLocks noChangeAspect="1"/>
+          </p:cNvPicPr>
+          <p:nvPr/>
+        </p:nvPicPr>
+        <p:blipFill>
+          <a:blip r:embed="rId2"/>
+          <a:stretch>
+            <a:fillRect/>
+          </a:stretch>
+        </p:blipFill>
+        <p:spPr>
+          <a:xfrm>
+            <a:off x="4644008" y="1604917"/>
+            <a:ext cx="4384203" cy="4868246"/>
+          </a:xfrm>
+          <a:prstGeom prst="rect">
+            <a:avLst/>
+          </a:prstGeom>
+        </p:spPr>
+      </p:pic>
     </p:spTree>
     <p:extLst>
       <p:ext uri="{BB962C8B-B14F-4D97-AF65-F5344CB8AC3E}">
-        <p14:creationId xmlns:p14="http://schemas.microsoft.com/office/powerpoint/2010/main" val="797118597"/>
+        <p14:creationId xmlns:p14="http://schemas.microsoft.com/office/powerpoint/2010/main" val="2019427378"/>
       </p:ext>
     </p:extLst>
   </p:cSld>
@@ -6909,7 +7190,141 @@
   <p:timing>
     <p:tnLst>
       <p:par>
-        <p:cTn id="1" dur="indefinite" restart="never" nodeType="tmRoot"/>
+        <p:cTn id="1" dur="indefinite" restart="never" nodeType="tmRoot">
+          <p:childTnLst>
+            <p:seq concurrent="1" nextAc="seek">
+              <p:cTn id="2" dur="indefinite" nodeType="mainSeq">
+                <p:childTnLst>
+                  <p:par>
+                    <p:cTn id="3" fill="hold">
+                      <p:stCondLst>
+                        <p:cond delay="indefinite"/>
+                      </p:stCondLst>
+                      <p:childTnLst>
+                        <p:par>
+                          <p:cTn id="4" fill="hold">
+                            <p:stCondLst>
+                              <p:cond delay="0"/>
+                            </p:stCondLst>
+                            <p:childTnLst>
+                              <p:par>
+                                <p:cTn id="5" presetID="1" presetClass="entr" presetSubtype="0" fill="hold" nodeType="clickEffect">
+                                  <p:stCondLst>
+                                    <p:cond delay="0"/>
+                                  </p:stCondLst>
+                                  <p:childTnLst>
+                                    <p:set>
+                                      <p:cBhvr>
+                                        <p:cTn id="6" dur="1" fill="hold">
+                                          <p:stCondLst>
+                                            <p:cond delay="0"/>
+                                          </p:stCondLst>
+                                        </p:cTn>
+                                        <p:tgtEl>
+                                          <p:spTgt spid="3">
+                                            <p:txEl>
+                                              <p:pRg st="2" end="2"/>
+                                            </p:txEl>
+                                          </p:spTgt>
+                                        </p:tgtEl>
+                                        <p:attrNameLst>
+                                          <p:attrName>style.visibility</p:attrName>
+                                        </p:attrNameLst>
+                                      </p:cBhvr>
+                                      <p:to>
+                                        <p:strVal val="visible"/>
+                                      </p:to>
+                                    </p:set>
+                                  </p:childTnLst>
+                                </p:cTn>
+                              </p:par>
+                              <p:par>
+                                <p:cTn id="7" presetID="1" presetClass="entr" presetSubtype="0" fill="hold" nodeType="withEffect">
+                                  <p:stCondLst>
+                                    <p:cond delay="0"/>
+                                  </p:stCondLst>
+                                  <p:childTnLst>
+                                    <p:set>
+                                      <p:cBhvr>
+                                        <p:cTn id="8" dur="1" fill="hold">
+                                          <p:stCondLst>
+                                            <p:cond delay="0"/>
+                                          </p:stCondLst>
+                                        </p:cTn>
+                                        <p:tgtEl>
+                                          <p:spTgt spid="3">
+                                            <p:txEl>
+                                              <p:pRg st="3" end="3"/>
+                                            </p:txEl>
+                                          </p:spTgt>
+                                        </p:tgtEl>
+                                        <p:attrNameLst>
+                                          <p:attrName>style.visibility</p:attrName>
+                                        </p:attrNameLst>
+                                      </p:cBhvr>
+                                      <p:to>
+                                        <p:strVal val="visible"/>
+                                      </p:to>
+                                    </p:set>
+                                  </p:childTnLst>
+                                </p:cTn>
+                              </p:par>
+                              <p:par>
+                                <p:cTn id="9" presetID="1" presetClass="entr" presetSubtype="0" fill="hold" nodeType="withEffect">
+                                  <p:stCondLst>
+                                    <p:cond delay="0"/>
+                                  </p:stCondLst>
+                                  <p:childTnLst>
+                                    <p:set>
+                                      <p:cBhvr>
+                                        <p:cTn id="10" dur="1" fill="hold">
+                                          <p:stCondLst>
+                                            <p:cond delay="0"/>
+                                          </p:stCondLst>
+                                        </p:cTn>
+                                        <p:tgtEl>
+                                          <p:spTgt spid="3">
+                                            <p:txEl>
+                                              <p:pRg st="4" end="4"/>
+                                            </p:txEl>
+                                          </p:spTgt>
+                                        </p:tgtEl>
+                                        <p:attrNameLst>
+                                          <p:attrName>style.visibility</p:attrName>
+                                        </p:attrNameLst>
+                                      </p:cBhvr>
+                                      <p:to>
+                                        <p:strVal val="visible"/>
+                                      </p:to>
+                                    </p:set>
+                                  </p:childTnLst>
+                                </p:cTn>
+                              </p:par>
+                            </p:childTnLst>
+                          </p:cTn>
+                        </p:par>
+                      </p:childTnLst>
+                    </p:cTn>
+                  </p:par>
+                </p:childTnLst>
+              </p:cTn>
+              <p:prevCondLst>
+                <p:cond evt="onPrev" delay="0">
+                  <p:tgtEl>
+                    <p:sldTgt/>
+                  </p:tgtEl>
+                </p:cond>
+              </p:prevCondLst>
+              <p:nextCondLst>
+                <p:cond evt="onNext" delay="0">
+                  <p:tgtEl>
+                    <p:sldTgt/>
+                  </p:tgtEl>
+                </p:cond>
+              </p:nextCondLst>
+            </p:seq>
+          </p:childTnLst>
+        </p:cTn>
       </p:par>
     </p:tnLst>
   </p:timing>
@@ -6945,8 +7360,8 @@
         </p:nvSpPr>
         <p:spPr>
           <a:xfrm>
-            <a:off x="457200" y="1628801"/>
-            <a:ext cx="8229600" cy="4695800"/>
+            <a:off x="179512" y="1604917"/>
+            <a:ext cx="4330824" cy="4695800"/>
           </a:xfrm>
         </p:spPr>
         <p:txBody>
@@ -6954,89 +7369,105 @@
           <a:lstStyle/>
           <a:p>
             <a:r>
-              <a:rPr lang="de-AT" sz="2200" dirty="0" smtClean="0"/>
-              <a:t>R </a:t>
-            </a:r>
-            <a:r>
-              <a:rPr lang="de-AT" sz="2200" dirty="0" err="1" smtClean="0"/>
-              <a:t>output</a:t>
+              <a:rPr lang="en-GB" sz="2400" dirty="0"/>
+              <a:t>Random effects section gives the estimates for the between </a:t>
+            </a:r>
+            <a:r>
+              <a:rPr lang="en-GB" sz="2400" dirty="0" smtClean="0"/>
+              <a:t>beach variance = 8.7, and the </a:t>
+            </a:r>
+            <a:r>
+              <a:rPr lang="en-GB" sz="2400" dirty="0"/>
+              <a:t>residual </a:t>
+            </a:r>
+            <a:r>
+              <a:rPr lang="en-GB" sz="2400" dirty="0" smtClean="0"/>
+              <a:t>variance </a:t>
+            </a:r>
+            <a:r>
+              <a:rPr lang="en-GB" sz="2400" dirty="0"/>
+              <a:t>= 9.4</a:t>
+            </a:r>
+          </a:p>
+          <a:p>
+            <a:r>
+              <a:rPr lang="en-GB" sz="2400" dirty="0" smtClean="0"/>
+              <a:t>Fixed effects section gives the estimates for the population (“average beach”) intercept =6.6 and the slope parameter for NAP = -2.6</a:t>
             </a:r>
             <a:endParaRPr lang="de-AT" sz="2200" dirty="0" smtClean="0"/>
           </a:p>
           <a:p>
             <a:r>
-              <a:rPr lang="de-AT" sz="2200" dirty="0" err="1" smtClean="0"/>
+              <a:rPr lang="de-AT" sz="2400" dirty="0" err="1"/>
               <a:t>No</a:t>
             </a:r>
             <a:r>
-              <a:rPr lang="de-AT" sz="2200" dirty="0" smtClean="0"/>
-              <a:t> p-</a:t>
-            </a:r>
-            <a:r>
-              <a:rPr lang="de-AT" sz="2200" dirty="0" err="1" smtClean="0"/>
-              <a:t>value</a:t>
-            </a:r>
-            <a:endParaRPr lang="de-AT" sz="2200" dirty="0" smtClean="0"/>
-          </a:p>
-          <a:p>
-            <a:r>
-              <a:rPr lang="de-AT" sz="2200" dirty="0"/>
-              <a:t>R </a:t>
-            </a:r>
-            <a:r>
-              <a:rPr lang="de-AT" sz="2200" dirty="0" err="1"/>
-              <a:t>script</a:t>
-            </a:r>
-            <a:r>
-              <a:rPr lang="de-AT" sz="2200" dirty="0"/>
-              <a:t> von </a:t>
-            </a:r>
-            <a:r>
-              <a:rPr lang="de-AT" sz="2200" dirty="0" err="1"/>
-              <a:t>Krissi</a:t>
-            </a:r>
-            <a:r>
-              <a:rPr lang="de-AT" sz="2200" dirty="0"/>
-              <a:t> unterlagen</a:t>
-            </a:r>
-          </a:p>
-          <a:p>
-            <a:r>
-              <a:rPr lang="de-AT" sz="2200" dirty="0" err="1"/>
-              <a:t>No</a:t>
-            </a:r>
-            <a:r>
-              <a:rPr lang="de-AT" sz="2200" dirty="0"/>
-              <a:t> R²</a:t>
-            </a:r>
-          </a:p>
-          <a:p>
-            <a:endParaRPr lang="de-AT" sz="2200" dirty="0" smtClean="0"/>
-          </a:p>
-          <a:p>
-            <a:r>
-              <a:rPr lang="en-GB" sz="2200" dirty="0" err="1" smtClean="0"/>
-              <a:t>Genauere</a:t>
-            </a:r>
-            <a:r>
-              <a:rPr lang="en-GB" sz="2200" dirty="0" smtClean="0"/>
+              <a:rPr lang="de-AT" sz="2400" dirty="0"/>
               <a:t> </a:t>
             </a:r>
             <a:r>
-              <a:rPr lang="en-GB" sz="2200" dirty="0" err="1" smtClean="0"/>
-              <a:t>Beschreibung</a:t>
-            </a:r>
-            <a:r>
-              <a:rPr lang="en-GB" sz="2200" dirty="0"/>
+              <a:rPr lang="de-AT" sz="2400" dirty="0" smtClean="0"/>
+              <a:t>R²-&gt; </a:t>
+            </a:r>
+            <a:r>
+              <a:rPr lang="de-AT" sz="2400" dirty="0" err="1" smtClean="0"/>
+              <a:t>see</a:t>
+            </a:r>
+            <a:r>
+              <a:rPr lang="de-AT" sz="2400" dirty="0" smtClean="0"/>
+              <a:t> </a:t>
+            </a:r>
+            <a:r>
+              <a:rPr lang="de-AT" sz="2400" dirty="0" err="1" smtClean="0"/>
+              <a:t>r.squaredGLMM</a:t>
+            </a:r>
+            <a:r>
+              <a:rPr lang="de-AT" sz="2400" dirty="0" smtClean="0"/>
+              <a:t> in </a:t>
+            </a:r>
+            <a:r>
+              <a:rPr lang="de-AT" sz="2400" dirty="0" err="1" smtClean="0"/>
+              <a:t>MuMIn</a:t>
+            </a:r>
+            <a:r>
+              <a:rPr lang="de-AT" sz="2400" dirty="0" smtClean="0"/>
+              <a:t> </a:t>
+            </a:r>
+            <a:r>
+              <a:rPr lang="de-AT" sz="2400" dirty="0" err="1" smtClean="0"/>
+              <a:t>package</a:t>
+            </a:r>
+            <a:r>
+              <a:rPr lang="de-AT" sz="2400" dirty="0" smtClean="0"/>
               <a:t/>
             </a:r>
             <a:br>
-              <a:rPr lang="en-GB" sz="2200" dirty="0"/>
+              <a:rPr lang="de-AT" sz="2400" dirty="0" smtClean="0"/>
             </a:br>
-            <a:endParaRPr lang="de-AT" sz="2200" dirty="0" smtClean="0"/>
-          </a:p>
-          <a:p>
-            <a:endParaRPr lang="en-GB" sz="2200" dirty="0"/>
+            <a:r>
+              <a:rPr lang="en-GB" sz="2400" dirty="0"/>
+              <a:t>marginal and conditional </a:t>
+            </a:r>
+            <a:r>
+              <a:rPr lang="en-GB" sz="2400" dirty="0" smtClean="0"/>
+              <a:t>R² </a:t>
+            </a:r>
+            <a:br>
+              <a:rPr lang="en-GB" sz="2400" dirty="0" smtClean="0"/>
+            </a:br>
+            <a:r>
+              <a:rPr lang="en-GB" sz="1800" dirty="0" smtClean="0"/>
+              <a:t>Nakagawa &amp; </a:t>
+            </a:r>
+            <a:r>
+              <a:rPr lang="en-GB" sz="1800" dirty="0" err="1" smtClean="0"/>
+              <a:t>Schielzeth</a:t>
+            </a:r>
+            <a:r>
+              <a:rPr lang="en-GB" sz="1800" dirty="0" smtClean="0"/>
+              <a:t> 2013</a:t>
+            </a:r>
+            <a:endParaRPr lang="de-AT" sz="2400" dirty="0"/>
           </a:p>
         </p:txBody>
       </p:sp>
@@ -7045,7 +7476,7 @@
           <p:cNvPr id="7" name="Title 1">
             <a:extLst>
               <a:ext uri="{FF2B5EF4-FFF2-40B4-BE49-F238E27FC236}">
-                <a16:creationId xmlns:a16="http://schemas.microsoft.com/office/drawing/2014/main" xmlns="" id="{EDDE273D-90E2-47F3-8613-1F70BBDC1086}"/>
+                <a16:creationId xmlns="" xmlns:a16="http://schemas.microsoft.com/office/drawing/2014/main" id="{EDDE273D-90E2-47F3-8613-1F70BBDC1086}"/>
               </a:ext>
             </a:extLst>
           </p:cNvPr>
@@ -7091,7 +7522,7 @@
             <a:prstTxWarp prst="textNoShape">
               <a:avLst/>
             </a:prstTxWarp>
-            <a:normAutofit fontScale="97500" lnSpcReduction="10000"/>
+            <a:normAutofit fontScale="97500"/>
           </a:bodyPr>
           <a:lstStyle>
             <a:lvl1pPr algn="l" rtl="0" eaLnBrk="1" fontAlgn="base" hangingPunct="1">
@@ -7225,10 +7656,30 @@
           </a:lstStyle>
           <a:p>
             <a:r>
-              <a:rPr lang="de-AT" dirty="0" smtClean="0"/>
-              <a:t>Interpretation</a:t>
-            </a:r>
-            <a:endParaRPr lang="en-CA" dirty="0"/>
+              <a:rPr lang="de-AT" sz="4800" dirty="0" smtClean="0"/>
+              <a:t>Interpretation </a:t>
+            </a:r>
+            <a:r>
+              <a:rPr lang="de-AT" sz="4800" dirty="0" err="1" smtClean="0"/>
+              <a:t>of</a:t>
+            </a:r>
+            <a:r>
+              <a:rPr lang="de-AT" sz="4800" dirty="0" smtClean="0"/>
+              <a:t> </a:t>
+            </a:r>
+            <a:r>
+              <a:rPr lang="de-AT" sz="4800" dirty="0" err="1" smtClean="0"/>
+              <a:t>the</a:t>
+            </a:r>
+            <a:r>
+              <a:rPr lang="de-AT" sz="4800" dirty="0" smtClean="0"/>
+              <a:t> R </a:t>
+            </a:r>
+            <a:r>
+              <a:rPr lang="de-AT" sz="4800" dirty="0" err="1" smtClean="0"/>
+              <a:t>output</a:t>
+            </a:r>
+            <a:endParaRPr lang="en-CA" sz="4800" dirty="0"/>
           </a:p>
         </p:txBody>
       </p:sp>
@@ -7248,7 +7699,7 @@
         </p:blipFill>
         <p:spPr>
           <a:xfrm>
-            <a:off x="4355976" y="1094817"/>
+            <a:off x="4644008" y="1604917"/>
             <a:ext cx="4384203" cy="4868246"/>
           </a:xfrm>
           <a:prstGeom prst="rect">
@@ -7259,7 +7710,7 @@
     </p:spTree>
     <p:extLst>
       <p:ext uri="{BB962C8B-B14F-4D97-AF65-F5344CB8AC3E}">
-        <p14:creationId xmlns:p14="http://schemas.microsoft.com/office/powerpoint/2010/main" val="2019427378"/>
+        <p14:creationId xmlns:p14="http://schemas.microsoft.com/office/powerpoint/2010/main" val="2259922634"/>
       </p:ext>
     </p:extLst>
   </p:cSld>
@@ -7269,7 +7720,128 @@
   <p:timing>
     <p:tnLst>
       <p:par>
-        <p:cTn id="1" dur="indefinite" restart="never" nodeType="tmRoot"/>
+        <p:cTn id="1" dur="indefinite" restart="never" nodeType="tmRoot">
+          <p:childTnLst>
+            <p:seq concurrent="1" nextAc="seek">
+              <p:cTn id="2" dur="indefinite" nodeType="mainSeq">
+                <p:childTnLst>
+                  <p:par>
+                    <p:cTn id="3" fill="hold">
+                      <p:stCondLst>
+                        <p:cond delay="indefinite"/>
+                      </p:stCondLst>
+                      <p:childTnLst>
+                        <p:par>
+                          <p:cTn id="4" fill="hold">
+                            <p:stCondLst>
+                              <p:cond delay="0"/>
+                            </p:stCondLst>
+                            <p:childTnLst>
+                              <p:par>
+                                <p:cTn id="5" presetID="1" presetClass="entr" presetSubtype="0" fill="hold" nodeType="clickEffect">
+                                  <p:stCondLst>
+                                    <p:cond delay="0"/>
+                                  </p:stCondLst>
+                                  <p:childTnLst>
+                                    <p:set>
+                                      <p:cBhvr>
+                                        <p:cTn id="6" dur="1" fill="hold">
+                                          <p:stCondLst>
+                                            <p:cond delay="0"/>
+                                          </p:stCondLst>
+                                        </p:cTn>
+                                        <p:tgtEl>
+                                          <p:spTgt spid="3">
+                                            <p:txEl>
+                                              <p:pRg st="1" end="1"/>
+                                            </p:txEl>
+                                          </p:spTgt>
+                                        </p:tgtEl>
+                                        <p:attrNameLst>
+                                          <p:attrName>style.visibility</p:attrName>
+                                        </p:attrNameLst>
+                                      </p:cBhvr>
+                                      <p:to>
+                                        <p:strVal val="visible"/>
+                                      </p:to>
+                                    </p:set>
+                                  </p:childTnLst>
+                                </p:cTn>
+                              </p:par>
+                            </p:childTnLst>
+                          </p:cTn>
+                        </p:par>
+                      </p:childTnLst>
+                    </p:cTn>
+                  </p:par>
+                  <p:par>
+                    <p:cTn id="7" fill="hold">
+                      <p:stCondLst>
+                        <p:cond delay="indefinite"/>
+                      </p:stCondLst>
+                      <p:childTnLst>
+                        <p:par>
+                          <p:cTn id="8" fill="hold">
+                            <p:stCondLst>
+                              <p:cond delay="0"/>
+                            </p:stCondLst>
+                            <p:childTnLst>
+                              <p:par>
+                                <p:cTn id="9" presetID="1" presetClass="entr" presetSubtype="0" fill="hold" nodeType="clickEffect">
+                                  <p:stCondLst>
+                                    <p:cond delay="0"/>
+                                  </p:stCondLst>
+                                  <p:childTnLst>
+                                    <p:set>
+                                      <p:cBhvr>
+                                        <p:cTn id="10" dur="1" fill="hold">
+                                          <p:stCondLst>
+                                            <p:cond delay="0"/>
+                                          </p:stCondLst>
+                                        </p:cTn>
+                                        <p:tgtEl>
+                                          <p:spTgt spid="3">
+                                            <p:txEl>
+                                              <p:pRg st="2" end="2"/>
+                                            </p:txEl>
+                                          </p:spTgt>
+                                        </p:tgtEl>
+                                        <p:attrNameLst>
+                                          <p:attrName>style.visibility</p:attrName>
+                                        </p:attrNameLst>
+                                      </p:cBhvr>
+                                      <p:to>
+                                        <p:strVal val="visible"/>
+                                      </p:to>
+                                    </p:set>
+                                  </p:childTnLst>
+                                </p:cTn>
+                              </p:par>
+                            </p:childTnLst>
+                          </p:cTn>
+                        </p:par>
+                      </p:childTnLst>
+                    </p:cTn>
+                  </p:par>
+                </p:childTnLst>
+              </p:cTn>
+              <p:prevCondLst>
+                <p:cond evt="onPrev" delay="0">
+                  <p:tgtEl>
+                    <p:sldTgt/>
+                  </p:tgtEl>
+                </p:cond>
+              </p:prevCondLst>
+              <p:nextCondLst>
+                <p:cond evt="onNext" delay="0">
+                  <p:tgtEl>
+                    <p:sldTgt/>
+                  </p:tgtEl>
+                </p:cond>
+              </p:nextCondLst>
+            </p:seq>
+          </p:childTnLst>
+        </p:cTn>
       </p:par>
     </p:tnLst>
   </p:timing>
@@ -7314,6 +7886,25 @@
           <a:lstStyle/>
           <a:p>
             <a:r>
+              <a:rPr lang="de-AT" sz="2200" dirty="0" err="1"/>
+              <a:t>No</a:t>
+            </a:r>
+            <a:r>
+              <a:rPr lang="de-AT" sz="2200" dirty="0"/>
+              <a:t> p-</a:t>
+            </a:r>
+            <a:r>
+              <a:rPr lang="de-AT" sz="2200" dirty="0" err="1"/>
+              <a:t>values</a:t>
+            </a:r>
+            <a:r>
+              <a:rPr lang="de-AT" sz="2200" dirty="0"/>
+              <a:t>!</a:t>
+            </a:r>
+            <a:endParaRPr lang="en-GB" sz="2200" dirty="0"/>
+          </a:p>
+          <a:p>
+            <a:r>
               <a:rPr lang="en-GB" sz="2200" dirty="0" smtClean="0"/>
               <a:t>The </a:t>
             </a:r>
@@ -7357,36 +7948,41 @@
           <a:p>
             <a:r>
               <a:rPr lang="en-GB" sz="2200" dirty="0"/>
-              <a:t>However, for testing fixed effects,</a:t>
+              <a:t>However, for testing fixed </a:t>
+            </a:r>
+            <a:r>
+              <a:rPr lang="en-GB" sz="2200" dirty="0" smtClean="0"/>
+              <a:t>effects, and </a:t>
+            </a:r>
+            <a:r>
+              <a:rPr lang="en-GB" sz="2200" dirty="0"/>
+              <a:t>when sample size is large, the approximate likelihood ratio test is </a:t>
+            </a:r>
+            <a:r>
+              <a:rPr lang="en-GB" sz="2200" dirty="0" smtClean="0"/>
+              <a:t>reliable in </a:t>
+            </a:r>
+            <a:r>
+              <a:rPr lang="en-GB" sz="2200" dirty="0"/>
+              <a:t>practice. </a:t>
+            </a:r>
+            <a:endParaRPr lang="en-GB" sz="2200" dirty="0" smtClean="0"/>
+          </a:p>
+          <a:p>
+            <a:r>
+              <a:rPr lang="en-GB" sz="2200" dirty="0"/>
+              <a:t>In contrast, when testing random effects, or when sample size is</a:t>
             </a:r>
             <a:br>
               <a:rPr lang="en-GB" sz="2200" dirty="0"/>
             </a:br>
             <a:r>
               <a:rPr lang="en-GB" sz="2200" dirty="0"/>
-              <a:t>and when sample size is large, the approximate likelihood ratio test is reliable</a:t>
-            </a:r>
-            <a:br>
-              <a:rPr lang="en-GB" sz="2200" dirty="0"/>
-            </a:br>
-            <a:r>
-              <a:rPr lang="en-GB" sz="2200" dirty="0"/>
-              <a:t>in practice. </a:t>
+              <a:t>small, the approximate likelihood ratio test can be misleading. </a:t>
             </a:r>
             <a:endParaRPr lang="en-GB" sz="2200" dirty="0" smtClean="0"/>
           </a:p>
           <a:p>
-            <a:r>
-              <a:rPr lang="en-GB" sz="2200" dirty="0"/>
-              <a:t>In contrast, when testing random effects, or when sample size is</a:t>
-            </a:r>
-            <a:br>
-              <a:rPr lang="en-GB" sz="2200" dirty="0"/>
-            </a:br>
-            <a:r>
-              <a:rPr lang="en-GB" sz="2200" dirty="0"/>
-              <a:t>small, the approximate likelihood ratio test can be misleading. </a:t>
-            </a:r>
             <a:endParaRPr lang="en-GB" sz="2200" dirty="0" smtClean="0"/>
           </a:p>
           <a:p>
@@ -7400,7 +7996,62 @@
             </a:r>
             <a:r>
               <a:rPr lang="de-AT" sz="2200" dirty="0" smtClean="0"/>
-              <a:t>, bootstrapping, MCMC (</a:t>
+              <a:t> („quick </a:t>
+            </a:r>
+            <a:r>
+              <a:rPr lang="de-AT" sz="2200" dirty="0" err="1" smtClean="0"/>
+              <a:t>and</a:t>
+            </a:r>
+            <a:r>
+              <a:rPr lang="de-AT" sz="2200" dirty="0" smtClean="0"/>
+              <a:t> </a:t>
+            </a:r>
+            <a:r>
+              <a:rPr lang="de-AT" sz="2200" dirty="0" err="1" smtClean="0"/>
+              <a:t>dirty</a:t>
+            </a:r>
+            <a:r>
+              <a:rPr lang="de-AT" sz="2200" dirty="0" smtClean="0"/>
+              <a:t>“ </a:t>
+            </a:r>
+            <a:r>
+              <a:rPr lang="de-AT" sz="2200" dirty="0" err="1" smtClean="0"/>
+              <a:t>with</a:t>
+            </a:r>
+            <a:r>
+              <a:rPr lang="de-AT" sz="2200" dirty="0" smtClean="0"/>
+              <a:t> </a:t>
+            </a:r>
+            <a:r>
+              <a:rPr lang="de-AT" sz="2200" dirty="0" err="1" smtClean="0"/>
+              <a:t>likelihood</a:t>
+            </a:r>
+            <a:r>
+              <a:rPr lang="de-AT" sz="2200" dirty="0" smtClean="0"/>
+              <a:t> </a:t>
+            </a:r>
+            <a:r>
+              <a:rPr lang="de-AT" sz="2200" dirty="0" err="1" smtClean="0"/>
+              <a:t>ratio</a:t>
+            </a:r>
+            <a:r>
+              <a:rPr lang="de-AT" sz="2200" dirty="0" smtClean="0"/>
+              <a:t> </a:t>
+            </a:r>
+            <a:r>
+              <a:rPr lang="de-AT" sz="2200" dirty="0" err="1" smtClean="0"/>
+              <a:t>test</a:t>
+            </a:r>
+            <a:r>
+              <a:rPr lang="de-AT" sz="2200" dirty="0" smtClean="0"/>
+              <a:t>),</a:t>
+            </a:r>
+            <a:br>
+              <a:rPr lang="de-AT" sz="2200" dirty="0" smtClean="0"/>
+            </a:br>
+            <a:r>
+              <a:rPr lang="de-AT" sz="2200" dirty="0" smtClean="0"/>
+              <a:t>bootstrapping, MCMC (</a:t>
             </a:r>
             <a:r>
               <a:rPr lang="de-AT" sz="2200" dirty="0" err="1" smtClean="0"/>
@@ -7418,9 +8069,6 @@
               <a:rPr lang="de-AT" sz="2200" dirty="0" smtClean="0"/>
               <a:t>)</a:t>
             </a:r>
-          </a:p>
-          <a:p>
-            <a:endParaRPr lang="en-GB" sz="2200" dirty="0"/>
           </a:p>
         </p:txBody>
       </p:sp>
@@ -7429,7 +8077,7 @@
           <p:cNvPr id="7" name="Title 1">
             <a:extLst>
               <a:ext uri="{FF2B5EF4-FFF2-40B4-BE49-F238E27FC236}">
-                <a16:creationId xmlns:a16="http://schemas.microsoft.com/office/drawing/2014/main" xmlns="" id="{EDDE273D-90E2-47F3-8613-1F70BBDC1086}"/>
+                <a16:creationId xmlns="" xmlns:a16="http://schemas.microsoft.com/office/drawing/2014/main" id="{EDDE273D-90E2-47F3-8613-1F70BBDC1086}"/>
               </a:ext>
             </a:extLst>
           </p:cNvPr>
@@ -7629,7 +8277,159 @@
   <p:timing>
     <p:tnLst>
       <p:par>
-        <p:cTn id="1" dur="indefinite" restart="never" nodeType="tmRoot"/>
+        <p:cTn id="1" dur="indefinite" restart="never" nodeType="tmRoot">
+          <p:childTnLst>
+            <p:seq concurrent="1" nextAc="seek">
+              <p:cTn id="2" dur="indefinite" nodeType="mainSeq">
+                <p:childTnLst>
+                  <p:par>
+                    <p:cTn id="3" fill="hold">
+                      <p:stCondLst>
+                        <p:cond delay="indefinite"/>
+                      </p:stCondLst>
+                      <p:childTnLst>
+                        <p:par>
+                          <p:cTn id="4" fill="hold">
+                            <p:stCondLst>
+                              <p:cond delay="0"/>
+                            </p:stCondLst>
+                            <p:childTnLst>
+                              <p:par>
+                                <p:cTn id="5" presetID="1" presetClass="entr" presetSubtype="0" fill="hold" nodeType="clickEffect">
+                                  <p:stCondLst>
+                                    <p:cond delay="0"/>
+                                  </p:stCondLst>
+                                  <p:childTnLst>
+                                    <p:set>
+                                      <p:cBhvr>
+                                        <p:cTn id="6" dur="1" fill="hold">
+                                          <p:stCondLst>
+                                            <p:cond delay="0"/>
+                                          </p:stCondLst>
+                                        </p:cTn>
+                                        <p:tgtEl>
+                                          <p:spTgt spid="3">
+                                            <p:txEl>
+                                              <p:pRg st="3" end="3"/>
+                                            </p:txEl>
+                                          </p:spTgt>
+                                        </p:tgtEl>
+                                        <p:attrNameLst>
+                                          <p:attrName>style.visibility</p:attrName>
+                                        </p:attrNameLst>
+                                      </p:cBhvr>
+                                      <p:to>
+                                        <p:strVal val="visible"/>
+                                      </p:to>
+                                    </p:set>
+                                  </p:childTnLst>
+                                </p:cTn>
+                              </p:par>
+                              <p:par>
+                                <p:cTn id="7" presetID="1" presetClass="entr" presetSubtype="0" fill="hold" nodeType="withEffect">
+                                  <p:stCondLst>
+                                    <p:cond delay="0"/>
+                                  </p:stCondLst>
+                                  <p:childTnLst>
+                                    <p:set>
+                                      <p:cBhvr>
+                                        <p:cTn id="8" dur="1" fill="hold">
+                                          <p:stCondLst>
+                                            <p:cond delay="0"/>
+                                          </p:stCondLst>
+                                        </p:cTn>
+                                        <p:tgtEl>
+                                          <p:spTgt spid="3">
+                                            <p:txEl>
+                                              <p:pRg st="4" end="4"/>
+                                            </p:txEl>
+                                          </p:spTgt>
+                                        </p:tgtEl>
+                                        <p:attrNameLst>
+                                          <p:attrName>style.visibility</p:attrName>
+                                        </p:attrNameLst>
+                                      </p:cBhvr>
+                                      <p:to>
+                                        <p:strVal val="visible"/>
+                                      </p:to>
+                                    </p:set>
+                                  </p:childTnLst>
+                                </p:cTn>
+                              </p:par>
+                            </p:childTnLst>
+                          </p:cTn>
+                        </p:par>
+                      </p:childTnLst>
+                    </p:cTn>
+                  </p:par>
+                  <p:par>
+                    <p:cTn id="9" fill="hold">
+                      <p:stCondLst>
+                        <p:cond delay="indefinite"/>
+                      </p:stCondLst>
+                      <p:childTnLst>
+                        <p:par>
+                          <p:cTn id="10" fill="hold">
+                            <p:stCondLst>
+                              <p:cond delay="0"/>
+                            </p:stCondLst>
+                            <p:childTnLst>
+                              <p:par>
+                                <p:cTn id="11" presetID="1" presetClass="entr" presetSubtype="0" fill="hold" nodeType="clickEffect">
+                                  <p:stCondLst>
+                                    <p:cond delay="0"/>
+                                  </p:stCondLst>
+                                  <p:childTnLst>
+                                    <p:set>
+                                      <p:cBhvr>
+                                        <p:cTn id="12" dur="1" fill="hold">
+                                          <p:stCondLst>
+                                            <p:cond delay="0"/>
+                                          </p:stCondLst>
+                                        </p:cTn>
+                                        <p:tgtEl>
+                                          <p:spTgt spid="3">
+                                            <p:txEl>
+                                              <p:pRg st="6" end="6"/>
+                                            </p:txEl>
+                                          </p:spTgt>
+                                        </p:tgtEl>
+                                        <p:attrNameLst>
+                                          <p:attrName>style.visibility</p:attrName>
+                                        </p:attrNameLst>
+                                      </p:cBhvr>
+                                      <p:to>
+                                        <p:strVal val="visible"/>
+                                      </p:to>
+                                    </p:set>
+                                  </p:childTnLst>
+                                </p:cTn>
+                              </p:par>
+                            </p:childTnLst>
+                          </p:cTn>
+                        </p:par>
+                      </p:childTnLst>
+                    </p:cTn>
+                  </p:par>
+                </p:childTnLst>
+              </p:cTn>
+              <p:prevCondLst>
+                <p:cond evt="onPrev" delay="0">
+                  <p:tgtEl>
+                    <p:sldTgt/>
+                  </p:tgtEl>
+                </p:cond>
+              </p:prevCondLst>
+              <p:nextCondLst>
+                <p:cond evt="onNext" delay="0">
+                  <p:tgtEl>
+                    <p:sldTgt/>
+                  </p:tgtEl>
+                </p:cond>
+              </p:nextCondLst>
+            </p:seq>
+          </p:childTnLst>
+        </p:cTn>
       </p:par>
     </p:tnLst>
   </p:timing>
@@ -7778,11 +8578,7 @@
             </a:br>
             <a:r>
               <a:rPr lang="en-GB" sz="2200" dirty="0"/>
-              <a:t>(variance parameters) and ML if the interested is in the fixed effects.</a:t>
-            </a:r>
-            <a:r>
-              <a:rPr lang="en-GB" sz="2200" dirty="0"/>
-              <a:t> </a:t>
+              <a:t>(variance parameters) and ML if the interested is in the fixed effects. </a:t>
             </a:r>
             <a:endParaRPr lang="en-GB" sz="2200" dirty="0" smtClean="0"/>
           </a:p>
@@ -7801,11 +8597,7 @@
             </a:r>
             <a:r>
               <a:rPr lang="en-GB" sz="2200" dirty="0"/>
-              <a:t>” (default is “TRUE”).</a:t>
-            </a:r>
-            <a:r>
-              <a:rPr lang="en-GB" sz="2200" dirty="0"/>
-              <a:t> </a:t>
+              <a:t>” (default is “TRUE”). </a:t>
             </a:r>
             <a:r>
               <a:rPr lang="en-GB" dirty="0"/>
@@ -7837,7 +8629,7 @@
           <p:cNvPr id="7" name="Title 1">
             <a:extLst>
               <a:ext uri="{FF2B5EF4-FFF2-40B4-BE49-F238E27FC236}">
-                <a16:creationId xmlns:a16="http://schemas.microsoft.com/office/drawing/2014/main" xmlns="" id="{EDDE273D-90E2-47F3-8613-1F70BBDC1086}"/>
+                <a16:creationId xmlns="" xmlns:a16="http://schemas.microsoft.com/office/drawing/2014/main" id="{EDDE273D-90E2-47F3-8613-1F70BBDC1086}"/>
               </a:ext>
             </a:extLst>
           </p:cNvPr>
@@ -8037,7 +8829,141 @@
   <p:timing>
     <p:tnLst>
       <p:par>
-        <p:cTn id="1" dur="indefinite" restart="never" nodeType="tmRoot"/>
+        <p:cTn id="1" dur="indefinite" restart="never" nodeType="tmRoot">
+          <p:childTnLst>
+            <p:seq concurrent="1" nextAc="seek">
+              <p:cTn id="2" dur="indefinite" nodeType="mainSeq">
+                <p:childTnLst>
+                  <p:par>
+                    <p:cTn id="3" fill="hold">
+                      <p:stCondLst>
+                        <p:cond delay="indefinite"/>
+                      </p:stCondLst>
+                      <p:childTnLst>
+                        <p:par>
+                          <p:cTn id="4" fill="hold">
+                            <p:stCondLst>
+                              <p:cond delay="0"/>
+                            </p:stCondLst>
+                            <p:childTnLst>
+                              <p:par>
+                                <p:cTn id="5" presetID="1" presetClass="entr" presetSubtype="0" fill="hold" nodeType="clickEffect">
+                                  <p:stCondLst>
+                                    <p:cond delay="0"/>
+                                  </p:stCondLst>
+                                  <p:childTnLst>
+                                    <p:set>
+                                      <p:cBhvr>
+                                        <p:cTn id="6" dur="1" fill="hold">
+                                          <p:stCondLst>
+                                            <p:cond delay="0"/>
+                                          </p:stCondLst>
+                                        </p:cTn>
+                                        <p:tgtEl>
+                                          <p:spTgt spid="3">
+                                            <p:txEl>
+                                              <p:pRg st="2" end="2"/>
+                                            </p:txEl>
+                                          </p:spTgt>
+                                        </p:tgtEl>
+                                        <p:attrNameLst>
+                                          <p:attrName>style.visibility</p:attrName>
+                                        </p:attrNameLst>
+                                      </p:cBhvr>
+                                      <p:to>
+                                        <p:strVal val="visible"/>
+                                      </p:to>
+                                    </p:set>
+                                  </p:childTnLst>
+                                </p:cTn>
+                              </p:par>
+                              <p:par>
+                                <p:cTn id="7" presetID="1" presetClass="entr" presetSubtype="0" fill="hold" nodeType="withEffect">
+                                  <p:stCondLst>
+                                    <p:cond delay="0"/>
+                                  </p:stCondLst>
+                                  <p:childTnLst>
+                                    <p:set>
+                                      <p:cBhvr>
+                                        <p:cTn id="8" dur="1" fill="hold">
+                                          <p:stCondLst>
+                                            <p:cond delay="0"/>
+                                          </p:stCondLst>
+                                        </p:cTn>
+                                        <p:tgtEl>
+                                          <p:spTgt spid="3">
+                                            <p:txEl>
+                                              <p:pRg st="3" end="3"/>
+                                            </p:txEl>
+                                          </p:spTgt>
+                                        </p:tgtEl>
+                                        <p:attrNameLst>
+                                          <p:attrName>style.visibility</p:attrName>
+                                        </p:attrNameLst>
+                                      </p:cBhvr>
+                                      <p:to>
+                                        <p:strVal val="visible"/>
+                                      </p:to>
+                                    </p:set>
+                                  </p:childTnLst>
+                                </p:cTn>
+                              </p:par>
+                              <p:par>
+                                <p:cTn id="9" presetID="1" presetClass="entr" presetSubtype="0" fill="hold" nodeType="withEffect">
+                                  <p:stCondLst>
+                                    <p:cond delay="0"/>
+                                  </p:stCondLst>
+                                  <p:childTnLst>
+                                    <p:set>
+                                      <p:cBhvr>
+                                        <p:cTn id="10" dur="1" fill="hold">
+                                          <p:stCondLst>
+                                            <p:cond delay="0"/>
+                                          </p:stCondLst>
+                                        </p:cTn>
+                                        <p:tgtEl>
+                                          <p:spTgt spid="3">
+                                            <p:txEl>
+                                              <p:pRg st="4" end="4"/>
+                                            </p:txEl>
+                                          </p:spTgt>
+                                        </p:tgtEl>
+                                        <p:attrNameLst>
+                                          <p:attrName>style.visibility</p:attrName>
+                                        </p:attrNameLst>
+                                      </p:cBhvr>
+                                      <p:to>
+                                        <p:strVal val="visible"/>
+                                      </p:to>
+                                    </p:set>
+                                  </p:childTnLst>
+                                </p:cTn>
+                              </p:par>
+                            </p:childTnLst>
+                          </p:cTn>
+                        </p:par>
+                      </p:childTnLst>
+                    </p:cTn>
+                  </p:par>
+                </p:childTnLst>
+              </p:cTn>
+              <p:prevCondLst>
+                <p:cond evt="onPrev" delay="0">
+                  <p:tgtEl>
+                    <p:sldTgt/>
+                  </p:tgtEl>
+                </p:cond>
+              </p:prevCondLst>
+              <p:nextCondLst>
+                <p:cond evt="onNext" delay="0">
+                  <p:tgtEl>
+                    <p:sldTgt/>
+                  </p:tgtEl>
+                </p:cond>
+              </p:nextCondLst>
+            </p:seq>
+          </p:childTnLst>
+        </p:cTn>
       </p:par>
     </p:tnLst>
   </p:timing>
@@ -8082,74 +9008,328 @@
           <a:lstStyle/>
           <a:p>
             <a:r>
-              <a:rPr lang="de-AT" dirty="0" err="1" smtClean="0"/>
+              <a:rPr lang="en-GB" sz="2400" dirty="0" smtClean="0"/>
+              <a:t>In principle</a:t>
+            </a:r>
+            <a:r>
+              <a:rPr lang="en-GB" sz="2400" dirty="0"/>
+              <a:t>, the same methods described </a:t>
+            </a:r>
+            <a:r>
+              <a:rPr lang="en-GB" sz="2400" dirty="0" smtClean="0"/>
+              <a:t>for linear models are </a:t>
+            </a:r>
+            <a:r>
+              <a:rPr lang="en-GB" sz="2400" dirty="0"/>
+              <a:t>used to assess violation </a:t>
+            </a:r>
+            <a:r>
+              <a:rPr lang="en-GB" sz="2400" dirty="0" smtClean="0"/>
+              <a:t>of model </a:t>
+            </a:r>
+            <a:r>
+              <a:rPr lang="en-GB" sz="2400" dirty="0"/>
+              <a:t>assumptions in mixed models. </a:t>
+            </a:r>
+            <a:br>
+              <a:rPr lang="en-GB" sz="2400" dirty="0"/>
+            </a:br>
+            <a:endParaRPr lang="de-AT" sz="2400" dirty="0" smtClean="0"/>
+          </a:p>
+          <a:p>
+            <a:r>
+              <a:rPr lang="de-AT" sz="2400" dirty="0" err="1" smtClean="0"/>
               <a:t>plot</a:t>
             </a:r>
             <a:r>
-              <a:rPr lang="de-AT" dirty="0" smtClean="0"/>
+              <a:rPr lang="de-AT" sz="2400" dirty="0" smtClean="0"/>
               <a:t>(</a:t>
             </a:r>
             <a:r>
-              <a:rPr lang="de-AT" dirty="0" err="1" smtClean="0"/>
+              <a:rPr lang="de-AT" sz="2400" dirty="0" err="1" smtClean="0"/>
               <a:t>model</a:t>
             </a:r>
             <a:r>
-              <a:rPr lang="de-AT" dirty="0" smtClean="0"/>
+              <a:rPr lang="de-AT" sz="2400" dirty="0" smtClean="0"/>
               <a:t>) </a:t>
             </a:r>
             <a:r>
-              <a:rPr lang="de-AT" dirty="0" err="1" smtClean="0"/>
+              <a:rPr lang="de-AT" sz="2400" dirty="0" err="1" smtClean="0"/>
               <a:t>does</a:t>
             </a:r>
             <a:r>
-              <a:rPr lang="de-AT" dirty="0" smtClean="0"/>
+              <a:rPr lang="de-AT" sz="2400" dirty="0" smtClean="0"/>
               <a:t> not </a:t>
             </a:r>
             <a:r>
-              <a:rPr lang="de-AT" dirty="0" err="1" smtClean="0"/>
+              <a:rPr lang="de-AT" sz="2400" dirty="0" err="1" smtClean="0"/>
               <a:t>work</a:t>
             </a:r>
             <a:r>
-              <a:rPr lang="de-AT" dirty="0" smtClean="0"/>
+              <a:rPr lang="de-AT" sz="2400" dirty="0" smtClean="0"/>
               <a:t> </a:t>
             </a:r>
             <a:r>
-              <a:rPr lang="de-AT" dirty="0" err="1" smtClean="0"/>
+              <a:rPr lang="de-AT" sz="2400" dirty="0" err="1" smtClean="0"/>
               <a:t>here</a:t>
             </a:r>
-            <a:endParaRPr lang="de-AT" dirty="0" smtClean="0"/>
-          </a:p>
-          <a:p>
-            <a:endParaRPr lang="de-AT" dirty="0"/>
-          </a:p>
-          <a:p>
-            <a:r>
-              <a:rPr lang="de-AT" dirty="0" smtClean="0"/>
-              <a:t>Eventuell in R </a:t>
-            </a:r>
-            <a:r>
-              <a:rPr lang="de-AT" dirty="0" err="1" smtClean="0"/>
-              <a:t>code</a:t>
-            </a:r>
-            <a:r>
-              <a:rPr lang="de-AT" dirty="0" smtClean="0"/>
-              <a:t>  oder weglassen</a:t>
-            </a:r>
-          </a:p>
-          <a:p>
-            <a:r>
-              <a:rPr lang="de-AT" dirty="0" smtClean="0"/>
+            <a:r>
+              <a:rPr lang="de-AT" sz="2400" dirty="0"/>
+              <a:t> </a:t>
+            </a:r>
+            <a:r>
+              <a:rPr lang="de-AT" sz="2400" dirty="0" smtClean="0"/>
               <a:t>- </a:t>
             </a:r>
             <a:r>
-              <a:rPr lang="de-AT" dirty="0" err="1" smtClean="0"/>
-              <a:t>richards</a:t>
-            </a:r>
-            <a:r>
-              <a:rPr lang="de-AT" dirty="0" smtClean="0"/>
-              <a:t> teil</a:t>
-            </a:r>
-            <a:endParaRPr lang="en-GB" dirty="0"/>
+              <a:rPr lang="de-AT" sz="2400" dirty="0" err="1" smtClean="0"/>
+              <a:t>functions</a:t>
+            </a:r>
+            <a:r>
+              <a:rPr lang="de-AT" sz="2400" dirty="0" smtClean="0"/>
+              <a:t> </a:t>
+            </a:r>
+            <a:r>
+              <a:rPr lang="de-AT" sz="2400" dirty="0" err="1" smtClean="0"/>
+              <a:t>have</a:t>
+            </a:r>
+            <a:r>
+              <a:rPr lang="de-AT" sz="2400" dirty="0" smtClean="0"/>
+              <a:t> </a:t>
+            </a:r>
+            <a:r>
+              <a:rPr lang="de-AT" sz="2400" dirty="0" err="1" smtClean="0"/>
+              <a:t>to</a:t>
+            </a:r>
+            <a:r>
+              <a:rPr lang="de-AT" sz="2400" dirty="0" smtClean="0"/>
+              <a:t> </a:t>
+            </a:r>
+            <a:r>
+              <a:rPr lang="de-AT" sz="2400" dirty="0" err="1" smtClean="0"/>
+              <a:t>be</a:t>
+            </a:r>
+            <a:r>
+              <a:rPr lang="de-AT" sz="2400" dirty="0" smtClean="0"/>
+              <a:t> </a:t>
+            </a:r>
+            <a:r>
+              <a:rPr lang="de-AT" sz="2400" dirty="0" err="1" smtClean="0"/>
+              <a:t>coded</a:t>
+            </a:r>
+            <a:r>
+              <a:rPr lang="de-AT" sz="2400" dirty="0" smtClean="0"/>
+              <a:t> </a:t>
+            </a:r>
+            <a:r>
+              <a:rPr lang="de-AT" sz="2400" dirty="0" err="1" smtClean="0"/>
+              <a:t>by</a:t>
+            </a:r>
+            <a:r>
+              <a:rPr lang="de-AT" sz="2400" dirty="0" smtClean="0"/>
+              <a:t> </a:t>
+            </a:r>
+            <a:r>
+              <a:rPr lang="de-AT" sz="2400" dirty="0" err="1" smtClean="0"/>
+              <a:t>hand</a:t>
+            </a:r>
+            <a:endParaRPr lang="de-AT" sz="2400" dirty="0" smtClean="0"/>
+          </a:p>
+          <a:p>
+            <a:endParaRPr lang="de-AT" sz="2400" dirty="0"/>
+          </a:p>
+          <a:p>
+            <a:r>
+              <a:rPr lang="de-AT" sz="2400" dirty="0" smtClean="0"/>
+              <a:t>Plot </a:t>
+            </a:r>
+            <a:r>
+              <a:rPr lang="de-AT" sz="2400" dirty="0" err="1" smtClean="0"/>
+              <a:t>the</a:t>
+            </a:r>
+            <a:r>
+              <a:rPr lang="de-AT" sz="2400" dirty="0" smtClean="0"/>
+              <a:t> </a:t>
+            </a:r>
+            <a:r>
+              <a:rPr lang="de-AT" sz="2400" dirty="0" err="1" smtClean="0"/>
+              <a:t>residals</a:t>
+            </a:r>
+            <a:r>
+              <a:rPr lang="de-AT" sz="2400" dirty="0" smtClean="0"/>
+              <a:t> versus </a:t>
+            </a:r>
+            <a:r>
+              <a:rPr lang="de-AT" sz="2400" dirty="0" err="1" smtClean="0"/>
+              <a:t>fitted</a:t>
+            </a:r>
+            <a:r>
+              <a:rPr lang="de-AT" sz="2400" dirty="0" smtClean="0"/>
+              <a:t> </a:t>
+            </a:r>
+            <a:r>
+              <a:rPr lang="de-AT" sz="2400" dirty="0" err="1" smtClean="0"/>
+              <a:t>values</a:t>
+            </a:r>
+            <a:r>
+              <a:rPr lang="de-AT" sz="2400" dirty="0" smtClean="0"/>
+              <a:t> </a:t>
+            </a:r>
+            <a:r>
+              <a:rPr lang="de-AT" sz="2400" dirty="0" err="1" smtClean="0"/>
+              <a:t>and</a:t>
+            </a:r>
+            <a:r>
+              <a:rPr lang="de-AT" sz="2400" dirty="0" smtClean="0"/>
+              <a:t> </a:t>
+            </a:r>
+            <a:r>
+              <a:rPr lang="de-AT" sz="2400" dirty="0" err="1" smtClean="0"/>
+              <a:t>the</a:t>
+            </a:r>
+            <a:r>
+              <a:rPr lang="de-AT" sz="2400" dirty="0" smtClean="0"/>
+              <a:t> QQ </a:t>
+            </a:r>
+            <a:r>
+              <a:rPr lang="de-AT" sz="2400" dirty="0" err="1" smtClean="0"/>
+              <a:t>plot</a:t>
+            </a:r>
+            <a:r>
+              <a:rPr lang="de-AT" sz="2400" dirty="0"/>
+              <a:t> </a:t>
+            </a:r>
+            <a:r>
+              <a:rPr lang="de-AT" sz="2400" dirty="0" err="1" smtClean="0"/>
+              <a:t>for</a:t>
+            </a:r>
+            <a:r>
+              <a:rPr lang="de-AT" sz="2400" dirty="0" smtClean="0"/>
+              <a:t> </a:t>
+            </a:r>
+            <a:r>
+              <a:rPr lang="de-AT" sz="2400" dirty="0" err="1" smtClean="0"/>
+              <a:t>both</a:t>
+            </a:r>
+            <a:r>
+              <a:rPr lang="de-AT" sz="2400" dirty="0" smtClean="0"/>
+              <a:t> </a:t>
+            </a:r>
+            <a:r>
+              <a:rPr lang="de-AT" sz="2400" dirty="0" err="1" smtClean="0"/>
+              <a:t>the</a:t>
+            </a:r>
+            <a:r>
+              <a:rPr lang="de-AT" sz="2400" dirty="0" smtClean="0"/>
+              <a:t> </a:t>
+            </a:r>
+            <a:r>
+              <a:rPr lang="de-AT" sz="2400" dirty="0" err="1" smtClean="0"/>
+              <a:t>fixed</a:t>
+            </a:r>
+            <a:r>
+              <a:rPr lang="de-AT" sz="2400" dirty="0" smtClean="0"/>
+              <a:t> </a:t>
+            </a:r>
+            <a:r>
+              <a:rPr lang="de-AT" sz="2400" dirty="0" err="1" smtClean="0"/>
+              <a:t>and</a:t>
+            </a:r>
+            <a:r>
+              <a:rPr lang="de-AT" sz="2400" dirty="0" smtClean="0"/>
+              <a:t> </a:t>
+            </a:r>
+            <a:r>
+              <a:rPr lang="de-AT" sz="2400" dirty="0" err="1" smtClean="0"/>
+              <a:t>the</a:t>
+            </a:r>
+            <a:r>
+              <a:rPr lang="de-AT" sz="2400" dirty="0" smtClean="0"/>
+              <a:t> </a:t>
+            </a:r>
+            <a:r>
+              <a:rPr lang="de-AT" sz="2400" dirty="0" err="1" smtClean="0"/>
+              <a:t>random</a:t>
+            </a:r>
+            <a:r>
+              <a:rPr lang="de-AT" sz="2400" dirty="0" smtClean="0"/>
+              <a:t> </a:t>
+            </a:r>
+            <a:r>
+              <a:rPr lang="de-AT" sz="2400" dirty="0" err="1" smtClean="0"/>
+              <a:t>effects</a:t>
+            </a:r>
+            <a:r>
+              <a:rPr lang="de-AT" sz="2400" dirty="0" smtClean="0"/>
+              <a:t>!</a:t>
+            </a:r>
+            <a:br>
+              <a:rPr lang="de-AT" sz="2400" dirty="0" smtClean="0"/>
+            </a:br>
+            <a:r>
+              <a:rPr lang="de-AT" sz="2400" dirty="0" err="1" smtClean="0"/>
+              <a:t>Both</a:t>
+            </a:r>
+            <a:r>
+              <a:rPr lang="de-AT" sz="2400" dirty="0" smtClean="0"/>
+              <a:t> </a:t>
+            </a:r>
+            <a:r>
+              <a:rPr lang="de-AT" sz="2400" dirty="0" err="1" smtClean="0"/>
+              <a:t>error</a:t>
+            </a:r>
+            <a:r>
+              <a:rPr lang="de-AT" sz="2400" dirty="0" smtClean="0"/>
+              <a:t> </a:t>
+            </a:r>
+            <a:r>
+              <a:rPr lang="de-AT" sz="2400" dirty="0" err="1" smtClean="0"/>
+              <a:t>terms</a:t>
+            </a:r>
+            <a:r>
+              <a:rPr lang="de-AT" sz="2400" dirty="0" smtClean="0"/>
+              <a:t> </a:t>
+            </a:r>
+            <a:r>
+              <a:rPr lang="de-AT" sz="2400" dirty="0" err="1" smtClean="0"/>
+              <a:t>have</a:t>
+            </a:r>
+            <a:r>
+              <a:rPr lang="de-AT" sz="2400" dirty="0" smtClean="0"/>
+              <a:t> </a:t>
+            </a:r>
+            <a:r>
+              <a:rPr lang="de-AT" sz="2400" dirty="0" err="1" smtClean="0"/>
+              <a:t>to</a:t>
+            </a:r>
+            <a:r>
+              <a:rPr lang="de-AT" sz="2400" dirty="0" smtClean="0"/>
+              <a:t> </a:t>
+            </a:r>
+            <a:r>
+              <a:rPr lang="de-AT" sz="2400" dirty="0" err="1" smtClean="0"/>
+              <a:t>be</a:t>
+            </a:r>
+            <a:r>
+              <a:rPr lang="de-AT" sz="2400" dirty="0" smtClean="0"/>
+              <a:t> </a:t>
+            </a:r>
+            <a:r>
+              <a:rPr lang="de-AT" sz="2400" dirty="0" err="1" smtClean="0"/>
+              <a:t>normally</a:t>
+            </a:r>
+            <a:r>
+              <a:rPr lang="de-AT" sz="2400" dirty="0" smtClean="0"/>
+              <a:t> </a:t>
+            </a:r>
+            <a:r>
+              <a:rPr lang="de-AT" sz="2400" dirty="0" err="1" smtClean="0"/>
+              <a:t>distributed</a:t>
+            </a:r>
+            <a:r>
+              <a:rPr lang="de-AT" sz="2400" dirty="0" smtClean="0"/>
+              <a:t>!</a:t>
+            </a:r>
           </a:p>
         </p:txBody>
       </p:sp>
@@ -8158,7 +9338,7 @@
           <p:cNvPr id="7" name="Title 1">
             <a:extLst>
               <a:ext uri="{FF2B5EF4-FFF2-40B4-BE49-F238E27FC236}">
-                <a16:creationId xmlns:a16="http://schemas.microsoft.com/office/drawing/2014/main" xmlns="" id="{EDDE273D-90E2-47F3-8613-1F70BBDC1086}"/>
+                <a16:creationId xmlns="" xmlns:a16="http://schemas.microsoft.com/office/drawing/2014/main" id="{EDDE273D-90E2-47F3-8613-1F70BBDC1086}"/>
               </a:ext>
             </a:extLst>
           </p:cNvPr>
@@ -8387,7 +9567,7 @@
           <p:cNvPr id="2" name="Title 1">
             <a:extLst>
               <a:ext uri="{FF2B5EF4-FFF2-40B4-BE49-F238E27FC236}">
-                <a16:creationId xmlns:a16="http://schemas.microsoft.com/office/drawing/2014/main" xmlns="" id="{EDDE273D-90E2-47F3-8613-1F70BBDC1086}"/>
+                <a16:creationId xmlns="" xmlns:a16="http://schemas.microsoft.com/office/drawing/2014/main" id="{EDDE273D-90E2-47F3-8613-1F70BBDC1086}"/>
               </a:ext>
             </a:extLst>
           </p:cNvPr>
@@ -8401,89 +9581,517 @@
         <p:spPr>
           <a:xfrm>
             <a:off x="457200" y="704850"/>
-            <a:ext cx="8229600" cy="779934"/>
+            <a:ext cx="8435280" cy="779934"/>
           </a:xfrm>
         </p:spPr>
         <p:txBody>
           <a:bodyPr>
-            <a:normAutofit fontScale="90000"/>
+            <a:noAutofit/>
           </a:bodyPr>
           <a:lstStyle/>
           <a:p>
             <a:r>
-              <a:rPr lang="en-CA" dirty="0" smtClean="0"/>
-              <a:t>Recap: general linear models</a:t>
-            </a:r>
-            <a:endParaRPr lang="en-CA" dirty="0"/>
+              <a:rPr lang="en-CA" sz="4000" dirty="0" smtClean="0"/>
+              <a:t>Recap: (simple) normal </a:t>
+            </a:r>
+            <a:r>
+              <a:rPr lang="en-CA" sz="4000" dirty="0"/>
+              <a:t>linear regression</a:t>
+            </a:r>
           </a:p>
         </p:txBody>
       </p:sp>
-      <p:sp>
-        <p:nvSpPr>
-          <p:cNvPr id="3" name="Content Placeholder 2">
-            <a:extLst>
-              <a:ext uri="{FF2B5EF4-FFF2-40B4-BE49-F238E27FC236}">
-                <a16:creationId xmlns:mc="http://schemas.openxmlformats.org/markup-compatibility/2006" xmlns:a14="http://schemas.microsoft.com/office/drawing/2010/main" xmlns:a16="http://schemas.microsoft.com/office/drawing/2014/main" xmlns="" id="{460CDE3A-C773-49C0-80DE-48034E5EE1CD}"/>
-              </a:ext>
-            </a:extLst>
-          </p:cNvPr>
-          <p:cNvSpPr>
-            <a:spLocks noGrp="1"/>
-          </p:cNvSpPr>
-          <p:nvPr>
-            <p:ph idx="1"/>
-          </p:nvPr>
-        </p:nvSpPr>
-        <p:spPr/>
-        <p:txBody>
-          <a:bodyPr>
-            <a:normAutofit/>
-          </a:bodyPr>
-          <a:lstStyle/>
-          <a:p>
-            <a:pPr marL="0" indent="0">
-              <a:buNone/>
-            </a:pPr>
-            <a:r>
-              <a:rPr lang="de-AT" sz="2600" dirty="0" smtClean="0"/>
-              <a:t>Richard </a:t>
-            </a:r>
-            <a:r>
-              <a:rPr lang="de-AT" sz="2600" dirty="0" err="1" smtClean="0"/>
-              <a:t>slide</a:t>
-            </a:r>
-            <a:endParaRPr lang="en-GB" sz="2400" dirty="0"/>
-          </a:p>
-        </p:txBody>
-      </p:sp>
-      <p:pic>
-        <p:nvPicPr>
-          <p:cNvPr id="4" name="Picture 3"/>
-          <p:cNvPicPr>
-            <a:picLocks noChangeAspect="1"/>
-          </p:cNvPicPr>
-          <p:nvPr/>
-        </p:nvPicPr>
-        <p:blipFill>
-          <a:blip r:embed="rId2"/>
-          <a:stretch>
-            <a:fillRect/>
-          </a:stretch>
-        </p:blipFill>
-        <p:spPr>
-          <a:xfrm>
-            <a:off x="2033972" y="3284984"/>
-            <a:ext cx="5076056" cy="1957522"/>
-          </a:xfrm>
-          <a:prstGeom prst="rect">
-            <a:avLst/>
-          </a:prstGeom>
-        </p:spPr>
-      </p:pic>
+      <mc:AlternateContent xmlns:mc="http://schemas.openxmlformats.org/markup-compatibility/2006" xmlns:a14="http://schemas.microsoft.com/office/drawing/2010/main">
+        <mc:Choice Requires="a14">
+          <p:sp>
+            <p:nvSpPr>
+              <p:cNvPr id="3" name="Content Placeholder 2">
+                <a:extLst>
+                  <a:ext uri="{FF2B5EF4-FFF2-40B4-BE49-F238E27FC236}">
+                    <a16:creationId xmlns="" xmlns:a16="http://schemas.microsoft.com/office/drawing/2014/main" id="{460CDE3A-C773-49C0-80DE-48034E5EE1CD}"/>
+                  </a:ext>
+                </a:extLst>
+              </p:cNvPr>
+              <p:cNvSpPr>
+                <a:spLocks noGrp="1"/>
+              </p:cNvSpPr>
+              <p:nvPr>
+                <p:ph idx="1"/>
+              </p:nvPr>
+            </p:nvSpPr>
+            <p:spPr>
+              <a:xfrm>
+                <a:off x="457200" y="1700808"/>
+                <a:ext cx="8229600" cy="4389437"/>
+              </a:xfrm>
+            </p:spPr>
+            <p:txBody>
+              <a:bodyPr>
+                <a:noAutofit/>
+              </a:bodyPr>
+              <a:lstStyle/>
+              <a:p>
+                <a:pPr marL="0" indent="0">
+                  <a:buNone/>
+                </a:pPr>
+                <a:r>
+                  <a:rPr lang="en-CA" sz="2200" dirty="0"/>
+                  <a:t>lm(mass ~ </a:t>
+                </a:r>
+                <a:r>
+                  <a:rPr lang="en-CA" sz="2200" dirty="0" err="1"/>
+                  <a:t>svl</a:t>
+                </a:r>
+                <a:r>
+                  <a:rPr lang="en-CA" sz="2200" dirty="0"/>
+                  <a:t>)</a:t>
+                </a:r>
+              </a:p>
+              <a:p>
+                <a:pPr marL="0" indent="0">
+                  <a:buNone/>
+                </a:pPr>
+                <a:endParaRPr lang="en-CA" sz="2200" dirty="0"/>
+              </a:p>
+              <a:p>
+                <a:pPr marL="0" indent="0">
+                  <a:buNone/>
+                </a:pPr>
+                <a14:m>
+                  <m:oMathPara xmlns:m="http://schemas.openxmlformats.org/officeDocument/2006/math">
+                    <m:oMathParaPr>
+                      <m:jc m:val="centerGroup"/>
+                    </m:oMathParaPr>
+                    <m:oMath xmlns:m="http://schemas.openxmlformats.org/officeDocument/2006/math">
+                      <m:sSub>
+                        <m:sSubPr>
+                          <m:ctrlPr>
+                            <a:rPr lang="en-CA" sz="2200" b="1" i="1" smtClean="0">
+                              <a:latin typeface="Cambria Math" panose="02040503050406030204" pitchFamily="18" charset="0"/>
+                            </a:rPr>
+                          </m:ctrlPr>
+                        </m:sSubPr>
+                        <m:e>
+                          <m:r>
+                            <m:rPr>
+                              <m:nor/>
+                            </m:rPr>
+                            <a:rPr lang="en-CA" sz="2200" b="1" i="0" smtClean="0">
+                              <a:latin typeface="Cambria Math" panose="02040503050406030204" pitchFamily="18" charset="0"/>
+                            </a:rPr>
+                            <m:t>mass</m:t>
+                          </m:r>
+                        </m:e>
+                        <m:sub>
+                          <m:r>
+                            <a:rPr lang="en-CA" sz="2200" b="1" i="1" smtClean="0">
+                              <a:latin typeface="Cambria Math" panose="02040503050406030204" pitchFamily="18" charset="0"/>
+                            </a:rPr>
+                            <m:t>𝒊</m:t>
+                          </m:r>
+                        </m:sub>
+                      </m:sSub>
+                      <m:r>
+                        <m:rPr>
+                          <m:nor/>
+                        </m:rPr>
+                        <a:rPr lang="en-CA" sz="2200" b="1"/>
+                        <m:t> = </m:t>
+                      </m:r>
+                      <m:r>
+                        <a:rPr lang="en-CA" sz="2200" b="1" i="1" smtClean="0">
+                          <a:latin typeface="Cambria Math" panose="02040503050406030204" pitchFamily="18" charset="0"/>
+                          <a:ea typeface="Cambria Math" panose="02040503050406030204" pitchFamily="18" charset="0"/>
+                        </a:rPr>
+                        <m:t>𝜶</m:t>
+                      </m:r>
+                      <m:r>
+                        <m:rPr>
+                          <m:nor/>
+                        </m:rPr>
+                        <a:rPr lang="en-CA" sz="2200" b="1" i="0" smtClean="0">
+                          <a:latin typeface="Cambria Math" panose="02040503050406030204" pitchFamily="18" charset="0"/>
+                          <a:ea typeface="Cambria Math" panose="02040503050406030204" pitchFamily="18" charset="0"/>
+                        </a:rPr>
+                        <m:t> + </m:t>
+                      </m:r>
+                      <m:r>
+                        <a:rPr lang="en-CA" sz="2200" b="1" i="1" smtClean="0">
+                          <a:latin typeface="Cambria Math" panose="02040503050406030204" pitchFamily="18" charset="0"/>
+                          <a:ea typeface="Cambria Math" panose="02040503050406030204" pitchFamily="18" charset="0"/>
+                        </a:rPr>
+                        <m:t>𝜷</m:t>
+                      </m:r>
+                      <m:r>
+                        <a:rPr lang="en-CA" sz="2200" b="1" i="1" smtClean="0">
+                          <a:latin typeface="Cambria Math" panose="02040503050406030204" pitchFamily="18" charset="0"/>
+                          <a:ea typeface="Cambria Math" panose="02040503050406030204" pitchFamily="18" charset="0"/>
+                        </a:rPr>
+                        <m:t> ∗</m:t>
+                      </m:r>
+                      <m:sSub>
+                        <m:sSubPr>
+                          <m:ctrlPr>
+                            <a:rPr lang="en-CA" sz="2200" b="1" i="1" smtClean="0">
+                              <a:latin typeface="Cambria Math" panose="02040503050406030204" pitchFamily="18" charset="0"/>
+                              <a:ea typeface="Cambria Math" panose="02040503050406030204" pitchFamily="18" charset="0"/>
+                            </a:rPr>
+                          </m:ctrlPr>
+                        </m:sSubPr>
+                        <m:e>
+                          <m:r>
+                            <a:rPr lang="en-CA" sz="2200" b="1" i="0" smtClean="0">
+                              <a:latin typeface="Cambria Math" panose="02040503050406030204" pitchFamily="18" charset="0"/>
+                              <a:ea typeface="Cambria Math" panose="02040503050406030204" pitchFamily="18" charset="0"/>
+                            </a:rPr>
+                            <m:t>𝐬𝐯𝐥</m:t>
+                          </m:r>
+                        </m:e>
+                        <m:sub>
+                          <m:r>
+                            <a:rPr lang="en-CA" sz="2200" b="1" i="1" smtClean="0">
+                              <a:latin typeface="Cambria Math" panose="02040503050406030204" pitchFamily="18" charset="0"/>
+                              <a:ea typeface="Cambria Math" panose="02040503050406030204" pitchFamily="18" charset="0"/>
+                            </a:rPr>
+                            <m:t>𝒊</m:t>
+                          </m:r>
+                        </m:sub>
+                      </m:sSub>
+                      <m:r>
+                        <m:rPr>
+                          <m:nor/>
+                        </m:rPr>
+                        <a:rPr lang="el-GR" sz="2200" b="1"/>
+                        <m:t> + </m:t>
+                      </m:r>
+                      <m:sSub>
+                        <m:sSubPr>
+                          <m:ctrlPr>
+                            <a:rPr lang="el-GR" sz="2200" b="1" i="1" smtClean="0">
+                              <a:latin typeface="Cambria Math" panose="02040503050406030204" pitchFamily="18" charset="0"/>
+                            </a:rPr>
+                          </m:ctrlPr>
+                        </m:sSubPr>
+                        <m:e>
+                          <m:r>
+                            <m:rPr>
+                              <m:nor/>
+                            </m:rPr>
+                            <a:rPr lang="el-GR" sz="2200" b="1"/>
+                            <m:t>ε</m:t>
+                          </m:r>
+                        </m:e>
+                        <m:sub>
+                          <m:r>
+                            <a:rPr lang="en-CA" sz="2200" b="1" i="1" smtClean="0">
+                              <a:latin typeface="Cambria Math" panose="02040503050406030204" pitchFamily="18" charset="0"/>
+                            </a:rPr>
+                            <m:t>𝒊</m:t>
+                          </m:r>
+                        </m:sub>
+                      </m:sSub>
+                    </m:oMath>
+                  </m:oMathPara>
+                </a14:m>
+                <a:endParaRPr lang="en-CA" sz="2200" b="1" dirty="0"/>
+              </a:p>
+              <a:p>
+                <a:pPr marL="0" indent="0">
+                  <a:buNone/>
+                </a:pPr>
+                <a:endParaRPr lang="en-CA" sz="2200" dirty="0"/>
+              </a:p>
+              <a:p>
+                <a:pPr marL="0" indent="0">
+                  <a:buNone/>
+                </a:pPr>
+                <a14:m>
+                  <m:oMath xmlns:m="http://schemas.openxmlformats.org/officeDocument/2006/math">
+                    <m:r>
+                      <m:rPr>
+                        <m:sty m:val="p"/>
+                      </m:rPr>
+                      <a:rPr lang="el-GR" sz="2200" i="1" smtClean="0">
+                        <a:latin typeface="Cambria Math" panose="02040503050406030204" pitchFamily="18" charset="0"/>
+                        <a:ea typeface="Cambria Math" panose="02040503050406030204" pitchFamily="18" charset="0"/>
+                      </a:rPr>
+                      <m:t>α</m:t>
+                    </m:r>
+                    <m:r>
+                      <m:rPr>
+                        <m:nor/>
+                      </m:rPr>
+                      <a:rPr lang="en-CA" sz="2200"/>
+                      <m:t> =</m:t>
+                    </m:r>
+                  </m:oMath>
+                </a14:m>
+                <a:r>
+                  <a:rPr lang="en-CA" sz="2200" i="1" dirty="0"/>
+                  <a:t> </a:t>
+                </a:r>
+                <a:r>
+                  <a:rPr lang="en-CA" sz="2200" dirty="0"/>
+                  <a:t>constant</a:t>
+                </a:r>
+                <a:endParaRPr lang="en-CA" sz="2200" i="1" dirty="0"/>
+              </a:p>
+              <a:p>
+                <a:pPr marL="0" indent="0">
+                  <a:buNone/>
+                </a:pPr>
+                <a14:m>
+                  <m:oMath xmlns:m="http://schemas.openxmlformats.org/officeDocument/2006/math">
+                    <m:r>
+                      <m:rPr>
+                        <m:sty m:val="p"/>
+                      </m:rPr>
+                      <a:rPr lang="el-GR" sz="2200" i="1" smtClean="0">
+                        <a:latin typeface="Cambria Math" panose="02040503050406030204" pitchFamily="18" charset="0"/>
+                        <a:ea typeface="Cambria Math" panose="02040503050406030204" pitchFamily="18" charset="0"/>
+                      </a:rPr>
+                      <m:t>β</m:t>
+                    </m:r>
+                    <m:r>
+                      <m:rPr>
+                        <m:nor/>
+                      </m:rPr>
+                      <a:rPr lang="en-CA" sz="2200" b="0" i="0" smtClean="0"/>
+                      <m:t> =</m:t>
+                    </m:r>
+                  </m:oMath>
+                </a14:m>
+                <a:r>
+                  <a:rPr lang="en-CA" sz="2200" i="1" dirty="0"/>
+                  <a:t> </a:t>
+                </a:r>
+                <a:r>
+                  <a:rPr lang="en-CA" sz="2200" dirty="0"/>
+                  <a:t>constant to be multiplied with snout–vent </a:t>
+                </a:r>
+                <a:r>
+                  <a:rPr lang="en-CA" sz="2200" dirty="0" err="1"/>
+                  <a:t>leng</a:t>
+                </a:r>
+                <a:r>
+                  <a:rPr lang="en-CA" sz="2200" dirty="0"/>
+                  <a:t>. </a:t>
+                </a:r>
+                <a:endParaRPr lang="en-CA" sz="2200" i="1" dirty="0"/>
+              </a:p>
+              <a:p>
+                <a:pPr marL="0" indent="0">
+                  <a:buNone/>
+                </a:pPr>
+                <a14:m>
+                  <m:oMath xmlns:m="http://schemas.openxmlformats.org/officeDocument/2006/math">
+                    <m:sSub>
+                      <m:sSubPr>
+                        <m:ctrlPr>
+                          <a:rPr lang="el-GR" sz="2200" i="1">
+                            <a:latin typeface="Cambria Math" panose="02040503050406030204" pitchFamily="18" charset="0"/>
+                          </a:rPr>
+                        </m:ctrlPr>
+                      </m:sSubPr>
+                      <m:e>
+                        <m:r>
+                          <m:rPr>
+                            <m:nor/>
+                          </m:rPr>
+                          <a:rPr lang="el-GR" sz="2200"/>
+                          <m:t>ε</m:t>
+                        </m:r>
+                      </m:e>
+                      <m:sub>
+                        <m:r>
+                          <a:rPr lang="en-CA" sz="2200" i="1">
+                            <a:latin typeface="Cambria Math" panose="02040503050406030204" pitchFamily="18" charset="0"/>
+                          </a:rPr>
+                          <m:t>𝑖</m:t>
+                        </m:r>
+                      </m:sub>
+                    </m:sSub>
+                    <m:r>
+                      <a:rPr lang="en-CA" sz="2200" i="1">
+                        <a:latin typeface="Cambria Math" panose="02040503050406030204" pitchFamily="18" charset="0"/>
+                      </a:rPr>
+                      <m:t> </m:t>
+                    </m:r>
+                  </m:oMath>
+                </a14:m>
+                <a:r>
+                  <a:rPr lang="en-US" sz="2200" dirty="0"/>
+                  <a:t>= residual for snake </a:t>
+                </a:r>
+                <a14:m>
+                  <m:oMath xmlns:m="http://schemas.openxmlformats.org/officeDocument/2006/math">
+                    <m:r>
+                      <a:rPr lang="en-CA" sz="2200" b="0" i="1" smtClean="0">
+                        <a:latin typeface="Cambria Math" panose="02040503050406030204" pitchFamily="18" charset="0"/>
+                      </a:rPr>
+                      <m:t>𝑖</m:t>
+                    </m:r>
+                  </m:oMath>
+                </a14:m>
+                <a:endParaRPr lang="en-CA" sz="2200" i="1" dirty="0"/>
+              </a:p>
+              <a:p>
+                <a:pPr marL="0" indent="0">
+                  <a:buNone/>
+                </a:pPr>
+                <a:endParaRPr lang="en-CA" sz="2200" i="1" dirty="0"/>
+              </a:p>
+              <a:p>
+                <a:pPr marL="0" indent="0">
+                  <a:buNone/>
+                </a:pPr>
+                <a14:m>
+                  <m:oMathPara xmlns:m="http://schemas.openxmlformats.org/officeDocument/2006/math">
+                    <m:oMathParaPr>
+                      <m:jc m:val="left"/>
+                    </m:oMathParaPr>
+                    <m:oMath xmlns:m="http://schemas.openxmlformats.org/officeDocument/2006/math">
+                      <m:sSub>
+                        <m:sSubPr>
+                          <m:ctrlPr>
+                            <a:rPr lang="el-GR" sz="2200" i="1">
+                              <a:latin typeface="Cambria Math" panose="02040503050406030204" pitchFamily="18" charset="0"/>
+                            </a:rPr>
+                          </m:ctrlPr>
+                        </m:sSubPr>
+                        <m:e>
+                          <m:r>
+                            <m:rPr>
+                              <m:nor/>
+                            </m:rPr>
+                            <a:rPr lang="el-GR" sz="2200"/>
+                            <m:t>ε</m:t>
+                          </m:r>
+                        </m:e>
+                        <m:sub>
+                          <m:r>
+                            <a:rPr lang="en-CA" sz="2200" i="1">
+                              <a:latin typeface="Cambria Math" panose="02040503050406030204" pitchFamily="18" charset="0"/>
+                            </a:rPr>
+                            <m:t>𝑖</m:t>
+                          </m:r>
+                        </m:sub>
+                      </m:sSub>
+                      <m:r>
+                        <m:rPr>
+                          <m:nor/>
+                        </m:rPr>
+                        <a:rPr lang="en-CA" sz="2200"/>
+                        <m:t>∼ </m:t>
+                      </m:r>
+                      <m:r>
+                        <m:rPr>
+                          <m:nor/>
+                        </m:rPr>
+                        <a:rPr lang="en-CA" sz="2200"/>
+                        <m:t>Normal</m:t>
+                      </m:r>
+                      <m:r>
+                        <m:rPr>
+                          <m:nor/>
+                        </m:rPr>
+                        <a:rPr lang="en-CA" sz="2200" b="0" i="0" smtClean="0"/>
+                        <m:t>(0,</m:t>
+                      </m:r>
+                      <m:sSup>
+                        <m:sSupPr>
+                          <m:ctrlPr>
+                            <a:rPr lang="en-CA" sz="2200" b="0" i="1" smtClean="0">
+                              <a:latin typeface="Cambria Math" panose="02040503050406030204" pitchFamily="18" charset="0"/>
+                            </a:rPr>
+                          </m:ctrlPr>
+                        </m:sSupPr>
+                        <m:e>
+                          <m:r>
+                            <a:rPr lang="en-CA" sz="2200" b="0" i="1" smtClean="0">
+                              <a:latin typeface="Cambria Math" panose="02040503050406030204" pitchFamily="18" charset="0"/>
+                              <a:ea typeface="Cambria Math" panose="02040503050406030204" pitchFamily="18" charset="0"/>
+                            </a:rPr>
+                            <m:t>𝜎</m:t>
+                          </m:r>
+                        </m:e>
+                        <m:sup>
+                          <m:r>
+                            <a:rPr lang="en-CA" sz="2200" b="0" i="1" smtClean="0">
+                              <a:latin typeface="Cambria Math" panose="02040503050406030204" pitchFamily="18" charset="0"/>
+                            </a:rPr>
+                            <m:t>2</m:t>
+                          </m:r>
+                        </m:sup>
+                      </m:sSup>
+                      <m:r>
+                        <a:rPr lang="en-CA" sz="2200" b="0" i="1" smtClean="0">
+                          <a:latin typeface="Cambria Math" panose="02040503050406030204" pitchFamily="18" charset="0"/>
+                        </a:rPr>
+                        <m:t>)</m:t>
+                      </m:r>
+                    </m:oMath>
+                  </m:oMathPara>
+                </a14:m>
+                <a:endParaRPr lang="en-CA" sz="2200" i="1" dirty="0" smtClean="0"/>
+              </a:p>
+              <a:p>
+                <a:pPr marL="0" indent="0">
+                  <a:buNone/>
+                </a:pPr>
+                <a:endParaRPr lang="en-GB" sz="2200" dirty="0" smtClean="0"/>
+              </a:p>
+            </p:txBody>
+          </p:sp>
+        </mc:Choice>
+        <mc:Fallback xmlns="">
+          <p:sp>
+            <p:nvSpPr>
+              <p:cNvPr id="3" name="Content Placeholder 2">
+                <a:extLst>
+                  <a:ext uri="{FF2B5EF4-FFF2-40B4-BE49-F238E27FC236}">
+                    <a16:creationId xmlns:a16="http://schemas.microsoft.com/office/drawing/2014/main" xmlns="" xmlns:a14="http://schemas.microsoft.com/office/drawing/2010/main" id="{460CDE3A-C773-49C0-80DE-48034E5EE1CD}"/>
+                  </a:ext>
+                </a:extLst>
+              </p:cNvPr>
+              <p:cNvSpPr>
+                <a:spLocks noGrp="1" noRot="1" noChangeAspect="1" noMove="1" noResize="1" noEditPoints="1" noAdjustHandles="1" noChangeArrowheads="1" noChangeShapeType="1" noTextEdit="1"/>
+              </p:cNvSpPr>
+              <p:nvPr>
+                <p:ph idx="1"/>
+              </p:nvPr>
+            </p:nvSpPr>
+            <p:spPr>
+              <a:xfrm>
+                <a:off x="457200" y="1700808"/>
+                <a:ext cx="8229600" cy="4389437"/>
+              </a:xfrm>
+              <a:blipFill rotWithShape="0">
+                <a:blip r:embed="rId2"/>
+                <a:stretch>
+                  <a:fillRect l="-963" t="-972"/>
+                </a:stretch>
+              </a:blipFill>
+            </p:spPr>
+            <p:txBody>
+              <a:bodyPr/>
+              <a:lstStyle/>
+              <a:p>
+                <a:r>
+                  <a:rPr lang="en-GB">
+                    <a:noFill/>
+                  </a:rPr>
+                  <a:t> </a:t>
+                </a:r>
+              </a:p>
+            </p:txBody>
+          </p:sp>
+        </mc:Fallback>
+      </mc:AlternateContent>
     </p:spTree>
     <p:extLst>
       <p:ext uri="{BB962C8B-B14F-4D97-AF65-F5344CB8AC3E}">
-        <p14:creationId xmlns:p14="http://schemas.microsoft.com/office/powerpoint/2010/main" val="3787349887"/>
+        <p14:creationId xmlns:p14="http://schemas.microsoft.com/office/powerpoint/2010/main" val="802738095"/>
       </p:ext>
     </p:extLst>
   </p:cSld>
@@ -8522,7 +10130,7 @@
           <p:cNvPr id="7" name="Title 1">
             <a:extLst>
               <a:ext uri="{FF2B5EF4-FFF2-40B4-BE49-F238E27FC236}">
-                <a16:creationId xmlns:a16="http://schemas.microsoft.com/office/drawing/2014/main" xmlns="" id="{EDDE273D-90E2-47F3-8613-1F70BBDC1086}"/>
+                <a16:creationId xmlns="" xmlns:a16="http://schemas.microsoft.com/office/drawing/2014/main" id="{EDDE273D-90E2-47F3-8613-1F70BBDC1086}"/>
               </a:ext>
             </a:extLst>
           </p:cNvPr>
@@ -8757,7 +10365,7 @@
         </p:blipFill>
         <p:spPr>
           <a:xfrm>
-            <a:off x="1331640" y="2492896"/>
+            <a:off x="1259632" y="1620617"/>
             <a:ext cx="6353175" cy="2714625"/>
           </a:xfrm>
           <a:prstGeom prst="rect">
@@ -8767,39 +10375,108 @@
       </p:pic>
       <p:sp>
         <p:nvSpPr>
-          <p:cNvPr id="8" name="TextBox 7"/>
-          <p:cNvSpPr txBox="1"/>
-          <p:nvPr/>
+          <p:cNvPr id="6" name="Content Placeholder 2"/>
+          <p:cNvSpPr>
+            <a:spLocks noGrp="1"/>
+          </p:cNvSpPr>
+          <p:nvPr>
+            <p:ph idx="1"/>
+          </p:nvPr>
         </p:nvSpPr>
         <p:spPr>
           <a:xfrm>
-            <a:off x="1043608" y="5589240"/>
-            <a:ext cx="3888432" cy="369332"/>
+            <a:off x="755576" y="4365104"/>
+            <a:ext cx="7704856" cy="2376263"/>
           </a:xfrm>
-          <a:prstGeom prst="rect">
-            <a:avLst/>
-          </a:prstGeom>
-          <a:noFill/>
         </p:spPr>
         <p:txBody>
-          <a:bodyPr wrap="square" rtlCol="0">
-            <a:spAutoFit/>
-          </a:bodyPr>
+          <a:bodyPr/>
           <a:lstStyle/>
           <a:p>
-            <a:r>
-              <a:rPr lang="de-AT" dirty="0" smtClean="0"/>
-              <a:t>Kurz was aus </a:t>
-            </a:r>
-            <a:r>
-              <a:rPr lang="de-AT" dirty="0" err="1" smtClean="0"/>
-              <a:t>schweizer</a:t>
-            </a:r>
-            <a:r>
-              <a:rPr lang="de-AT" dirty="0" smtClean="0"/>
-              <a:t> buch</a:t>
-            </a:r>
-            <a:endParaRPr lang="en-GB" dirty="0"/>
+            <a:pPr marL="342900" indent="-342900">
+              <a:buFont typeface="Arial" panose="020B0604020202020204" pitchFamily="34" charset="0"/>
+              <a:buChar char="•"/>
+            </a:pPr>
+            <a:r>
+              <a:rPr lang="en-GB" sz="2200" dirty="0"/>
+              <a:t>So far only the intercept </a:t>
+            </a:r>
+            <a:r>
+              <a:rPr lang="el-GR" sz="2200" dirty="0"/>
+              <a:t>α</a:t>
+            </a:r>
+            <a:r>
+              <a:rPr lang="de-AT" sz="2200" dirty="0"/>
+              <a:t> </a:t>
+            </a:r>
+            <a:r>
+              <a:rPr lang="en-GB" sz="2200" dirty="0"/>
+              <a:t>was </a:t>
+            </a:r>
+            <a:r>
+              <a:rPr lang="en-GB" sz="2200" dirty="0" err="1"/>
+              <a:t>modeled</a:t>
+            </a:r>
+            <a:r>
+              <a:rPr lang="en-GB" sz="2200" dirty="0"/>
+              <a:t> per individual (the model allowed for between-individual </a:t>
+            </a:r>
+            <a:r>
+              <a:rPr lang="en-GB" sz="2200" dirty="0" smtClean="0"/>
+              <a:t>variance)</a:t>
+            </a:r>
+          </a:p>
+          <a:p>
+            <a:pPr marL="342900" indent="-342900">
+              <a:buFont typeface="Arial" panose="020B0604020202020204" pitchFamily="34" charset="0"/>
+              <a:buChar char="•"/>
+            </a:pPr>
+            <a:r>
+              <a:rPr lang="en-GB" sz="2200" dirty="0" smtClean="0"/>
+              <a:t>The </a:t>
+            </a:r>
+            <a:r>
+              <a:rPr lang="en-GB" sz="2200" dirty="0"/>
+              <a:t>random effect does not need to be restricted to the </a:t>
+            </a:r>
+            <a:r>
+              <a:rPr lang="en-GB" sz="2200" dirty="0" smtClean="0"/>
+              <a:t>intercept!</a:t>
+            </a:r>
+          </a:p>
+          <a:p>
+            <a:pPr marL="342900" indent="-342900">
+              <a:buFont typeface="Arial" panose="020B0604020202020204" pitchFamily="34" charset="0"/>
+              <a:buChar char="•"/>
+            </a:pPr>
+            <a:r>
+              <a:rPr lang="en-GB" sz="2200" dirty="0" smtClean="0"/>
+              <a:t>We </a:t>
+            </a:r>
+            <a:r>
+              <a:rPr lang="en-GB" sz="2200" dirty="0"/>
+              <a:t>cannot include an individual-specific difference </a:t>
+            </a:r>
+            <a:r>
+              <a:rPr lang="en-GB" sz="2200" dirty="0" smtClean="0"/>
+              <a:t/>
+            </a:r>
+            <a:br>
+              <a:rPr lang="en-GB" sz="2200" dirty="0" smtClean="0"/>
+            </a:br>
+            <a:r>
+              <a:rPr lang="en-GB" sz="2200" dirty="0" smtClean="0"/>
+              <a:t>e.g</a:t>
+            </a:r>
+            <a:r>
+              <a:rPr lang="en-GB" sz="2200" dirty="0"/>
+              <a:t>. individuals might react differently </a:t>
+            </a:r>
+            <a:r>
+              <a:rPr lang="en-GB" sz="2200" dirty="0" smtClean="0"/>
+              <a:t>to a treatment</a:t>
+            </a:r>
+            <a:endParaRPr lang="en-GB" sz="2200" dirty="0"/>
           </a:p>
         </p:txBody>
       </p:sp>
@@ -8909,7 +10586,7 @@
           <p:cNvPr id="6" name="Title 1">
             <a:extLst>
               <a:ext uri="{FF2B5EF4-FFF2-40B4-BE49-F238E27FC236}">
-                <a16:creationId xmlns:a16="http://schemas.microsoft.com/office/drawing/2014/main" xmlns="" id="{EDDE273D-90E2-47F3-8613-1F70BBDC1086}"/>
+                <a16:creationId xmlns="" xmlns:a16="http://schemas.microsoft.com/office/drawing/2014/main" id="{EDDE273D-90E2-47F3-8613-1F70BBDC1086}"/>
               </a:ext>
             </a:extLst>
           </p:cNvPr>
@@ -8985,9 +10662,80 @@
   <p:timing>
     <p:tnLst>
       <p:par>
-        <p:cTn id="1" dur="indefinite" restart="never" nodeType="tmRoot"/>
+        <p:cTn id="1" dur="indefinite" restart="never" nodeType="tmRoot">
+          <p:childTnLst>
+            <p:seq concurrent="1" nextAc="seek">
+              <p:cTn id="2" dur="indefinite" nodeType="mainSeq">
+                <p:childTnLst>
+                  <p:par>
+                    <p:cTn id="3" fill="hold">
+                      <p:stCondLst>
+                        <p:cond delay="indefinite"/>
+                      </p:stCondLst>
+                      <p:childTnLst>
+                        <p:par>
+                          <p:cTn id="4" fill="hold">
+                            <p:stCondLst>
+                              <p:cond delay="0"/>
+                            </p:stCondLst>
+                            <p:childTnLst>
+                              <p:par>
+                                <p:cTn id="5" presetID="1" presetClass="entr" presetSubtype="0" fill="hold" grpId="0" nodeType="clickEffect">
+                                  <p:stCondLst>
+                                    <p:cond delay="0"/>
+                                  </p:stCondLst>
+                                  <p:childTnLst>
+                                    <p:set>
+                                      <p:cBhvr>
+                                        <p:cTn id="6" dur="1" fill="hold">
+                                          <p:stCondLst>
+                                            <p:cond delay="0"/>
+                                          </p:stCondLst>
+                                        </p:cTn>
+                                        <p:tgtEl>
+                                          <p:spTgt spid="3"/>
+                                        </p:tgtEl>
+                                        <p:attrNameLst>
+                                          <p:attrName>style.visibility</p:attrName>
+                                        </p:attrNameLst>
+                                      </p:cBhvr>
+                                      <p:to>
+                                        <p:strVal val="visible"/>
+                                      </p:to>
+                                    </p:set>
+                                  </p:childTnLst>
+                                </p:cTn>
+                              </p:par>
+                            </p:childTnLst>
+                          </p:cTn>
+                        </p:par>
+                      </p:childTnLst>
+                    </p:cTn>
+                  </p:par>
+                </p:childTnLst>
+              </p:cTn>
+              <p:prevCondLst>
+                <p:cond evt="onPrev" delay="0">
+                  <p:tgtEl>
+                    <p:sldTgt/>
+                  </p:tgtEl>
+                </p:cond>
+              </p:prevCondLst>
+              <p:nextCondLst>
+                <p:cond evt="onNext" delay="0">
+                  <p:tgtEl>
+                    <p:sldTgt/>
+                  </p:tgtEl>
+                </p:cond>
+              </p:nextCondLst>
+            </p:seq>
+          </p:childTnLst>
+        </p:cTn>
       </p:par>
     </p:tnLst>
+    <p:bldLst>
+      <p:bldP spid="3" grpId="0" animBg="1"/>
+    </p:bldLst>
   </p:timing>
 </p:sld>
 </file>
@@ -9113,7 +10861,7 @@
           <p:cNvPr id="4" name="Title 1">
             <a:extLst>
               <a:ext uri="{FF2B5EF4-FFF2-40B4-BE49-F238E27FC236}">
-                <a16:creationId xmlns:a16="http://schemas.microsoft.com/office/drawing/2014/main" xmlns="" id="{EDDE273D-90E2-47F3-8613-1F70BBDC1086}"/>
+                <a16:creationId xmlns="" xmlns:a16="http://schemas.microsoft.com/office/drawing/2014/main" id="{EDDE273D-90E2-47F3-8613-1F70BBDC1086}"/>
               </a:ext>
             </a:extLst>
           </p:cNvPr>
@@ -9572,7 +11320,7 @@
           <p:cNvPr id="10" name="Title 1">
             <a:extLst>
               <a:ext uri="{FF2B5EF4-FFF2-40B4-BE49-F238E27FC236}">
-                <a16:creationId xmlns:a16="http://schemas.microsoft.com/office/drawing/2014/main" xmlns="" id="{EDDE273D-90E2-47F3-8613-1F70BBDC1086}"/>
+                <a16:creationId xmlns="" xmlns:a16="http://schemas.microsoft.com/office/drawing/2014/main" id="{EDDE273D-90E2-47F3-8613-1F70BBDC1086}"/>
               </a:ext>
             </a:extLst>
           </p:cNvPr>
@@ -9797,27 +11545,7 @@
             </a:pPr>
             <a:r>
               <a:rPr lang="en-GB" sz="2400" dirty="0"/>
-              <a:t>Measurements from </a:t>
-            </a:r>
-            <a:r>
-              <a:rPr lang="en-GB" sz="2400" dirty="0"/>
-              <a:t>the same </a:t>
-            </a:r>
-            <a:r>
-              <a:rPr lang="en-GB" sz="2400" dirty="0"/>
-              <a:t>individual are likely to be more </a:t>
-            </a:r>
-            <a:r>
-              <a:rPr lang="en-GB" sz="2400" dirty="0"/>
-              <a:t>similar (</a:t>
-            </a:r>
-            <a:r>
-              <a:rPr lang="en-GB" sz="2400" dirty="0"/>
-              <a:t>grouped within </a:t>
-            </a:r>
-            <a:r>
-              <a:rPr lang="en-GB" sz="2400" dirty="0"/>
-              <a:t>nestlings - repeated measurements)</a:t>
+              <a:t>Measurements from the same individual are likely to be more similar (grouped within nestlings - repeated measurements)</a:t>
             </a:r>
           </a:p>
           <a:p>
@@ -9837,23 +11565,7 @@
             </a:pPr>
             <a:r>
               <a:rPr lang="en-GB" sz="2400" dirty="0"/>
-              <a:t>Individuals </a:t>
-            </a:r>
-            <a:r>
-              <a:rPr lang="en-GB" sz="2400" dirty="0"/>
-              <a:t>from the same nest are likely to be more </a:t>
-            </a:r>
-            <a:r>
-              <a:rPr lang="en-GB" sz="2400" dirty="0"/>
-              <a:t>similar (</a:t>
-            </a:r>
-            <a:r>
-              <a:rPr lang="en-GB" sz="2400" dirty="0"/>
-              <a:t>grouped within nests </a:t>
-            </a:r>
-            <a:r>
-              <a:rPr lang="en-GB" sz="2400" dirty="0"/>
-              <a:t>)</a:t>
+              <a:t>Individuals from the same nest are likely to be more similar (grouped within nests )</a:t>
             </a:r>
           </a:p>
           <a:p>
@@ -9873,12 +11585,12 @@
               <a:t>model, the residuals do not </a:t>
             </a:r>
             <a:r>
-              <a:rPr lang="en-GB" sz="2400" dirty="0" err="1"/>
-              <a:t>fulfill</a:t>
+              <a:rPr lang="en-GB" sz="2400" dirty="0" smtClean="0"/>
+              <a:t>fulfil </a:t>
             </a:r>
             <a:r>
               <a:rPr lang="en-GB" sz="2400" dirty="0"/>
-              <a:t> the independence assumption</a:t>
+              <a:t>the independence assumption</a:t>
             </a:r>
             <a:r>
               <a:rPr lang="en-GB" sz="2400" dirty="0" smtClean="0"/>
@@ -9961,7 +11673,239 @@
   <p:timing>
     <p:tnLst>
       <p:par>
-        <p:cTn id="1" dur="indefinite" restart="never" nodeType="tmRoot"/>
+        <p:cTn id="1" dur="indefinite" restart="never" nodeType="tmRoot">
+          <p:childTnLst>
+            <p:seq concurrent="1" nextAc="seek">
+              <p:cTn id="2" dur="indefinite" nodeType="mainSeq">
+                <p:childTnLst>
+                  <p:par>
+                    <p:cTn id="3" fill="hold">
+                      <p:stCondLst>
+                        <p:cond delay="indefinite"/>
+                      </p:stCondLst>
+                      <p:childTnLst>
+                        <p:par>
+                          <p:cTn id="4" fill="hold">
+                            <p:stCondLst>
+                              <p:cond delay="0"/>
+                            </p:stCondLst>
+                            <p:childTnLst>
+                              <p:par>
+                                <p:cTn id="5" presetID="1" presetClass="entr" presetSubtype="0" fill="hold" nodeType="clickEffect">
+                                  <p:stCondLst>
+                                    <p:cond delay="0"/>
+                                  </p:stCondLst>
+                                  <p:childTnLst>
+                                    <p:set>
+                                      <p:cBhvr>
+                                        <p:cTn id="6" dur="1" fill="hold">
+                                          <p:stCondLst>
+                                            <p:cond delay="0"/>
+                                          </p:stCondLst>
+                                        </p:cTn>
+                                        <p:tgtEl>
+                                          <p:spTgt spid="3">
+                                            <p:txEl>
+                                              <p:pRg st="0" end="0"/>
+                                            </p:txEl>
+                                          </p:spTgt>
+                                        </p:tgtEl>
+                                        <p:attrNameLst>
+                                          <p:attrName>style.visibility</p:attrName>
+                                        </p:attrNameLst>
+                                      </p:cBhvr>
+                                      <p:to>
+                                        <p:strVal val="visible"/>
+                                      </p:to>
+                                    </p:set>
+                                  </p:childTnLst>
+                                </p:cTn>
+                              </p:par>
+                              <p:par>
+                                <p:cTn id="7" presetID="1" presetClass="entr" presetSubtype="0" fill="hold" nodeType="withEffect">
+                                  <p:stCondLst>
+                                    <p:cond delay="0"/>
+                                  </p:stCondLst>
+                                  <p:childTnLst>
+                                    <p:set>
+                                      <p:cBhvr>
+                                        <p:cTn id="8" dur="1" fill="hold">
+                                          <p:stCondLst>
+                                            <p:cond delay="0"/>
+                                          </p:stCondLst>
+                                        </p:cTn>
+                                        <p:tgtEl>
+                                          <p:spTgt spid="3">
+                                            <p:txEl>
+                                              <p:pRg st="1" end="1"/>
+                                            </p:txEl>
+                                          </p:spTgt>
+                                        </p:tgtEl>
+                                        <p:attrNameLst>
+                                          <p:attrName>style.visibility</p:attrName>
+                                        </p:attrNameLst>
+                                      </p:cBhvr>
+                                      <p:to>
+                                        <p:strVal val="visible"/>
+                                      </p:to>
+                                    </p:set>
+                                  </p:childTnLst>
+                                </p:cTn>
+                              </p:par>
+                            </p:childTnLst>
+                          </p:cTn>
+                        </p:par>
+                      </p:childTnLst>
+                    </p:cTn>
+                  </p:par>
+                  <p:par>
+                    <p:cTn id="9" fill="hold">
+                      <p:stCondLst>
+                        <p:cond delay="indefinite"/>
+                      </p:stCondLst>
+                      <p:childTnLst>
+                        <p:par>
+                          <p:cTn id="10" fill="hold">
+                            <p:stCondLst>
+                              <p:cond delay="0"/>
+                            </p:stCondLst>
+                            <p:childTnLst>
+                              <p:par>
+                                <p:cTn id="11" presetID="1" presetClass="entr" presetSubtype="0" fill="hold" nodeType="clickEffect">
+                                  <p:stCondLst>
+                                    <p:cond delay="0"/>
+                                  </p:stCondLst>
+                                  <p:childTnLst>
+                                    <p:set>
+                                      <p:cBhvr>
+                                        <p:cTn id="12" dur="1" fill="hold">
+                                          <p:stCondLst>
+                                            <p:cond delay="0"/>
+                                          </p:stCondLst>
+                                        </p:cTn>
+                                        <p:tgtEl>
+                                          <p:spTgt spid="12">
+                                            <p:txEl>
+                                              <p:pRg st="0" end="0"/>
+                                            </p:txEl>
+                                          </p:spTgt>
+                                        </p:tgtEl>
+                                        <p:attrNameLst>
+                                          <p:attrName>style.visibility</p:attrName>
+                                        </p:attrNameLst>
+                                      </p:cBhvr>
+                                      <p:to>
+                                        <p:strVal val="visible"/>
+                                      </p:to>
+                                    </p:set>
+                                  </p:childTnLst>
+                                </p:cTn>
+                              </p:par>
+                              <p:par>
+                                <p:cTn id="13" presetID="1" presetClass="entr" presetSubtype="0" fill="hold" nodeType="withEffect">
+                                  <p:stCondLst>
+                                    <p:cond delay="0"/>
+                                  </p:stCondLst>
+                                  <p:childTnLst>
+                                    <p:set>
+                                      <p:cBhvr>
+                                        <p:cTn id="14" dur="1" fill="hold">
+                                          <p:stCondLst>
+                                            <p:cond delay="0"/>
+                                          </p:stCondLst>
+                                        </p:cTn>
+                                        <p:tgtEl>
+                                          <p:spTgt spid="12">
+                                            <p:txEl>
+                                              <p:pRg st="1" end="1"/>
+                                            </p:txEl>
+                                          </p:spTgt>
+                                        </p:tgtEl>
+                                        <p:attrNameLst>
+                                          <p:attrName>style.visibility</p:attrName>
+                                        </p:attrNameLst>
+                                      </p:cBhvr>
+                                      <p:to>
+                                        <p:strVal val="visible"/>
+                                      </p:to>
+                                    </p:set>
+                                  </p:childTnLst>
+                                </p:cTn>
+                              </p:par>
+                            </p:childTnLst>
+                          </p:cTn>
+                        </p:par>
+                      </p:childTnLst>
+                    </p:cTn>
+                  </p:par>
+                  <p:par>
+                    <p:cTn id="15" fill="hold">
+                      <p:stCondLst>
+                        <p:cond delay="indefinite"/>
+                      </p:stCondLst>
+                      <p:childTnLst>
+                        <p:par>
+                          <p:cTn id="16" fill="hold">
+                            <p:stCondLst>
+                              <p:cond delay="0"/>
+                            </p:stCondLst>
+                            <p:childTnLst>
+                              <p:par>
+                                <p:cTn id="17" presetID="1" presetClass="entr" presetSubtype="0" fill="hold" nodeType="clickEffect">
+                                  <p:stCondLst>
+                                    <p:cond delay="0"/>
+                                  </p:stCondLst>
+                                  <p:childTnLst>
+                                    <p:set>
+                                      <p:cBhvr>
+                                        <p:cTn id="18" dur="1" fill="hold">
+                                          <p:stCondLst>
+                                            <p:cond delay="0"/>
+                                          </p:stCondLst>
+                                        </p:cTn>
+                                        <p:tgtEl>
+                                          <p:spTgt spid="12">
+                                            <p:txEl>
+                                              <p:pRg st="3" end="3"/>
+                                            </p:txEl>
+                                          </p:spTgt>
+                                        </p:tgtEl>
+                                        <p:attrNameLst>
+                                          <p:attrName>style.visibility</p:attrName>
+                                        </p:attrNameLst>
+                                      </p:cBhvr>
+                                      <p:to>
+                                        <p:strVal val="visible"/>
+                                      </p:to>
+                                    </p:set>
+                                  </p:childTnLst>
+                                </p:cTn>
+                              </p:par>
+                            </p:childTnLst>
+                          </p:cTn>
+                        </p:par>
+                      </p:childTnLst>
+                    </p:cTn>
+                  </p:par>
+                </p:childTnLst>
+              </p:cTn>
+              <p:prevCondLst>
+                <p:cond evt="onPrev" delay="0">
+                  <p:tgtEl>
+                    <p:sldTgt/>
+                  </p:tgtEl>
+                </p:cond>
+              </p:prevCondLst>
+              <p:nextCondLst>
+                <p:cond evt="onNext" delay="0">
+                  <p:tgtEl>
+                    <p:sldTgt/>
+                  </p:tgtEl>
+                </p:cond>
+              </p:nextCondLst>
+            </p:seq>
+          </p:childTnLst>
+        </p:cTn>
       </p:par>
     </p:tnLst>
   </p:timing>
@@ -10024,11 +11968,7 @@
             </a:r>
             <a:r>
               <a:rPr lang="en-GB" sz="2200" dirty="0"/>
-              <a:t>”</a:t>
-            </a:r>
-            <a:r>
-              <a:rPr lang="en-GB" sz="2200" dirty="0"/>
-              <a:t> </a:t>
+              <a:t>” </a:t>
             </a:r>
             <a:r>
               <a:rPr lang="en-GB" sz="2000" dirty="0" smtClean="0"/>
@@ -10068,11 +12008,7 @@
             </a:r>
             <a:r>
               <a:rPr lang="en-GB" sz="2200" dirty="0"/>
-              <a:t>(e.g., between males and females)</a:t>
-            </a:r>
-            <a:r>
-              <a:rPr lang="en-GB" sz="2200" dirty="0"/>
-              <a:t> </a:t>
+              <a:t>(e.g., between males and females) </a:t>
             </a:r>
             <a:endParaRPr lang="en-GB" sz="2200" dirty="0" smtClean="0"/>
           </a:p>
@@ -10141,7 +12077,7 @@
           <p:cNvPr id="8" name="Title 1">
             <a:extLst>
               <a:ext uri="{FF2B5EF4-FFF2-40B4-BE49-F238E27FC236}">
-                <a16:creationId xmlns:a16="http://schemas.microsoft.com/office/drawing/2014/main" xmlns="" id="{EDDE273D-90E2-47F3-8613-1F70BBDC1086}"/>
+                <a16:creationId xmlns="" xmlns:a16="http://schemas.microsoft.com/office/drawing/2014/main" id="{EDDE273D-90E2-47F3-8613-1F70BBDC1086}"/>
               </a:ext>
             </a:extLst>
           </p:cNvPr>
@@ -10610,7 +12546,208 @@
   <p:timing>
     <p:tnLst>
       <p:par>
-        <p:cTn id="1" dur="indefinite" restart="never" nodeType="tmRoot"/>
+        <p:cTn id="1" dur="indefinite" restart="never" nodeType="tmRoot">
+          <p:childTnLst>
+            <p:seq concurrent="1" nextAc="seek">
+              <p:cTn id="2" dur="indefinite" nodeType="mainSeq">
+                <p:childTnLst>
+                  <p:par>
+                    <p:cTn id="3" fill="hold">
+                      <p:stCondLst>
+                        <p:cond delay="indefinite"/>
+                      </p:stCondLst>
+                      <p:childTnLst>
+                        <p:par>
+                          <p:cTn id="4" fill="hold">
+                            <p:stCondLst>
+                              <p:cond delay="0"/>
+                            </p:stCondLst>
+                            <p:childTnLst>
+                              <p:par>
+                                <p:cTn id="5" presetID="1" presetClass="entr" presetSubtype="0" fill="hold" nodeType="clickEffect">
+                                  <p:stCondLst>
+                                    <p:cond delay="0"/>
+                                  </p:stCondLst>
+                                  <p:childTnLst>
+                                    <p:set>
+                                      <p:cBhvr>
+                                        <p:cTn id="6" dur="1" fill="hold">
+                                          <p:stCondLst>
+                                            <p:cond delay="0"/>
+                                          </p:stCondLst>
+                                        </p:cTn>
+                                        <p:tgtEl>
+                                          <p:spTgt spid="3">
+                                            <p:txEl>
+                                              <p:pRg st="1" end="1"/>
+                                            </p:txEl>
+                                          </p:spTgt>
+                                        </p:tgtEl>
+                                        <p:attrNameLst>
+                                          <p:attrName>style.visibility</p:attrName>
+                                        </p:attrNameLst>
+                                      </p:cBhvr>
+                                      <p:to>
+                                        <p:strVal val="visible"/>
+                                      </p:to>
+                                    </p:set>
+                                  </p:childTnLst>
+                                </p:cTn>
+                              </p:par>
+                            </p:childTnLst>
+                          </p:cTn>
+                        </p:par>
+                      </p:childTnLst>
+                    </p:cTn>
+                  </p:par>
+                  <p:par>
+                    <p:cTn id="7" fill="hold">
+                      <p:stCondLst>
+                        <p:cond delay="indefinite"/>
+                      </p:stCondLst>
+                      <p:childTnLst>
+                        <p:par>
+                          <p:cTn id="8" fill="hold">
+                            <p:stCondLst>
+                              <p:cond delay="0"/>
+                            </p:stCondLst>
+                            <p:childTnLst>
+                              <p:par>
+                                <p:cTn id="9" presetID="1" presetClass="entr" presetSubtype="0" fill="hold" nodeType="clickEffect">
+                                  <p:stCondLst>
+                                    <p:cond delay="0"/>
+                                  </p:stCondLst>
+                                  <p:childTnLst>
+                                    <p:set>
+                                      <p:cBhvr>
+                                        <p:cTn id="10" dur="1" fill="hold">
+                                          <p:stCondLst>
+                                            <p:cond delay="0"/>
+                                          </p:stCondLst>
+                                        </p:cTn>
+                                        <p:tgtEl>
+                                          <p:spTgt spid="3">
+                                            <p:txEl>
+                                              <p:pRg st="2" end="2"/>
+                                            </p:txEl>
+                                          </p:spTgt>
+                                        </p:tgtEl>
+                                        <p:attrNameLst>
+                                          <p:attrName>style.visibility</p:attrName>
+                                        </p:attrNameLst>
+                                      </p:cBhvr>
+                                      <p:to>
+                                        <p:strVal val="visible"/>
+                                      </p:to>
+                                    </p:set>
+                                  </p:childTnLst>
+                                </p:cTn>
+                              </p:par>
+                              <p:par>
+                                <p:cTn id="11" presetID="1" presetClass="entr" presetSubtype="0" fill="hold" nodeType="withEffect">
+                                  <p:stCondLst>
+                                    <p:cond delay="0"/>
+                                  </p:stCondLst>
+                                  <p:childTnLst>
+                                    <p:set>
+                                      <p:cBhvr>
+                                        <p:cTn id="12" dur="1" fill="hold">
+                                          <p:stCondLst>
+                                            <p:cond delay="0"/>
+                                          </p:stCondLst>
+                                        </p:cTn>
+                                        <p:tgtEl>
+                                          <p:spTgt spid="3">
+                                            <p:txEl>
+                                              <p:pRg st="3" end="3"/>
+                                            </p:txEl>
+                                          </p:spTgt>
+                                        </p:tgtEl>
+                                        <p:attrNameLst>
+                                          <p:attrName>style.visibility</p:attrName>
+                                        </p:attrNameLst>
+                                      </p:cBhvr>
+                                      <p:to>
+                                        <p:strVal val="visible"/>
+                                      </p:to>
+                                    </p:set>
+                                  </p:childTnLst>
+                                </p:cTn>
+                              </p:par>
+                            </p:childTnLst>
+                          </p:cTn>
+                        </p:par>
+                      </p:childTnLst>
+                    </p:cTn>
+                  </p:par>
+                  <p:par>
+                    <p:cTn id="13" fill="hold">
+                      <p:stCondLst>
+                        <p:cond delay="indefinite"/>
+                      </p:stCondLst>
+                      <p:childTnLst>
+                        <p:par>
+                          <p:cTn id="14" fill="hold">
+                            <p:stCondLst>
+                              <p:cond delay="0"/>
+                            </p:stCondLst>
+                            <p:childTnLst>
+                              <p:par>
+                                <p:cTn id="15" presetID="1" presetClass="entr" presetSubtype="0" fill="hold" nodeType="clickEffect">
+                                  <p:stCondLst>
+                                    <p:cond delay="0"/>
+                                  </p:stCondLst>
+                                  <p:childTnLst>
+                                    <p:set>
+                                      <p:cBhvr>
+                                        <p:cTn id="16" dur="1" fill="hold">
+                                          <p:stCondLst>
+                                            <p:cond delay="0"/>
+                                          </p:stCondLst>
+                                        </p:cTn>
+                                        <p:tgtEl>
+                                          <p:spTgt spid="9">
+                                            <p:txEl>
+                                              <p:pRg st="0" end="0"/>
+                                            </p:txEl>
+                                          </p:spTgt>
+                                        </p:tgtEl>
+                                        <p:attrNameLst>
+                                          <p:attrName>style.visibility</p:attrName>
+                                        </p:attrNameLst>
+                                      </p:cBhvr>
+                                      <p:to>
+                                        <p:strVal val="visible"/>
+                                      </p:to>
+                                    </p:set>
+                                  </p:childTnLst>
+                                </p:cTn>
+                              </p:par>
+                            </p:childTnLst>
+                          </p:cTn>
+                        </p:par>
+                      </p:childTnLst>
+                    </p:cTn>
+                  </p:par>
+                </p:childTnLst>
+              </p:cTn>
+              <p:prevCondLst>
+                <p:cond evt="onPrev" delay="0">
+                  <p:tgtEl>
+                    <p:sldTgt/>
+                  </p:tgtEl>
+                </p:cond>
+              </p:prevCondLst>
+              <p:nextCondLst>
+                <p:cond evt="onNext" delay="0">
+                  <p:tgtEl>
+                    <p:sldTgt/>
+                  </p:tgtEl>
+                </p:cond>
+              </p:nextCondLst>
+            </p:seq>
+          </p:childTnLst>
+        </p:cTn>
       </p:par>
     </p:tnLst>
   </p:timing>
@@ -10639,7 +12776,7 @@
           <p:cNvPr id="7" name="Title 1">
             <a:extLst>
               <a:ext uri="{FF2B5EF4-FFF2-40B4-BE49-F238E27FC236}">
-                <a16:creationId xmlns:a16="http://schemas.microsoft.com/office/drawing/2014/main" xmlns="" id="{EDDE273D-90E2-47F3-8613-1F70BBDC1086}"/>
+                <a16:creationId xmlns="" xmlns:a16="http://schemas.microsoft.com/office/drawing/2014/main" id="{EDDE273D-90E2-47F3-8613-1F70BBDC1086}"/>
               </a:ext>
             </a:extLst>
           </p:cNvPr>
@@ -11964,7 +14101,203 @@
   <p:timing>
     <p:tnLst>
       <p:par>
-        <p:cTn id="1" dur="indefinite" restart="never" nodeType="tmRoot"/>
+        <p:cTn id="1" dur="indefinite" restart="never" nodeType="tmRoot">
+          <p:childTnLst>
+            <p:seq concurrent="1" nextAc="seek">
+              <p:cTn id="2" dur="indefinite" nodeType="mainSeq">
+                <p:childTnLst>
+                  <p:par>
+                    <p:cTn id="3" fill="hold">
+                      <p:stCondLst>
+                        <p:cond delay="indefinite"/>
+                      </p:stCondLst>
+                      <p:childTnLst>
+                        <p:par>
+                          <p:cTn id="4" fill="hold">
+                            <p:stCondLst>
+                              <p:cond delay="0"/>
+                            </p:stCondLst>
+                            <p:childTnLst>
+                              <p:par>
+                                <p:cTn id="5" presetID="1" presetClass="entr" presetSubtype="0" fill="hold" nodeType="clickEffect">
+                                  <p:stCondLst>
+                                    <p:cond delay="0"/>
+                                  </p:stCondLst>
+                                  <p:childTnLst>
+                                    <p:set>
+                                      <p:cBhvr>
+                                        <p:cTn id="6" dur="1" fill="hold">
+                                          <p:stCondLst>
+                                            <p:cond delay="0"/>
+                                          </p:stCondLst>
+                                        </p:cTn>
+                                        <p:tgtEl>
+                                          <p:spTgt spid="10">
+                                            <p:txEl>
+                                              <p:pRg st="0" end="0"/>
+                                            </p:txEl>
+                                          </p:spTgt>
+                                        </p:tgtEl>
+                                        <p:attrNameLst>
+                                          <p:attrName>style.visibility</p:attrName>
+                                        </p:attrNameLst>
+                                      </p:cBhvr>
+                                      <p:to>
+                                        <p:strVal val="visible"/>
+                                      </p:to>
+                                    </p:set>
+                                  </p:childTnLst>
+                                </p:cTn>
+                              </p:par>
+                              <p:par>
+                                <p:cTn id="7" presetID="1" presetClass="entr" presetSubtype="0" fill="hold" nodeType="withEffect">
+                                  <p:stCondLst>
+                                    <p:cond delay="0"/>
+                                  </p:stCondLst>
+                                  <p:childTnLst>
+                                    <p:set>
+                                      <p:cBhvr>
+                                        <p:cTn id="8" dur="1" fill="hold">
+                                          <p:stCondLst>
+                                            <p:cond delay="0"/>
+                                          </p:stCondLst>
+                                        </p:cTn>
+                                        <p:tgtEl>
+                                          <p:spTgt spid="10">
+                                            <p:txEl>
+                                              <p:pRg st="1" end="1"/>
+                                            </p:txEl>
+                                          </p:spTgt>
+                                        </p:tgtEl>
+                                        <p:attrNameLst>
+                                          <p:attrName>style.visibility</p:attrName>
+                                        </p:attrNameLst>
+                                      </p:cBhvr>
+                                      <p:to>
+                                        <p:strVal val="visible"/>
+                                      </p:to>
+                                    </p:set>
+                                  </p:childTnLst>
+                                </p:cTn>
+                              </p:par>
+                              <p:par>
+                                <p:cTn id="9" presetID="1" presetClass="entr" presetSubtype="0" fill="hold" nodeType="withEffect">
+                                  <p:stCondLst>
+                                    <p:cond delay="0"/>
+                                  </p:stCondLst>
+                                  <p:childTnLst>
+                                    <p:set>
+                                      <p:cBhvr>
+                                        <p:cTn id="10" dur="1" fill="hold">
+                                          <p:stCondLst>
+                                            <p:cond delay="0"/>
+                                          </p:stCondLst>
+                                        </p:cTn>
+                                        <p:tgtEl>
+                                          <p:spTgt spid="10">
+                                            <p:txEl>
+                                              <p:pRg st="2" end="2"/>
+                                            </p:txEl>
+                                          </p:spTgt>
+                                        </p:tgtEl>
+                                        <p:attrNameLst>
+                                          <p:attrName>style.visibility</p:attrName>
+                                        </p:attrNameLst>
+                                      </p:cBhvr>
+                                      <p:to>
+                                        <p:strVal val="visible"/>
+                                      </p:to>
+                                    </p:set>
+                                  </p:childTnLst>
+                                </p:cTn>
+                              </p:par>
+                              <p:par>
+                                <p:cTn id="11" presetID="1" presetClass="entr" presetSubtype="0" fill="hold" nodeType="withEffect">
+                                  <p:stCondLst>
+                                    <p:cond delay="0"/>
+                                  </p:stCondLst>
+                                  <p:childTnLst>
+                                    <p:set>
+                                      <p:cBhvr>
+                                        <p:cTn id="12" dur="1" fill="hold">
+                                          <p:stCondLst>
+                                            <p:cond delay="0"/>
+                                          </p:stCondLst>
+                                        </p:cTn>
+                                        <p:tgtEl>
+                                          <p:spTgt spid="10">
+                                            <p:txEl>
+                                              <p:pRg st="3" end="3"/>
+                                            </p:txEl>
+                                          </p:spTgt>
+                                        </p:tgtEl>
+                                        <p:attrNameLst>
+                                          <p:attrName>style.visibility</p:attrName>
+                                        </p:attrNameLst>
+                                      </p:cBhvr>
+                                      <p:to>
+                                        <p:strVal val="visible"/>
+                                      </p:to>
+                                    </p:set>
+                                  </p:childTnLst>
+                                </p:cTn>
+                              </p:par>
+                              <p:par>
+                                <p:cTn id="13" presetID="1" presetClass="entr" presetSubtype="0" fill="hold" nodeType="withEffect">
+                                  <p:stCondLst>
+                                    <p:cond delay="0"/>
+                                  </p:stCondLst>
+                                  <p:childTnLst>
+                                    <p:set>
+                                      <p:cBhvr>
+                                        <p:cTn id="14" dur="1" fill="hold">
+                                          <p:stCondLst>
+                                            <p:cond delay="0"/>
+                                          </p:stCondLst>
+                                        </p:cTn>
+                                        <p:tgtEl>
+                                          <p:spTgt spid="10">
+                                            <p:txEl>
+                                              <p:pRg st="4" end="4"/>
+                                            </p:txEl>
+                                          </p:spTgt>
+                                        </p:tgtEl>
+                                        <p:attrNameLst>
+                                          <p:attrName>style.visibility</p:attrName>
+                                        </p:attrNameLst>
+                                      </p:cBhvr>
+                                      <p:to>
+                                        <p:strVal val="visible"/>
+                                      </p:to>
+                                    </p:set>
+                                  </p:childTnLst>
+                                </p:cTn>
+                              </p:par>
+                            </p:childTnLst>
+                          </p:cTn>
+                        </p:par>
+                      </p:childTnLst>
+                    </p:cTn>
+                  </p:par>
+                </p:childTnLst>
+              </p:cTn>
+              <p:prevCondLst>
+                <p:cond evt="onPrev" delay="0">
+                  <p:tgtEl>
+                    <p:sldTgt/>
+                  </p:tgtEl>
+                </p:cond>
+              </p:prevCondLst>
+              <p:nextCondLst>
+                <p:cond evt="onNext" delay="0">
+                  <p:tgtEl>
+                    <p:sldTgt/>
+                  </p:tgtEl>
+                </p:cond>
+              </p:nextCondLst>
+            </p:seq>
+          </p:childTnLst>
+        </p:cTn>
       </p:par>
     </p:tnLst>
   </p:timing>
@@ -12000,8 +14333,8 @@
         </p:nvSpPr>
         <p:spPr>
           <a:xfrm>
-            <a:off x="457200" y="1700808"/>
-            <a:ext cx="8229600" cy="4551784"/>
+            <a:off x="457200" y="1628801"/>
+            <a:ext cx="8229600" cy="4695800"/>
           </a:xfrm>
         </p:spPr>
         <p:txBody>
@@ -12009,6 +14342,112 @@
           <a:lstStyle/>
           <a:p>
             <a:r>
+              <a:rPr lang="de-AT" dirty="0" smtClean="0"/>
+              <a:t>Model </a:t>
+            </a:r>
+            <a:r>
+              <a:rPr lang="de-AT" dirty="0" err="1" smtClean="0"/>
+              <a:t>with</a:t>
+            </a:r>
+            <a:r>
+              <a:rPr lang="de-AT" dirty="0" smtClean="0"/>
+              <a:t> </a:t>
+            </a:r>
+            <a:r>
+              <a:rPr lang="de-AT" dirty="0" err="1" smtClean="0"/>
+              <a:t>fixed</a:t>
+            </a:r>
+            <a:r>
+              <a:rPr lang="de-AT" dirty="0" smtClean="0"/>
+              <a:t> </a:t>
+            </a:r>
+            <a:r>
+              <a:rPr lang="de-AT" dirty="0" err="1" smtClean="0"/>
+              <a:t>factors</a:t>
+            </a:r>
+            <a:r>
+              <a:rPr lang="de-AT" dirty="0" smtClean="0"/>
+              <a:t>: </a:t>
+            </a:r>
+            <a:r>
+              <a:rPr lang="en-GB" dirty="0"/>
+              <a:t>differences of the group means to the </a:t>
+            </a:r>
+            <a:r>
+              <a:rPr lang="en-GB" dirty="0" smtClean="0"/>
+              <a:t>mean of </a:t>
+            </a:r>
+            <a:r>
+              <a:rPr lang="en-GB" dirty="0"/>
+              <a:t>the reference group are separately estimated as model parameters </a:t>
+            </a:r>
+            <a:r>
+              <a:rPr lang="en-GB" dirty="0" smtClean="0"/>
+              <a:t>k - 1 (independent</a:t>
+            </a:r>
+            <a:r>
+              <a:rPr lang="en-GB" dirty="0"/>
+              <a:t>) model parameters, where </a:t>
+            </a:r>
+            <a:r>
+              <a:rPr lang="en-GB" dirty="0" smtClean="0"/>
+              <a:t>k = </a:t>
+            </a:r>
+            <a:r>
+              <a:rPr lang="en-GB" dirty="0"/>
+              <a:t>number of </a:t>
+            </a:r>
+            <a:r>
+              <a:rPr lang="en-GB" dirty="0" smtClean="0"/>
+              <a:t>groups (or </a:t>
+            </a:r>
+            <a:r>
+              <a:rPr lang="en-GB" dirty="0"/>
+              <a:t>number of factor levels</a:t>
+            </a:r>
+            <a:r>
+              <a:rPr lang="en-GB" dirty="0" smtClean="0"/>
+              <a:t>).</a:t>
+            </a:r>
+          </a:p>
+          <a:p>
+            <a:endParaRPr lang="en-GB" dirty="0" smtClean="0"/>
+          </a:p>
+          <a:p>
+            <a:r>
+              <a:rPr lang="en-GB" dirty="0" smtClean="0"/>
+              <a:t>Model with random factors: </a:t>
+            </a:r>
+            <a:r>
+              <a:rPr lang="en-GB" dirty="0"/>
+              <a:t>only one</a:t>
+            </a:r>
+            <a:br>
+              <a:rPr lang="en-GB" dirty="0"/>
+            </a:br>
+            <a:r>
+              <a:rPr lang="en-GB" dirty="0"/>
+              <a:t>parameter, namely the between-group variance, is estimated. k differences from the population mean. These </a:t>
+            </a:r>
+            <a:r>
+              <a:rPr lang="en-GB" dirty="0" smtClean="0"/>
+              <a:t>k differences </a:t>
+            </a:r>
+            <a:r>
+              <a:rPr lang="en-GB" dirty="0"/>
+              <a:t>are not independent. </a:t>
+            </a:r>
+            <a:br>
+              <a:rPr lang="en-GB" dirty="0"/>
+            </a:br>
+            <a:r>
+              <a:rPr lang="en-GB" dirty="0"/>
+              <a:t> </a:t>
+            </a:r>
+            <a:br>
+              <a:rPr lang="en-GB" dirty="0"/>
+            </a:br>
+            <a:r>
               <a:rPr lang="en-GB" dirty="0"/>
               <a:t/>
             </a:r>
@@ -12021,10 +14460,10 @@
       </p:sp>
       <p:sp>
         <p:nvSpPr>
-          <p:cNvPr id="4" name="Title 1">
+          <p:cNvPr id="7" name="Title 1">
             <a:extLst>
               <a:ext uri="{FF2B5EF4-FFF2-40B4-BE49-F238E27FC236}">
-                <a16:creationId xmlns:a16="http://schemas.microsoft.com/office/drawing/2014/main" xmlns="" id="{EDDE273D-90E2-47F3-8613-1F70BBDC1086}"/>
+                <a16:creationId xmlns="" xmlns:a16="http://schemas.microsoft.com/office/drawing/2014/main" id="{EDDE273D-90E2-47F3-8613-1F70BBDC1086}"/>
               </a:ext>
             </a:extLst>
           </p:cNvPr>
@@ -12070,7 +14509,7 @@
             <a:prstTxWarp prst="textNoShape">
               <a:avLst/>
             </a:prstTxWarp>
-            <a:normAutofit fontScale="97500" lnSpcReduction="10000"/>
+            <a:normAutofit fontScale="90000"/>
           </a:bodyPr>
           <a:lstStyle>
             <a:lvl1pPr algn="l" rtl="0" eaLnBrk="1" fontAlgn="base" hangingPunct="1">
@@ -12204,89 +14643,37 @@
           </a:lstStyle>
           <a:p>
             <a:r>
-              <a:rPr lang="de-AT" dirty="0"/>
-              <a:t>Fixed </a:t>
-            </a:r>
-            <a:r>
-              <a:rPr lang="de-AT" dirty="0" err="1"/>
-              <a:t>or</a:t>
-            </a:r>
-            <a:r>
-              <a:rPr lang="de-AT" dirty="0"/>
+              <a:rPr lang="de-AT" dirty="0" smtClean="0"/>
+              <a:t>Random </a:t>
+            </a:r>
+            <a:r>
+              <a:rPr lang="de-AT" dirty="0" err="1" smtClean="0"/>
+              <a:t>factors</a:t>
+            </a:r>
+            <a:r>
+              <a:rPr lang="de-AT" dirty="0" smtClean="0"/>
               <a:t> </a:t>
             </a:r>
             <a:r>
-              <a:rPr lang="de-AT" dirty="0" err="1"/>
-              <a:t>random</a:t>
-            </a:r>
-            <a:r>
-              <a:rPr lang="de-AT" dirty="0"/>
-              <a:t> </a:t>
-            </a:r>
-            <a:r>
-              <a:rPr lang="de-AT" dirty="0" err="1"/>
-              <a:t>effects</a:t>
-            </a:r>
-            <a:r>
-              <a:rPr lang="de-AT" dirty="0"/>
-              <a:t>?</a:t>
+              <a:rPr lang="de-AT" dirty="0" err="1" smtClean="0"/>
+              <a:t>and</a:t>
+            </a:r>
+            <a:r>
+              <a:rPr lang="de-AT" dirty="0" smtClean="0"/>
+              <a:t> partial </a:t>
+            </a:r>
+            <a:r>
+              <a:rPr lang="de-AT" dirty="0" err="1" smtClean="0"/>
+              <a:t>pooling</a:t>
             </a:r>
             <a:endParaRPr lang="en-CA" dirty="0"/>
           </a:p>
         </p:txBody>
       </p:sp>
-      <p:pic>
-        <p:nvPicPr>
-          <p:cNvPr id="5" name="Picture 4"/>
-          <p:cNvPicPr>
-            <a:picLocks noChangeAspect="1"/>
-          </p:cNvPicPr>
-          <p:nvPr/>
-        </p:nvPicPr>
-        <p:blipFill>
-          <a:blip r:embed="rId2"/>
-          <a:stretch>
-            <a:fillRect/>
-          </a:stretch>
-        </p:blipFill>
-        <p:spPr>
-          <a:xfrm>
-            <a:off x="2555776" y="1988840"/>
-            <a:ext cx="5724128" cy="4121303"/>
-          </a:xfrm>
-          <a:prstGeom prst="rect">
-            <a:avLst/>
-          </a:prstGeom>
-        </p:spPr>
-      </p:pic>
-      <p:pic>
-        <p:nvPicPr>
-          <p:cNvPr id="6" name="Picture 5"/>
-          <p:cNvPicPr>
-            <a:picLocks noChangeAspect="1"/>
-          </p:cNvPicPr>
-          <p:nvPr/>
-        </p:nvPicPr>
-        <p:blipFill>
-          <a:blip r:embed="rId3"/>
-          <a:stretch>
-            <a:fillRect/>
-          </a:stretch>
-        </p:blipFill>
-        <p:spPr>
-          <a:xfrm>
-            <a:off x="395536" y="2819580"/>
-            <a:ext cx="5940152" cy="3564452"/>
-          </a:xfrm>
-          <a:prstGeom prst="rect">
-            <a:avLst/>
-          </a:prstGeom>
-        </p:spPr>
-      </p:pic>
     </p:spTree>
     <p:extLst>
       <p:ext uri="{BB962C8B-B14F-4D97-AF65-F5344CB8AC3E}">
-        <p14:creationId xmlns:p14="http://schemas.microsoft.com/office/powerpoint/2010/main" val="1028109440"/>
+        <p14:creationId xmlns:p14="http://schemas.microsoft.com/office/powerpoint/2010/main" val="1384089192"/>
       </p:ext>
     </p:extLst>
   </p:cSld>
@@ -12296,7 +14683,79 @@
   <p:timing>
     <p:tnLst>
       <p:par>
-        <p:cTn id="1" dur="indefinite" restart="never" nodeType="tmRoot"/>
+        <p:cTn id="1" dur="indefinite" restart="never" nodeType="tmRoot">
+          <p:childTnLst>
+            <p:seq concurrent="1" nextAc="seek">
+              <p:cTn id="2" dur="indefinite" nodeType="mainSeq">
+                <p:childTnLst>
+                  <p:par>
+                    <p:cTn id="3" fill="hold">
+                      <p:stCondLst>
+                        <p:cond delay="indefinite"/>
+                      </p:stCondLst>
+                      <p:childTnLst>
+                        <p:par>
+                          <p:cTn id="4" fill="hold">
+                            <p:stCondLst>
+                              <p:cond delay="0"/>
+                            </p:stCondLst>
+                            <p:childTnLst>
+                              <p:par>
+                                <p:cTn id="5" presetID="1" presetClass="entr" presetSubtype="0" fill="hold" nodeType="clickEffect">
+                                  <p:stCondLst>
+                                    <p:cond delay="0"/>
+                                  </p:stCondLst>
+                                  <p:childTnLst>
+                                    <p:set>
+                                      <p:cBhvr>
+                                        <p:cTn id="6" dur="1" fill="hold">
+                                          <p:stCondLst>
+                                            <p:cond delay="0"/>
+                                          </p:stCondLst>
+                                        </p:cTn>
+                                        <p:tgtEl>
+                                          <p:spTgt spid="3">
+                                            <p:txEl>
+                                              <p:pRg st="2" end="2"/>
+                                            </p:txEl>
+                                          </p:spTgt>
+                                        </p:tgtEl>
+                                        <p:attrNameLst>
+                                          <p:attrName>style.visibility</p:attrName>
+                                        </p:attrNameLst>
+                                      </p:cBhvr>
+                                      <p:to>
+                                        <p:strVal val="visible"/>
+                                      </p:to>
+                                    </p:set>
+                                  </p:childTnLst>
+                                </p:cTn>
+                              </p:par>
+                            </p:childTnLst>
+                          </p:cTn>
+                        </p:par>
+                      </p:childTnLst>
+                    </p:cTn>
+                  </p:par>
+                </p:childTnLst>
+              </p:cTn>
+              <p:prevCondLst>
+                <p:cond evt="onPrev" delay="0">
+                  <p:tgtEl>
+                    <p:sldTgt/>
+                  </p:tgtEl>
+                </p:cond>
+              </p:prevCondLst>
+              <p:nextCondLst>
+                <p:cond evt="onNext" delay="0">
+                  <p:tgtEl>
+                    <p:sldTgt/>
+                  </p:tgtEl>
+                </p:cond>
+              </p:nextCondLst>
+            </p:seq>
+          </p:childTnLst>
+        </p:cTn>
       </p:par>
     </p:tnLst>
   </p:timing>
@@ -12332,133 +14791,106 @@
         </p:nvSpPr>
         <p:spPr>
           <a:xfrm>
-            <a:off x="457200" y="1628801"/>
-            <a:ext cx="8229600" cy="4695800"/>
+            <a:off x="457200" y="4581128"/>
+            <a:ext cx="8229600" cy="1671465"/>
           </a:xfrm>
         </p:spPr>
         <p:txBody>
           <a:bodyPr/>
           <a:lstStyle/>
           <a:p>
-            <a:r>
-              <a:rPr lang="de-AT" dirty="0" smtClean="0"/>
-              <a:t>Model </a:t>
-            </a:r>
-            <a:r>
-              <a:rPr lang="de-AT" dirty="0" err="1" smtClean="0"/>
-              <a:t>with</a:t>
-            </a:r>
-            <a:r>
-              <a:rPr lang="de-AT" dirty="0" smtClean="0"/>
+            <a:pPr marL="0" indent="0">
+              <a:buNone/>
+            </a:pPr>
+            <a:r>
+              <a:rPr lang="de-AT" sz="2400" dirty="0" smtClean="0"/>
+              <a:t>1. </a:t>
+            </a:r>
+            <a:r>
+              <a:rPr lang="de-AT" sz="2400" dirty="0" err="1" smtClean="0"/>
+              <a:t>Grouping</a:t>
+            </a:r>
+            <a:r>
+              <a:rPr lang="de-AT" sz="2400" dirty="0" smtClean="0"/>
               <a:t> </a:t>
             </a:r>
             <a:r>
-              <a:rPr lang="de-AT" dirty="0" err="1" smtClean="0"/>
-              <a:t>fixed</a:t>
-            </a:r>
-            <a:r>
-              <a:rPr lang="de-AT" dirty="0" smtClean="0"/>
+              <a:rPr lang="de-AT" sz="2400" dirty="0" err="1" smtClean="0"/>
+              <a:t>is</a:t>
+            </a:r>
+            <a:r>
+              <a:rPr lang="de-AT" sz="2400" dirty="0" smtClean="0"/>
               <a:t> </a:t>
             </a:r>
             <a:r>
-              <a:rPr lang="de-AT" dirty="0" err="1" smtClean="0"/>
-              <a:t>factors</a:t>
-            </a:r>
-            <a:r>
-              <a:rPr lang="de-AT" dirty="0" smtClean="0"/>
-              <a:t>: </a:t>
-            </a:r>
-            <a:r>
-              <a:rPr lang="en-GB" dirty="0"/>
-              <a:t>differences of the group means to the </a:t>
-            </a:r>
-            <a:r>
-              <a:rPr lang="en-GB" dirty="0" smtClean="0"/>
-              <a:t>mean of </a:t>
-            </a:r>
-            <a:r>
-              <a:rPr lang="en-GB" dirty="0"/>
-              <a:t>the reference group are separately estimated as model parameters</a:t>
-            </a:r>
-            <a:r>
-              <a:rPr lang="en-GB" dirty="0"/>
+              <a:rPr lang="de-AT" sz="2400" dirty="0" err="1" smtClean="0"/>
+              <a:t>ignored</a:t>
+            </a:r>
+            <a:r>
+              <a:rPr lang="de-AT" sz="2400" dirty="0" smtClean="0"/>
+              <a:t> – </a:t>
+            </a:r>
+            <a:r>
+              <a:rPr lang="de-AT" sz="2400" b="1" dirty="0" err="1" smtClean="0"/>
+              <a:t>complete</a:t>
+            </a:r>
+            <a:r>
+              <a:rPr lang="de-AT" sz="2400" b="1" dirty="0" smtClean="0"/>
               <a:t> </a:t>
             </a:r>
             <a:r>
-              <a:rPr lang="en-GB" dirty="0" smtClean="0"/>
-              <a:t>k - 1 (independent</a:t>
-            </a:r>
-            <a:r>
-              <a:rPr lang="en-GB" dirty="0"/>
-              <a:t>) model parameters, where </a:t>
-            </a:r>
-            <a:r>
-              <a:rPr lang="en-GB" dirty="0" smtClean="0"/>
-              <a:t>k = </a:t>
-            </a:r>
-            <a:r>
-              <a:rPr lang="en-GB" dirty="0"/>
-              <a:t>number of </a:t>
-            </a:r>
-            <a:r>
-              <a:rPr lang="en-GB" dirty="0" smtClean="0"/>
-              <a:t>groups (or </a:t>
-            </a:r>
-            <a:r>
-              <a:rPr lang="en-GB" dirty="0"/>
-              <a:t>number of factor levels</a:t>
-            </a:r>
-            <a:r>
-              <a:rPr lang="en-GB" dirty="0" smtClean="0"/>
-              <a:t>).</a:t>
-            </a:r>
-          </a:p>
-          <a:p>
-            <a:r>
-              <a:rPr lang="en-GB" dirty="0" smtClean="0"/>
-              <a:t>Model with random factors: </a:t>
-            </a:r>
-            <a:r>
-              <a:rPr lang="en-GB" dirty="0"/>
-              <a:t>only one</a:t>
+              <a:rPr lang="de-AT" sz="2400" b="1" dirty="0" err="1" smtClean="0"/>
+              <a:t>pooling</a:t>
+            </a:r>
+            <a:endParaRPr lang="de-AT" sz="2400" b="1" dirty="0" smtClean="0"/>
+          </a:p>
+          <a:p>
+            <a:pPr marL="0" indent="0">
+              <a:buNone/>
+            </a:pPr>
+            <a:r>
+              <a:rPr lang="de-AT" sz="2400" dirty="0" smtClean="0"/>
+              <a:t>-&gt; </a:t>
+            </a:r>
+            <a:r>
+              <a:rPr lang="de-AT" sz="2400" dirty="0" err="1" smtClean="0"/>
+              <a:t>Pseudpreplication</a:t>
+            </a:r>
+            <a:r>
+              <a:rPr lang="de-AT" sz="2400" dirty="0"/>
+              <a:t>!</a:t>
+            </a:r>
+            <a:r>
+              <a:rPr lang="de-AT" sz="2400" dirty="0" smtClean="0"/>
+              <a:t> </a:t>
             </a:r>
             <a:br>
-              <a:rPr lang="en-GB" dirty="0"/>
+              <a:rPr lang="de-AT" sz="2400" dirty="0" smtClean="0"/>
             </a:br>
             <a:r>
-              <a:rPr lang="en-GB" dirty="0"/>
-              <a:t>parameter, namely the between-group variance, is estimated.</a:t>
-            </a:r>
-            <a:r>
-              <a:rPr lang="en-GB" dirty="0"/>
+              <a:rPr lang="de-AT" sz="2400" dirty="0" err="1" smtClean="0"/>
+              <a:t>we</a:t>
+            </a:r>
+            <a:r>
+              <a:rPr lang="de-AT" sz="2400" dirty="0" smtClean="0"/>
               <a:t> </a:t>
             </a:r>
             <a:r>
-              <a:rPr lang="en-GB" dirty="0"/>
-              <a:t>k differences from the population mean. These </a:t>
-            </a:r>
-            <a:r>
-              <a:rPr lang="en-GB" dirty="0" smtClean="0"/>
-              <a:t>k differences </a:t>
-            </a:r>
-            <a:r>
-              <a:rPr lang="en-GB" dirty="0"/>
-              <a:t>are not independent. </a:t>
-            </a:r>
-            <a:r>
-              <a:rPr lang="en-GB" dirty="0"/>
-              <a:t/>
-            </a:r>
-            <a:br>
-              <a:rPr lang="en-GB" dirty="0"/>
-            </a:br>
-            <a:r>
-              <a:rPr lang="en-GB" dirty="0"/>
+              <a:rPr lang="de-AT" sz="2400" dirty="0" err="1" smtClean="0"/>
+              <a:t>are</a:t>
+            </a:r>
+            <a:r>
+              <a:rPr lang="de-AT" sz="2400" dirty="0" smtClean="0"/>
               <a:t> </a:t>
             </a:r>
-            <a:br>
-              <a:rPr lang="en-GB" dirty="0"/>
-            </a:br>
+            <a:r>
+              <a:rPr lang="en-GB" sz="2400" dirty="0" smtClean="0"/>
+              <a:t>too </a:t>
+            </a:r>
+            <a:r>
+              <a:rPr lang="en-GB" sz="2400" dirty="0"/>
+              <a:t>confident in the result because we assume that all observations are independent when they are not. </a:t>
+            </a:r>
             <a:r>
               <a:rPr lang="en-GB" dirty="0"/>
               <a:t/>
@@ -12475,7 +14907,7 @@
           <p:cNvPr id="7" name="Title 1">
             <a:extLst>
               <a:ext uri="{FF2B5EF4-FFF2-40B4-BE49-F238E27FC236}">
-                <a16:creationId xmlns:a16="http://schemas.microsoft.com/office/drawing/2014/main" xmlns="" id="{EDDE273D-90E2-47F3-8613-1F70BBDC1086}"/>
+                <a16:creationId xmlns="" xmlns:a16="http://schemas.microsoft.com/office/drawing/2014/main" id="{EDDE273D-90E2-47F3-8613-1F70BBDC1086}"/>
               </a:ext>
             </a:extLst>
           </p:cNvPr>
@@ -12521,7 +14953,7 @@
             <a:prstTxWarp prst="textNoShape">
               <a:avLst/>
             </a:prstTxWarp>
-            <a:normAutofit fontScale="90000"/>
+            <a:normAutofit fontScale="75000" lnSpcReduction="20000"/>
           </a:bodyPr>
           <a:lstStyle>
             <a:lvl1pPr algn="l" rtl="0" eaLnBrk="1" fontAlgn="base" hangingPunct="1">
@@ -12656,11 +15088,11 @@
           <a:p>
             <a:r>
               <a:rPr lang="de-AT" dirty="0" smtClean="0"/>
-              <a:t>Random </a:t>
+              <a:t>3 </a:t>
             </a:r>
             <a:r>
               <a:rPr lang="de-AT" dirty="0" err="1" smtClean="0"/>
-              <a:t>factors</a:t>
+              <a:t>ways</a:t>
             </a:r>
             <a:r>
               <a:rPr lang="de-AT" dirty="0" smtClean="0"/>
@@ -12668,24 +15100,80 @@
             </a:r>
             <a:r>
               <a:rPr lang="de-AT" dirty="0" err="1" smtClean="0"/>
-              <a:t>and</a:t>
+              <a:t>to</a:t>
             </a:r>
             <a:r>
               <a:rPr lang="de-AT" dirty="0" smtClean="0"/>
-              <a:t> partial </a:t>
+              <a:t> </a:t>
             </a:r>
             <a:r>
               <a:rPr lang="de-AT" dirty="0" err="1" smtClean="0"/>
-              <a:t>pooling</a:t>
+              <a:t>obtain</a:t>
+            </a:r>
+            <a:r>
+              <a:rPr lang="de-AT" dirty="0" smtClean="0"/>
+              <a:t> </a:t>
+            </a:r>
+            <a:r>
+              <a:rPr lang="de-AT" dirty="0" err="1" smtClean="0"/>
+              <a:t>means</a:t>
+            </a:r>
+            <a:r>
+              <a:rPr lang="de-AT" dirty="0" smtClean="0"/>
+              <a:t> </a:t>
+            </a:r>
+            <a:r>
+              <a:rPr lang="de-AT" dirty="0" err="1" smtClean="0"/>
+              <a:t>of</a:t>
+            </a:r>
+            <a:r>
+              <a:rPr lang="de-AT" dirty="0" smtClean="0"/>
+              <a:t> </a:t>
+            </a:r>
+            <a:r>
+              <a:rPr lang="de-AT" dirty="0" err="1" smtClean="0"/>
+              <a:t>grouped</a:t>
+            </a:r>
+            <a:r>
+              <a:rPr lang="de-AT" dirty="0" smtClean="0"/>
+              <a:t> </a:t>
+            </a:r>
+            <a:r>
+              <a:rPr lang="de-AT" dirty="0" err="1" smtClean="0"/>
+              <a:t>data</a:t>
             </a:r>
             <a:endParaRPr lang="en-CA" dirty="0"/>
           </a:p>
         </p:txBody>
       </p:sp>
+      <p:pic>
+        <p:nvPicPr>
+          <p:cNvPr id="8" name="Picture 7"/>
+          <p:cNvPicPr>
+            <a:picLocks noChangeAspect="1"/>
+          </p:cNvPicPr>
+          <p:nvPr/>
+        </p:nvPicPr>
+        <p:blipFill>
+          <a:blip r:embed="rId2"/>
+          <a:stretch>
+            <a:fillRect/>
+          </a:stretch>
+        </p:blipFill>
+        <p:spPr>
+          <a:xfrm>
+            <a:off x="1259632" y="1556792"/>
+            <a:ext cx="6336704" cy="2726430"/>
+          </a:xfrm>
+          <a:prstGeom prst="rect">
+            <a:avLst/>
+          </a:prstGeom>
+        </p:spPr>
+      </p:pic>
     </p:spTree>
     <p:extLst>
       <p:ext uri="{BB962C8B-B14F-4D97-AF65-F5344CB8AC3E}">
-        <p14:creationId xmlns:p14="http://schemas.microsoft.com/office/powerpoint/2010/main" val="1384089192"/>
+        <p14:creationId xmlns:p14="http://schemas.microsoft.com/office/powerpoint/2010/main" val="1735189189"/>
       </p:ext>
     </p:extLst>
   </p:cSld>

--- a/ppts/Topic 7 Linear mixed-effects models (random effects).pptx
+++ b/ppts/Topic 7 Linear mixed-effects models (random effects).pptx
@@ -12,19 +12,18 @@
     <p:sldId id="266" r:id="rId6"/>
     <p:sldId id="263" r:id="rId7"/>
     <p:sldId id="267" r:id="rId8"/>
-    <p:sldId id="264" r:id="rId9"/>
-    <p:sldId id="269" r:id="rId10"/>
-    <p:sldId id="272" r:id="rId11"/>
-    <p:sldId id="273" r:id="rId12"/>
-    <p:sldId id="270" r:id="rId13"/>
-    <p:sldId id="271" r:id="rId14"/>
-    <p:sldId id="274" r:id="rId15"/>
-    <p:sldId id="280" r:id="rId16"/>
-    <p:sldId id="282" r:id="rId17"/>
-    <p:sldId id="275" r:id="rId18"/>
-    <p:sldId id="278" r:id="rId19"/>
-    <p:sldId id="276" r:id="rId20"/>
-    <p:sldId id="277" r:id="rId21"/>
+    <p:sldId id="269" r:id="rId9"/>
+    <p:sldId id="272" r:id="rId10"/>
+    <p:sldId id="273" r:id="rId11"/>
+    <p:sldId id="270" r:id="rId12"/>
+    <p:sldId id="271" r:id="rId13"/>
+    <p:sldId id="274" r:id="rId14"/>
+    <p:sldId id="280" r:id="rId15"/>
+    <p:sldId id="282" r:id="rId16"/>
+    <p:sldId id="275" r:id="rId17"/>
+    <p:sldId id="278" r:id="rId18"/>
+    <p:sldId id="276" r:id="rId19"/>
+    <p:sldId id="277" r:id="rId20"/>
   </p:sldIdLst>
   <p:sldSz cx="9144000" cy="6858000" type="screen4x3"/>
   <p:notesSz cx="6858000" cy="9144000"/>
@@ -4340,7 +4339,7 @@
           <p:cNvPr id="3" name="Picture 2">
             <a:extLst>
               <a:ext uri="{FF2B5EF4-FFF2-40B4-BE49-F238E27FC236}">
-                <a16:creationId xmlns="" xmlns:a16="http://schemas.microsoft.com/office/drawing/2014/main" id="{791FE4D5-C22C-49F6-B916-6A36FFF3D7D7}"/>
+                <a16:creationId xmlns:a16="http://schemas.microsoft.com/office/drawing/2014/main" xmlns="" id="{791FE4D5-C22C-49F6-B916-6A36FFF3D7D7}"/>
               </a:ext>
             </a:extLst>
           </p:cNvPr>
@@ -4375,7 +4374,7 @@
           <p:cNvPr id="4" name="TextBox 3">
             <a:extLst>
               <a:ext uri="{FF2B5EF4-FFF2-40B4-BE49-F238E27FC236}">
-                <a16:creationId xmlns="" xmlns:a16="http://schemas.microsoft.com/office/drawing/2014/main" id="{303BBE34-596A-4812-AA2D-95C8598A6CA3}"/>
+                <a16:creationId xmlns:a16="http://schemas.microsoft.com/office/drawing/2014/main" xmlns="" id="{303BBE34-596A-4812-AA2D-95C8598A6CA3}"/>
               </a:ext>
             </a:extLst>
           </p:cNvPr>
@@ -4384,7 +4383,7 @@
         </p:nvSpPr>
         <p:spPr>
           <a:xfrm>
-            <a:off x="2555776" y="6488668"/>
+            <a:off x="2267744" y="6391859"/>
             <a:ext cx="1218282" cy="369332"/>
           </a:xfrm>
           <a:prstGeom prst="rect">
@@ -4445,7 +4444,7 @@
           <p:cNvPr id="6" name="TextBox 5">
             <a:extLst>
               <a:ext uri="{FF2B5EF4-FFF2-40B4-BE49-F238E27FC236}">
-                <a16:creationId xmlns="" xmlns:a16="http://schemas.microsoft.com/office/drawing/2014/main" id="{303BBE34-596A-4812-AA2D-95C8598A6CA3}"/>
+                <a16:creationId xmlns:a16="http://schemas.microsoft.com/office/drawing/2014/main" xmlns="" id="{303BBE34-596A-4812-AA2D-95C8598A6CA3}"/>
               </a:ext>
             </a:extLst>
           </p:cNvPr>
@@ -4454,7 +4453,7 @@
         </p:nvSpPr>
         <p:spPr>
           <a:xfrm>
-            <a:off x="5789846" y="6488668"/>
+            <a:off x="5796136" y="6381328"/>
             <a:ext cx="1101264" cy="369332"/>
           </a:xfrm>
           <a:prstGeom prst="rect">
@@ -4529,8 +4528,8 @@
         </p:nvSpPr>
         <p:spPr>
           <a:xfrm>
-            <a:off x="466430" y="4437112"/>
-            <a:ext cx="8229600" cy="1671465"/>
+            <a:off x="457200" y="4509120"/>
+            <a:ext cx="8229600" cy="1860086"/>
           </a:xfrm>
         </p:spPr>
         <p:txBody>
@@ -4541,44 +4540,12 @@
               <a:buNone/>
             </a:pPr>
             <a:r>
-              <a:rPr lang="de-AT" sz="2400" dirty="0" smtClean="0"/>
-              <a:t>2. Group </a:t>
-            </a:r>
-            <a:r>
-              <a:rPr lang="de-AT" sz="2400" dirty="0" err="1" smtClean="0"/>
-              <a:t>means</a:t>
-            </a:r>
-            <a:r>
-              <a:rPr lang="de-AT" sz="2400" dirty="0" smtClean="0"/>
-              <a:t> </a:t>
-            </a:r>
-            <a:r>
-              <a:rPr lang="de-AT" sz="2400" dirty="0" err="1" smtClean="0"/>
-              <a:t>are</a:t>
-            </a:r>
-            <a:r>
-              <a:rPr lang="de-AT" sz="2400" dirty="0" smtClean="0"/>
-              <a:t> </a:t>
-            </a:r>
-            <a:r>
-              <a:rPr lang="de-AT" sz="2400" dirty="0" err="1" smtClean="0"/>
-              <a:t>estimated</a:t>
-            </a:r>
-            <a:r>
-              <a:rPr lang="de-AT" sz="2400" dirty="0" smtClean="0"/>
-              <a:t> </a:t>
-            </a:r>
-            <a:r>
-              <a:rPr lang="de-AT" sz="2400" dirty="0" err="1" smtClean="0"/>
-              <a:t>separately</a:t>
-            </a:r>
-            <a:r>
-              <a:rPr lang="de-AT" sz="2400" dirty="0" smtClean="0"/>
-              <a:t> - </a:t>
+              <a:rPr lang="de-AT" sz="2400" b="1" dirty="0" smtClean="0"/>
+              <a:t>3. </a:t>
             </a:r>
             <a:r>
               <a:rPr lang="de-AT" sz="2400" b="1" dirty="0" err="1" smtClean="0"/>
-              <a:t>no</a:t>
+              <a:t>Partially</a:t>
             </a:r>
             <a:r>
               <a:rPr lang="de-AT" sz="2400" b="1" dirty="0" smtClean="0"/>
@@ -4589,67 +4556,33 @@
               <a:t>pooling</a:t>
             </a:r>
             <a:r>
-              <a:rPr lang="de-AT" b="1" dirty="0" smtClean="0"/>
-              <a:t/>
-            </a:r>
-            <a:br>
-              <a:rPr lang="de-AT" b="1" dirty="0" smtClean="0"/>
-            </a:br>
-            <a:r>
-              <a:rPr lang="de-AT" sz="2000" b="1" dirty="0" smtClean="0"/>
-              <a:t>(</a:t>
-            </a:r>
-            <a:r>
-              <a:rPr lang="en-GB" sz="2000" dirty="0" smtClean="0"/>
-              <a:t>data </a:t>
-            </a:r>
-            <a:r>
-              <a:rPr lang="en-GB" sz="2000" dirty="0"/>
-              <a:t>from all other groups are ignored when estimating a group </a:t>
-            </a:r>
-            <a:r>
-              <a:rPr lang="en-GB" sz="2000" dirty="0" smtClean="0"/>
-              <a:t>mean - </a:t>
-            </a:r>
-            <a:r>
-              <a:rPr lang="en-GB" sz="2000" dirty="0"/>
-              <a:t>equivalent to treating the factor </a:t>
-            </a:r>
-            <a:r>
-              <a:rPr lang="en-GB" sz="2000" dirty="0" smtClean="0"/>
-              <a:t>as fixed)</a:t>
-            </a:r>
-            <a:r>
-              <a:rPr lang="en-GB" dirty="0"/>
-              <a:t/>
-            </a:r>
-            <a:br>
-              <a:rPr lang="en-GB" dirty="0"/>
-            </a:br>
-            <a:r>
-              <a:rPr lang="de-AT" sz="2400" dirty="0" smtClean="0"/>
-              <a:t>-&gt;  </a:t>
+              <a:rPr lang="de-AT" sz="2400" b="1" dirty="0" smtClean="0"/>
+              <a:t> - </a:t>
             </a:r>
             <a:r>
               <a:rPr lang="en-GB" sz="2400" dirty="0"/>
-              <a:t>danger of overestimation of the </a:t>
-            </a:r>
-            <a:r>
-              <a:rPr lang="en-GB" sz="2400" i="1" dirty="0"/>
-              <a:t>between-group variance </a:t>
+              <a:t>group means are weighted averages of the population mean and the </a:t>
+            </a:r>
+            <a:r>
+              <a:rPr lang="en-GB" sz="2400" dirty="0" err="1"/>
+              <a:t>unpooled</a:t>
+            </a:r>
+            <a:r>
+              <a:rPr lang="en-GB" sz="2400" dirty="0"/>
+              <a:t> group means. The weights are proportional </a:t>
             </a:r>
             <a:r>
               <a:rPr lang="en-GB" sz="2400" dirty="0" smtClean="0"/>
-              <a:t>because the </a:t>
+              <a:t>to sample </a:t>
             </a:r>
             <a:r>
               <a:rPr lang="en-GB" sz="2400" dirty="0"/>
-              <a:t>group means are estimated independently of each other </a:t>
-            </a:r>
-            <a:br>
-              <a:rPr lang="en-GB" sz="2400" dirty="0"/>
-            </a:br>
-            <a:endParaRPr lang="en-GB" dirty="0"/>
+              <a:t>size and the inverse of the </a:t>
+            </a:r>
+            <a:r>
+              <a:rPr lang="en-GB" sz="2400" dirty="0" smtClean="0"/>
+              <a:t>variance. </a:t>
+            </a:r>
           </a:p>
         </p:txBody>
       </p:sp>
@@ -4658,382 +4591,7 @@
           <p:cNvPr id="7" name="Title 1">
             <a:extLst>
               <a:ext uri="{FF2B5EF4-FFF2-40B4-BE49-F238E27FC236}">
-                <a16:creationId xmlns="" xmlns:a16="http://schemas.microsoft.com/office/drawing/2014/main" id="{EDDE273D-90E2-47F3-8613-1F70BBDC1086}"/>
-              </a:ext>
-            </a:extLst>
-          </p:cNvPr>
-          <p:cNvSpPr txBox="1">
-            <a:spLocks/>
-          </p:cNvSpPr>
-          <p:nvPr/>
-        </p:nvSpPr>
-        <p:spPr bwMode="auto">
-          <a:xfrm>
-            <a:off x="457200" y="704850"/>
-            <a:ext cx="8229600" cy="779934"/>
-          </a:xfrm>
-          <a:prstGeom prst="rect">
-            <a:avLst/>
-          </a:prstGeom>
-          <a:noFill/>
-          <a:ln>
-            <a:noFill/>
-          </a:ln>
-          <a:extLst>
-            <a:ext uri="{909E8E84-426E-40DD-AFC4-6F175D3DCCD1}">
-              <a14:hiddenFill xmlns:a14="http://schemas.microsoft.com/office/drawing/2010/main">
-                <a:solidFill>
-                  <a:srgbClr val="FFFFFF"/>
-                </a:solidFill>
-              </a14:hiddenFill>
-            </a:ext>
-            <a:ext uri="{91240B29-F687-4F45-9708-019B960494DF}">
-              <a14:hiddenLine xmlns:a14="http://schemas.microsoft.com/office/drawing/2010/main" w="9525">
-                <a:solidFill>
-                  <a:srgbClr val="000000"/>
-                </a:solidFill>
-                <a:miter lim="800000"/>
-                <a:headEnd/>
-                <a:tailEnd/>
-              </a14:hiddenLine>
-            </a:ext>
-          </a:extLst>
-        </p:spPr>
-        <p:txBody>
-          <a:bodyPr vert="horz" wrap="square" lIns="0" tIns="45720" rIns="0" bIns="0" numCol="1" anchor="b" anchorCtr="0" compatLnSpc="1">
-            <a:prstTxWarp prst="textNoShape">
-              <a:avLst/>
-            </a:prstTxWarp>
-            <a:normAutofit fontScale="75000" lnSpcReduction="20000"/>
-          </a:bodyPr>
-          <a:lstStyle>
-            <a:lvl1pPr algn="l" rtl="0" eaLnBrk="1" fontAlgn="base" hangingPunct="1">
-              <a:spcBef>
-                <a:spcPct val="0"/>
-              </a:spcBef>
-              <a:spcAft>
-                <a:spcPct val="0"/>
-              </a:spcAft>
-              <a:defRPr sz="5000" kern="1200">
-                <a:solidFill>
-                  <a:schemeClr val="tx2"/>
-                </a:solidFill>
-                <a:latin typeface="+mj-lt"/>
-                <a:ea typeface="+mj-ea"/>
-                <a:cs typeface="+mj-cs"/>
-              </a:defRPr>
-            </a:lvl1pPr>
-            <a:lvl2pPr algn="l" rtl="0" eaLnBrk="1" fontAlgn="base" hangingPunct="1">
-              <a:spcBef>
-                <a:spcPct val="0"/>
-              </a:spcBef>
-              <a:spcAft>
-                <a:spcPct val="0"/>
-              </a:spcAft>
-              <a:defRPr sz="5000">
-                <a:solidFill>
-                  <a:schemeClr val="tx2"/>
-                </a:solidFill>
-                <a:latin typeface="Calibri" pitchFamily="34" charset="0"/>
-              </a:defRPr>
-            </a:lvl2pPr>
-            <a:lvl3pPr algn="l" rtl="0" eaLnBrk="1" fontAlgn="base" hangingPunct="1">
-              <a:spcBef>
-                <a:spcPct val="0"/>
-              </a:spcBef>
-              <a:spcAft>
-                <a:spcPct val="0"/>
-              </a:spcAft>
-              <a:defRPr sz="5000">
-                <a:solidFill>
-                  <a:schemeClr val="tx2"/>
-                </a:solidFill>
-                <a:latin typeface="Calibri" pitchFamily="34" charset="0"/>
-              </a:defRPr>
-            </a:lvl3pPr>
-            <a:lvl4pPr algn="l" rtl="0" eaLnBrk="1" fontAlgn="base" hangingPunct="1">
-              <a:spcBef>
-                <a:spcPct val="0"/>
-              </a:spcBef>
-              <a:spcAft>
-                <a:spcPct val="0"/>
-              </a:spcAft>
-              <a:defRPr sz="5000">
-                <a:solidFill>
-                  <a:schemeClr val="tx2"/>
-                </a:solidFill>
-                <a:latin typeface="Calibri" pitchFamily="34" charset="0"/>
-              </a:defRPr>
-            </a:lvl4pPr>
-            <a:lvl5pPr algn="l" rtl="0" eaLnBrk="1" fontAlgn="base" hangingPunct="1">
-              <a:spcBef>
-                <a:spcPct val="0"/>
-              </a:spcBef>
-              <a:spcAft>
-                <a:spcPct val="0"/>
-              </a:spcAft>
-              <a:defRPr sz="5000">
-                <a:solidFill>
-                  <a:schemeClr val="tx2"/>
-                </a:solidFill>
-                <a:latin typeface="Calibri" pitchFamily="34" charset="0"/>
-              </a:defRPr>
-            </a:lvl5pPr>
-            <a:lvl6pPr marL="457200" algn="l" rtl="0" eaLnBrk="1" fontAlgn="base" hangingPunct="1">
-              <a:spcBef>
-                <a:spcPct val="0"/>
-              </a:spcBef>
-              <a:spcAft>
-                <a:spcPct val="0"/>
-              </a:spcAft>
-              <a:defRPr sz="5000">
-                <a:solidFill>
-                  <a:schemeClr val="tx2"/>
-                </a:solidFill>
-                <a:latin typeface="Calibri" pitchFamily="34" charset="0"/>
-              </a:defRPr>
-            </a:lvl6pPr>
-            <a:lvl7pPr marL="914400" algn="l" rtl="0" eaLnBrk="1" fontAlgn="base" hangingPunct="1">
-              <a:spcBef>
-                <a:spcPct val="0"/>
-              </a:spcBef>
-              <a:spcAft>
-                <a:spcPct val="0"/>
-              </a:spcAft>
-              <a:defRPr sz="5000">
-                <a:solidFill>
-                  <a:schemeClr val="tx2"/>
-                </a:solidFill>
-                <a:latin typeface="Calibri" pitchFamily="34" charset="0"/>
-              </a:defRPr>
-            </a:lvl7pPr>
-            <a:lvl8pPr marL="1371600" algn="l" rtl="0" eaLnBrk="1" fontAlgn="base" hangingPunct="1">
-              <a:spcBef>
-                <a:spcPct val="0"/>
-              </a:spcBef>
-              <a:spcAft>
-                <a:spcPct val="0"/>
-              </a:spcAft>
-              <a:defRPr sz="5000">
-                <a:solidFill>
-                  <a:schemeClr val="tx2"/>
-                </a:solidFill>
-                <a:latin typeface="Calibri" pitchFamily="34" charset="0"/>
-              </a:defRPr>
-            </a:lvl8pPr>
-            <a:lvl9pPr marL="1828800" algn="l" rtl="0" eaLnBrk="1" fontAlgn="base" hangingPunct="1">
-              <a:spcBef>
-                <a:spcPct val="0"/>
-              </a:spcBef>
-              <a:spcAft>
-                <a:spcPct val="0"/>
-              </a:spcAft>
-              <a:defRPr sz="5000">
-                <a:solidFill>
-                  <a:schemeClr val="tx2"/>
-                </a:solidFill>
-                <a:latin typeface="Calibri" pitchFamily="34" charset="0"/>
-              </a:defRPr>
-            </a:lvl9pPr>
-          </a:lstStyle>
-          <a:p>
-            <a:r>
-              <a:rPr lang="de-AT" dirty="0" smtClean="0"/>
-              <a:t>3 </a:t>
-            </a:r>
-            <a:r>
-              <a:rPr lang="de-AT" dirty="0" err="1" smtClean="0"/>
-              <a:t>ways</a:t>
-            </a:r>
-            <a:r>
-              <a:rPr lang="de-AT" dirty="0" smtClean="0"/>
-              <a:t> </a:t>
-            </a:r>
-            <a:r>
-              <a:rPr lang="de-AT" dirty="0" err="1" smtClean="0"/>
-              <a:t>to</a:t>
-            </a:r>
-            <a:r>
-              <a:rPr lang="de-AT" dirty="0" smtClean="0"/>
-              <a:t> </a:t>
-            </a:r>
-            <a:r>
-              <a:rPr lang="de-AT" dirty="0" err="1" smtClean="0"/>
-              <a:t>obtain</a:t>
-            </a:r>
-            <a:r>
-              <a:rPr lang="de-AT" dirty="0" smtClean="0"/>
-              <a:t> </a:t>
-            </a:r>
-            <a:r>
-              <a:rPr lang="de-AT" dirty="0" err="1" smtClean="0"/>
-              <a:t>means</a:t>
-            </a:r>
-            <a:r>
-              <a:rPr lang="de-AT" dirty="0" smtClean="0"/>
-              <a:t> </a:t>
-            </a:r>
-            <a:r>
-              <a:rPr lang="de-AT" dirty="0" err="1" smtClean="0"/>
-              <a:t>of</a:t>
-            </a:r>
-            <a:r>
-              <a:rPr lang="de-AT" dirty="0" smtClean="0"/>
-              <a:t> </a:t>
-            </a:r>
-            <a:r>
-              <a:rPr lang="de-AT" dirty="0" err="1" smtClean="0"/>
-              <a:t>grouped</a:t>
-            </a:r>
-            <a:r>
-              <a:rPr lang="de-AT" dirty="0" smtClean="0"/>
-              <a:t> </a:t>
-            </a:r>
-            <a:r>
-              <a:rPr lang="de-AT" dirty="0" err="1" smtClean="0"/>
-              <a:t>data</a:t>
-            </a:r>
-            <a:endParaRPr lang="en-CA" dirty="0"/>
-          </a:p>
-        </p:txBody>
-      </p:sp>
-      <p:pic>
-        <p:nvPicPr>
-          <p:cNvPr id="5" name="Picture 4"/>
-          <p:cNvPicPr>
-            <a:picLocks noChangeAspect="1"/>
-          </p:cNvPicPr>
-          <p:nvPr/>
-        </p:nvPicPr>
-        <p:blipFill>
-          <a:blip r:embed="rId2"/>
-          <a:stretch>
-            <a:fillRect/>
-          </a:stretch>
-        </p:blipFill>
-        <p:spPr>
-          <a:xfrm>
-            <a:off x="1259632" y="1556792"/>
-            <a:ext cx="6336704" cy="2726430"/>
-          </a:xfrm>
-          <a:prstGeom prst="rect">
-            <a:avLst/>
-          </a:prstGeom>
-        </p:spPr>
-      </p:pic>
-    </p:spTree>
-    <p:extLst>
-      <p:ext uri="{BB962C8B-B14F-4D97-AF65-F5344CB8AC3E}">
-        <p14:creationId xmlns:p14="http://schemas.microsoft.com/office/powerpoint/2010/main" val="3490982237"/>
-      </p:ext>
-    </p:extLst>
-  </p:cSld>
-  <p:clrMapOvr>
-    <a:masterClrMapping/>
-  </p:clrMapOvr>
-  <p:timing>
-    <p:tnLst>
-      <p:par>
-        <p:cTn id="1" dur="indefinite" restart="never" nodeType="tmRoot"/>
-      </p:par>
-    </p:tnLst>
-  </p:timing>
-</p:sld>
-</file>
-
-<file path=ppt/slides/slide11.xml><?xml version="1.0" encoding="utf-8"?>
-<p:sld xmlns:a="http://schemas.openxmlformats.org/drawingml/2006/main" xmlns:r="http://schemas.openxmlformats.org/officeDocument/2006/relationships" xmlns:p="http://schemas.openxmlformats.org/presentationml/2006/main">
-  <p:cSld>
-    <p:spTree>
-      <p:nvGrpSpPr>
-        <p:cNvPr id="1" name=""/>
-        <p:cNvGrpSpPr/>
-        <p:nvPr/>
-      </p:nvGrpSpPr>
-      <p:grpSpPr>
-        <a:xfrm>
-          <a:off x="0" y="0"/>
-          <a:ext cx="0" cy="0"/>
-          <a:chOff x="0" y="0"/>
-          <a:chExt cx="0" cy="0"/>
-        </a:xfrm>
-      </p:grpSpPr>
-      <p:sp>
-        <p:nvSpPr>
-          <p:cNvPr id="3" name="Content Placeholder 2"/>
-          <p:cNvSpPr>
-            <a:spLocks noGrp="1"/>
-          </p:cNvSpPr>
-          <p:nvPr>
-            <p:ph idx="1"/>
-          </p:nvPr>
-        </p:nvSpPr>
-        <p:spPr>
-          <a:xfrm>
-            <a:off x="457200" y="4509120"/>
-            <a:ext cx="8229600" cy="1860086"/>
-          </a:xfrm>
-        </p:spPr>
-        <p:txBody>
-          <a:bodyPr/>
-          <a:lstStyle/>
-          <a:p>
-            <a:pPr marL="0" indent="0">
-              <a:buNone/>
-            </a:pPr>
-            <a:r>
-              <a:rPr lang="de-AT" sz="2400" b="1" dirty="0" smtClean="0"/>
-              <a:t>3. </a:t>
-            </a:r>
-            <a:r>
-              <a:rPr lang="de-AT" sz="2400" b="1" dirty="0" err="1" smtClean="0"/>
-              <a:t>Partially</a:t>
-            </a:r>
-            <a:r>
-              <a:rPr lang="de-AT" sz="2400" b="1" dirty="0" smtClean="0"/>
-              <a:t> </a:t>
-            </a:r>
-            <a:r>
-              <a:rPr lang="de-AT" sz="2400" b="1" dirty="0" err="1" smtClean="0"/>
-              <a:t>pooling</a:t>
-            </a:r>
-            <a:r>
-              <a:rPr lang="de-AT" sz="2400" b="1" dirty="0" smtClean="0"/>
-              <a:t> - </a:t>
-            </a:r>
-            <a:r>
-              <a:rPr lang="en-GB" sz="2400" dirty="0"/>
-              <a:t>group means are weighted averages of the population mean and the </a:t>
-            </a:r>
-            <a:r>
-              <a:rPr lang="en-GB" sz="2400" dirty="0" err="1"/>
-              <a:t>unpooled</a:t>
-            </a:r>
-            <a:r>
-              <a:rPr lang="en-GB" sz="2400" dirty="0"/>
-              <a:t> group means. The weights are proportional </a:t>
-            </a:r>
-            <a:r>
-              <a:rPr lang="en-GB" sz="2400" dirty="0" smtClean="0"/>
-              <a:t>to sample </a:t>
-            </a:r>
-            <a:r>
-              <a:rPr lang="en-GB" sz="2400" dirty="0"/>
-              <a:t>size and the inverse of the </a:t>
-            </a:r>
-            <a:r>
-              <a:rPr lang="en-GB" sz="2400" dirty="0" smtClean="0"/>
-              <a:t>variance. </a:t>
-            </a:r>
-          </a:p>
-        </p:txBody>
-      </p:sp>
-      <p:sp>
-        <p:nvSpPr>
-          <p:cNvPr id="7" name="Title 1">
-            <a:extLst>
-              <a:ext uri="{FF2B5EF4-FFF2-40B4-BE49-F238E27FC236}">
-                <a16:creationId xmlns="" xmlns:a16="http://schemas.microsoft.com/office/drawing/2014/main" id="{EDDE273D-90E2-47F3-8613-1F70BBDC1086}"/>
+                <a16:creationId xmlns:a16="http://schemas.microsoft.com/office/drawing/2014/main" xmlns="" id="{EDDE273D-90E2-47F3-8613-1F70BBDC1086}"/>
               </a:ext>
             </a:extLst>
           </p:cNvPr>
@@ -5316,7 +4874,7 @@
 </p:sld>
 </file>
 
-<file path=ppt/slides/slide12.xml><?xml version="1.0" encoding="utf-8"?>
+<file path=ppt/slides/slide11.xml><?xml version="1.0" encoding="utf-8"?>
 <p:sld xmlns:a="http://schemas.openxmlformats.org/drawingml/2006/main" xmlns:r="http://schemas.openxmlformats.org/officeDocument/2006/relationships" xmlns:p="http://schemas.openxmlformats.org/presentationml/2006/main">
   <p:cSld>
     <p:spTree>
@@ -5345,7 +4903,7 @@
         </p:nvSpPr>
         <p:spPr>
           <a:xfrm>
-            <a:off x="457200" y="1628801"/>
+            <a:off x="457200" y="2132857"/>
             <a:ext cx="6275040" cy="3168351"/>
           </a:xfrm>
         </p:spPr>
@@ -5354,70 +4912,71 @@
           <a:lstStyle/>
           <a:p>
             <a:r>
-              <a:rPr lang="en-GB" sz="2200" dirty="0"/>
+              <a:rPr lang="en-GB" sz="2400" dirty="0"/>
               <a:t>A</a:t>
             </a:r>
             <a:r>
-              <a:rPr lang="en-GB" sz="2200" dirty="0" smtClean="0"/>
+              <a:rPr lang="en-GB" sz="2400" dirty="0" smtClean="0"/>
               <a:t>ssumes </a:t>
             </a:r>
             <a:r>
-              <a:rPr lang="en-GB" sz="2200" dirty="0"/>
+              <a:rPr lang="en-GB" sz="2400" dirty="0"/>
               <a:t>that the group means are a </a:t>
             </a:r>
             <a:r>
-              <a:rPr lang="en-GB" sz="2200" dirty="0" smtClean="0"/>
+              <a:rPr lang="en-GB" sz="2400" dirty="0" smtClean="0"/>
               <a:t>random sample </a:t>
             </a:r>
             <a:r>
-              <a:rPr lang="en-GB" sz="2200" dirty="0"/>
+              <a:rPr lang="en-GB" sz="2400" dirty="0"/>
               <a:t>from a common </a:t>
             </a:r>
             <a:r>
-              <a:rPr lang="en-GB" sz="2200" dirty="0" smtClean="0"/>
+              <a:rPr lang="en-GB" sz="2400" dirty="0" smtClean="0"/>
               <a:t>distribution</a:t>
             </a:r>
           </a:p>
           <a:p>
             <a:r>
-              <a:rPr lang="en-GB" sz="2200" dirty="0"/>
+              <a:rPr lang="en-GB" sz="2400" dirty="0"/>
               <a:t>I</a:t>
             </a:r>
             <a:r>
-              <a:rPr lang="en-GB" sz="2200" dirty="0" smtClean="0"/>
+              <a:rPr lang="en-GB" sz="2400" dirty="0" smtClean="0"/>
               <a:t>nformation </a:t>
             </a:r>
             <a:r>
-              <a:rPr lang="en-GB" sz="2200" dirty="0"/>
+              <a:rPr lang="en-GB" sz="2400" dirty="0"/>
               <a:t>is </a:t>
             </a:r>
             <a:r>
-              <a:rPr lang="en-GB" sz="2200" dirty="0" smtClean="0"/>
+              <a:rPr lang="en-GB" sz="2400" dirty="0" smtClean="0"/>
               <a:t>exchanged between </a:t>
             </a:r>
             <a:r>
-              <a:rPr lang="en-GB" sz="2200" dirty="0"/>
+              <a:rPr lang="en-GB" sz="2400" dirty="0"/>
               <a:t>groups</a:t>
             </a:r>
             <a:r>
-              <a:rPr lang="en-GB" sz="2200" dirty="0" smtClean="0"/>
+              <a:rPr lang="en-GB" sz="2400" dirty="0" smtClean="0"/>
               <a:t>.</a:t>
             </a:r>
           </a:p>
           <a:p>
             <a:r>
-              <a:rPr lang="en-GB" sz="2200" dirty="0"/>
-              <a:t>Estimated means for groups with low sample sizes, large</a:t>
-            </a:r>
-            <a:br>
-              <a:rPr lang="en-GB" sz="2200" dirty="0"/>
-            </a:br>
-            <a:r>
-              <a:rPr lang="en-GB" sz="2200" dirty="0"/>
-              <a:t>variances, and means far away from the population mean are shrunk toward </a:t>
-            </a:r>
-            <a:r>
-              <a:rPr lang="en-GB" sz="2200" dirty="0" smtClean="0"/>
+              <a:rPr lang="en-GB" sz="2400" dirty="0"/>
+              <a:t>Estimated means for groups with low sample sizes, </a:t>
+            </a:r>
+            <a:r>
+              <a:rPr lang="en-GB" sz="2400" dirty="0" smtClean="0"/>
+              <a:t>large variances</a:t>
+            </a:r>
+            <a:r>
+              <a:rPr lang="en-GB" sz="2400" dirty="0"/>
+              <a:t>, and means far away from the population mean are shrunk toward </a:t>
+            </a:r>
+            <a:r>
+              <a:rPr lang="en-GB" sz="2400" dirty="0" smtClean="0"/>
               <a:t>the population mean</a:t>
             </a:r>
           </a:p>
@@ -5428,7 +4987,7 @@
           <p:cNvPr id="7" name="Title 1">
             <a:extLst>
               <a:ext uri="{FF2B5EF4-FFF2-40B4-BE49-F238E27FC236}">
-                <a16:creationId xmlns="" xmlns:a16="http://schemas.microsoft.com/office/drawing/2014/main" id="{EDDE273D-90E2-47F3-8613-1F70BBDC1086}"/>
+                <a16:creationId xmlns:a16="http://schemas.microsoft.com/office/drawing/2014/main" xmlns="" id="{EDDE273D-90E2-47F3-8613-1F70BBDC1086}"/>
               </a:ext>
             </a:extLst>
           </p:cNvPr>
@@ -5646,7 +5205,7 @@
         </p:blipFill>
         <p:spPr>
           <a:xfrm>
-            <a:off x="6876256" y="1556792"/>
+            <a:off x="6876256" y="2060848"/>
             <a:ext cx="1944216" cy="2726430"/>
           </a:xfrm>
           <a:prstGeom prst="rect">
@@ -5654,80 +5213,6 @@
           </a:prstGeom>
         </p:spPr>
       </p:pic>
-      <p:sp>
-        <p:nvSpPr>
-          <p:cNvPr id="2" name="TextBox 1"/>
-          <p:cNvSpPr txBox="1"/>
-          <p:nvPr/>
-        </p:nvSpPr>
-        <p:spPr>
-          <a:xfrm>
-            <a:off x="450573" y="4653136"/>
-            <a:ext cx="8291264" cy="1852815"/>
-          </a:xfrm>
-          <a:prstGeom prst="rect">
-            <a:avLst/>
-          </a:prstGeom>
-          <a:noFill/>
-        </p:spPr>
-        <p:txBody>
-          <a:bodyPr wrap="square" rtlCol="0">
-            <a:spAutoFit/>
-          </a:bodyPr>
-          <a:lstStyle/>
-          <a:p>
-            <a:pPr marL="273050" indent="-273050" fontAlgn="base">
-              <a:spcBef>
-                <a:spcPct val="20000"/>
-              </a:spcBef>
-              <a:spcAft>
-                <a:spcPct val="0"/>
-              </a:spcAft>
-              <a:buClr>
-                <a:srgbClr val="0BD0D9"/>
-              </a:buClr>
-              <a:buSzPct val="95000"/>
-              <a:buFont typeface="Wingdings 2" panose="05020102010507070707" pitchFamily="18" charset="2"/>
-              <a:buChar char=""/>
-            </a:pPr>
-            <a:r>
-              <a:rPr lang="en-GB" sz="2200" dirty="0"/>
-              <a:t>Group means that are estimated with a lot of imprecision (because of low sample size and high variance) are shrunk toward the population mean</a:t>
-            </a:r>
-            <a:r>
-              <a:rPr lang="en-GB" sz="2200" dirty="0" smtClean="0"/>
-              <a:t>.</a:t>
-            </a:r>
-          </a:p>
-          <a:p>
-            <a:pPr marL="273050" indent="-273050" fontAlgn="base">
-              <a:spcBef>
-                <a:spcPct val="20000"/>
-              </a:spcBef>
-              <a:spcAft>
-                <a:spcPct val="0"/>
-              </a:spcAft>
-              <a:buClr>
-                <a:srgbClr val="0BD0D9"/>
-              </a:buClr>
-              <a:buSzPct val="95000"/>
-              <a:buFont typeface="Wingdings 2" panose="05020102010507070707" pitchFamily="18" charset="2"/>
-              <a:buChar char=""/>
-            </a:pPr>
-            <a:r>
-              <a:rPr lang="en-GB" sz="2200" dirty="0"/>
-              <a:t>A consequence of the shrinkage is that</a:t>
-            </a:r>
-            <a:br>
-              <a:rPr lang="en-GB" sz="2200" dirty="0"/>
-            </a:br>
-            <a:r>
-              <a:rPr lang="en-GB" sz="2200" dirty="0"/>
-              <a:t>the residuals are positively correlated with the fitted values </a:t>
-            </a:r>
-          </a:p>
-        </p:txBody>
-      </p:sp>
     </p:spTree>
     <p:extLst>
       <p:ext uri="{BB962C8B-B14F-4D97-AF65-F5344CB8AC3E}">
@@ -5795,86 +5280,6 @@
                       </p:childTnLst>
                     </p:cTn>
                   </p:par>
-                  <p:par>
-                    <p:cTn id="7" fill="hold">
-                      <p:stCondLst>
-                        <p:cond delay="indefinite"/>
-                      </p:stCondLst>
-                      <p:childTnLst>
-                        <p:par>
-                          <p:cTn id="8" fill="hold">
-                            <p:stCondLst>
-                              <p:cond delay="0"/>
-                            </p:stCondLst>
-                            <p:childTnLst>
-                              <p:par>
-                                <p:cTn id="9" presetID="1" presetClass="entr" presetSubtype="0" fill="hold" nodeType="clickEffect">
-                                  <p:stCondLst>
-                                    <p:cond delay="0"/>
-                                  </p:stCondLst>
-                                  <p:childTnLst>
-                                    <p:set>
-                                      <p:cBhvr>
-                                        <p:cTn id="10" dur="1" fill="hold">
-                                          <p:stCondLst>
-                                            <p:cond delay="0"/>
-                                          </p:stCondLst>
-                                        </p:cTn>
-                                        <p:tgtEl>
-                                          <p:spTgt spid="2">
-                                            <p:txEl>
-                                              <p:pRg st="0" end="0"/>
-                                            </p:txEl>
-                                          </p:spTgt>
-                                        </p:tgtEl>
-                                        <p:attrNameLst>
-                                          <p:attrName>style.visibility</p:attrName>
-                                        </p:attrNameLst>
-                                      </p:cBhvr>
-                                      <p:to>
-                                        <p:strVal val="visible"/>
-                                      </p:to>
-                                    </p:set>
-                                  </p:childTnLst>
-                                </p:cTn>
-                              </p:par>
-                              <p:par>
-                                <p:cTn id="11" presetID="1" presetClass="entr" presetSubtype="0" fill="hold" nodeType="withEffect">
-                                  <p:stCondLst>
-                                    <p:cond delay="0"/>
-                                  </p:stCondLst>
-                                  <p:childTnLst>
-                                    <p:set>
-                                      <p:cBhvr>
-                                        <p:cTn id="12" dur="1" fill="hold">
-                                          <p:stCondLst>
-                                            <p:cond delay="0"/>
-                                          </p:stCondLst>
-                                        </p:cTn>
-                                        <p:tgtEl>
-                                          <p:spTgt spid="2">
-                                            <p:txEl>
-                                              <p:pRg st="1" end="1"/>
-                                            </p:txEl>
-                                          </p:spTgt>
-                                        </p:tgtEl>
-                                        <p:attrNameLst>
-                                          <p:attrName>style.visibility</p:attrName>
-                                        </p:attrNameLst>
-                                      </p:cBhvr>
-                                      <p:to>
-                                        <p:strVal val="visible"/>
-                                      </p:to>
-                                    </p:set>
-                                  </p:childTnLst>
-                                </p:cTn>
-                              </p:par>
-                            </p:childTnLst>
-                          </p:cTn>
-                        </p:par>
-                      </p:childTnLst>
-                    </p:cTn>
-                  </p:par>
                 </p:childTnLst>
               </p:cTn>
               <p:prevCondLst>
@@ -5900,7 +5305,7 @@
 </p:sld>
 </file>
 
-<file path=ppt/slides/slide13.xml><?xml version="1.0" encoding="utf-8"?>
+<file path=ppt/slides/slide12.xml><?xml version="1.0" encoding="utf-8"?>
 <p:sld xmlns:a="http://schemas.openxmlformats.org/drawingml/2006/main" xmlns:r="http://schemas.openxmlformats.org/officeDocument/2006/relationships" xmlns:p="http://schemas.openxmlformats.org/presentationml/2006/main">
   <p:cSld>
     <p:spTree>
@@ -5990,7 +5395,7 @@
           <p:cNvPr id="7" name="Title 1">
             <a:extLst>
               <a:ext uri="{FF2B5EF4-FFF2-40B4-BE49-F238E27FC236}">
-                <a16:creationId xmlns="" xmlns:a16="http://schemas.microsoft.com/office/drawing/2014/main" id="{EDDE273D-90E2-47F3-8613-1F70BBDC1086}"/>
+                <a16:creationId xmlns:a16="http://schemas.microsoft.com/office/drawing/2014/main" xmlns="" id="{EDDE273D-90E2-47F3-8613-1F70BBDC1086}"/>
               </a:ext>
             </a:extLst>
           </p:cNvPr>
@@ -6233,7 +5638,7 @@
 </p:sld>
 </file>
 
-<file path=ppt/slides/slide14.xml><?xml version="1.0" encoding="utf-8"?>
+<file path=ppt/slides/slide13.xml><?xml version="1.0" encoding="utf-8"?>
 <p:sld xmlns:a="http://schemas.openxmlformats.org/drawingml/2006/main" xmlns:r="http://schemas.openxmlformats.org/officeDocument/2006/relationships" xmlns:p="http://schemas.openxmlformats.org/presentationml/2006/main">
   <p:cSld>
     <p:spTree>
@@ -6298,7 +5703,7 @@
             </a:br>
             <a:r>
               <a:rPr lang="en-GB" sz="2400" dirty="0" smtClean="0"/>
-              <a:t>lm</a:t>
+              <a:t>(lm</a:t>
             </a:r>
             <a:r>
               <a:rPr lang="en-GB" sz="2400" dirty="0"/>
@@ -6306,8 +5711,9 @@
             </a:r>
             <a:r>
               <a:rPr lang="en-GB" sz="2400" dirty="0" smtClean="0"/>
-              <a:t>fixed</a:t>
-            </a:r>
+              <a:t>fixed)</a:t>
+            </a:r>
+            <a:endParaRPr lang="en-GB" sz="2400" dirty="0" smtClean="0"/>
           </a:p>
           <a:p>
             <a:pPr marL="0" indent="0">
@@ -6392,7 +5798,7 @@
           <p:cNvPr id="7" name="Title 1">
             <a:extLst>
               <a:ext uri="{FF2B5EF4-FFF2-40B4-BE49-F238E27FC236}">
-                <a16:creationId xmlns="" xmlns:a16="http://schemas.microsoft.com/office/drawing/2014/main" id="{EDDE273D-90E2-47F3-8613-1F70BBDC1086}"/>
+                <a16:creationId xmlns:a16="http://schemas.microsoft.com/office/drawing/2014/main" xmlns="" id="{EDDE273D-90E2-47F3-8613-1F70BBDC1086}"/>
               </a:ext>
             </a:extLst>
           </p:cNvPr>
@@ -6623,7 +6029,7 @@
 </p:sld>
 </file>
 
-<file path=ppt/slides/slide15.xml><?xml version="1.0" encoding="utf-8"?>
+<file path=ppt/slides/slide14.xml><?xml version="1.0" encoding="utf-8"?>
 <p:sld xmlns:a="http://schemas.openxmlformats.org/drawingml/2006/main" xmlns:r="http://schemas.openxmlformats.org/officeDocument/2006/relationships" xmlns:p="http://schemas.openxmlformats.org/presentationml/2006/main">
   <p:cSld>
     <p:spTree>
@@ -6932,7 +6338,15 @@
             </a:r>
             <a:r>
               <a:rPr lang="en-GB" sz="2200" dirty="0"/>
-              <a:t>grouped into a random effects and </a:t>
+              <a:t>grouped into a random </a:t>
+            </a:r>
+            <a:r>
+              <a:rPr lang="en-GB" sz="2200" dirty="0" smtClean="0"/>
+              <a:t>effect </a:t>
+            </a:r>
+            <a:r>
+              <a:rPr lang="en-GB" sz="2200" dirty="0"/>
+              <a:t>and </a:t>
             </a:r>
             <a:r>
               <a:rPr lang="en-GB" sz="2200" dirty="0" smtClean="0"/>
@@ -6946,7 +6360,7 @@
           <p:cNvPr id="7" name="Title 1">
             <a:extLst>
               <a:ext uri="{FF2B5EF4-FFF2-40B4-BE49-F238E27FC236}">
-                <a16:creationId xmlns="" xmlns:a16="http://schemas.microsoft.com/office/drawing/2014/main" id="{EDDE273D-90E2-47F3-8613-1F70BBDC1086}"/>
+                <a16:creationId xmlns:a16="http://schemas.microsoft.com/office/drawing/2014/main" xmlns="" id="{EDDE273D-90E2-47F3-8613-1F70BBDC1086}"/>
               </a:ext>
             </a:extLst>
           </p:cNvPr>
@@ -7331,7 +6745,7 @@
 </p:sld>
 </file>
 
-<file path=ppt/slides/slide16.xml><?xml version="1.0" encoding="utf-8"?>
+<file path=ppt/slides/slide15.xml><?xml version="1.0" encoding="utf-8"?>
 <p:sld xmlns:a="http://schemas.openxmlformats.org/drawingml/2006/main" xmlns:r="http://schemas.openxmlformats.org/officeDocument/2006/relationships" xmlns:p="http://schemas.openxmlformats.org/presentationml/2006/main">
   <p:cSld>
     <p:spTree>
@@ -7476,7 +6890,7 @@
           <p:cNvPr id="7" name="Title 1">
             <a:extLst>
               <a:ext uri="{FF2B5EF4-FFF2-40B4-BE49-F238E27FC236}">
-                <a16:creationId xmlns="" xmlns:a16="http://schemas.microsoft.com/office/drawing/2014/main" id="{EDDE273D-90E2-47F3-8613-1F70BBDC1086}"/>
+                <a16:creationId xmlns:a16="http://schemas.microsoft.com/office/drawing/2014/main" xmlns="" id="{EDDE273D-90E2-47F3-8613-1F70BBDC1086}"/>
               </a:ext>
             </a:extLst>
           </p:cNvPr>
@@ -7848,7 +7262,7 @@
 </p:sld>
 </file>
 
-<file path=ppt/slides/slide17.xml><?xml version="1.0" encoding="utf-8"?>
+<file path=ppt/slides/slide16.xml><?xml version="1.0" encoding="utf-8"?>
 <p:sld xmlns:a="http://schemas.openxmlformats.org/drawingml/2006/main" xmlns:r="http://schemas.openxmlformats.org/officeDocument/2006/relationships" xmlns:p="http://schemas.openxmlformats.org/presentationml/2006/main">
   <p:cSld>
     <p:spTree>
@@ -8077,7 +7491,7 @@
           <p:cNvPr id="7" name="Title 1">
             <a:extLst>
               <a:ext uri="{FF2B5EF4-FFF2-40B4-BE49-F238E27FC236}">
-                <a16:creationId xmlns="" xmlns:a16="http://schemas.microsoft.com/office/drawing/2014/main" id="{EDDE273D-90E2-47F3-8613-1F70BBDC1086}"/>
+                <a16:creationId xmlns:a16="http://schemas.microsoft.com/office/drawing/2014/main" xmlns="" id="{EDDE273D-90E2-47F3-8613-1F70BBDC1086}"/>
               </a:ext>
             </a:extLst>
           </p:cNvPr>
@@ -8436,7 +7850,7 @@
 </p:sld>
 </file>
 
-<file path=ppt/slides/slide18.xml><?xml version="1.0" encoding="utf-8"?>
+<file path=ppt/slides/slide17.xml><?xml version="1.0" encoding="utf-8"?>
 <p:sld xmlns:a="http://schemas.openxmlformats.org/drawingml/2006/main" xmlns:r="http://schemas.openxmlformats.org/officeDocument/2006/relationships" xmlns:p="http://schemas.openxmlformats.org/presentationml/2006/main">
   <p:cSld>
     <p:spTree>
@@ -8629,7 +8043,7 @@
           <p:cNvPr id="7" name="Title 1">
             <a:extLst>
               <a:ext uri="{FF2B5EF4-FFF2-40B4-BE49-F238E27FC236}">
-                <a16:creationId xmlns="" xmlns:a16="http://schemas.microsoft.com/office/drawing/2014/main" id="{EDDE273D-90E2-47F3-8613-1F70BBDC1086}"/>
+                <a16:creationId xmlns:a16="http://schemas.microsoft.com/office/drawing/2014/main" xmlns="" id="{EDDE273D-90E2-47F3-8613-1F70BBDC1086}"/>
               </a:ext>
             </a:extLst>
           </p:cNvPr>
@@ -8970,7 +8384,7 @@
 </p:sld>
 </file>
 
-<file path=ppt/slides/slide19.xml><?xml version="1.0" encoding="utf-8"?>
+<file path=ppt/slides/slide18.xml><?xml version="1.0" encoding="utf-8"?>
 <p:sld xmlns:a="http://schemas.openxmlformats.org/drawingml/2006/main" xmlns:r="http://schemas.openxmlformats.org/officeDocument/2006/relationships" xmlns:p="http://schemas.openxmlformats.org/presentationml/2006/main">
   <p:cSld>
     <p:spTree>
@@ -9338,7 +8752,7 @@
           <p:cNvPr id="7" name="Title 1">
             <a:extLst>
               <a:ext uri="{FF2B5EF4-FFF2-40B4-BE49-F238E27FC236}">
-                <a16:creationId xmlns="" xmlns:a16="http://schemas.microsoft.com/office/drawing/2014/main" id="{EDDE273D-90E2-47F3-8613-1F70BBDC1086}"/>
+                <a16:creationId xmlns:a16="http://schemas.microsoft.com/office/drawing/2014/main" xmlns="" id="{EDDE273D-90E2-47F3-8613-1F70BBDC1086}"/>
               </a:ext>
             </a:extLst>
           </p:cNvPr>
@@ -9529,6 +8943,398 @@
     <p:extLst>
       <p:ext uri="{BB962C8B-B14F-4D97-AF65-F5344CB8AC3E}">
         <p14:creationId xmlns:p14="http://schemas.microsoft.com/office/powerpoint/2010/main" val="1275472745"/>
+      </p:ext>
+    </p:extLst>
+  </p:cSld>
+  <p:clrMapOvr>
+    <a:masterClrMapping/>
+  </p:clrMapOvr>
+  <p:timing>
+    <p:tnLst>
+      <p:par>
+        <p:cTn id="1" dur="indefinite" restart="never" nodeType="tmRoot"/>
+      </p:par>
+    </p:tnLst>
+  </p:timing>
+</p:sld>
+</file>
+
+<file path=ppt/slides/slide19.xml><?xml version="1.0" encoding="utf-8"?>
+<p:sld xmlns:a="http://schemas.openxmlformats.org/drawingml/2006/main" xmlns:r="http://schemas.openxmlformats.org/officeDocument/2006/relationships" xmlns:p="http://schemas.openxmlformats.org/presentationml/2006/main">
+  <p:cSld>
+    <p:spTree>
+      <p:nvGrpSpPr>
+        <p:cNvPr id="1" name=""/>
+        <p:cNvGrpSpPr/>
+        <p:nvPr/>
+      </p:nvGrpSpPr>
+      <p:grpSpPr>
+        <a:xfrm>
+          <a:off x="0" y="0"/>
+          <a:ext cx="0" cy="0"/>
+          <a:chOff x="0" y="0"/>
+          <a:chExt cx="0" cy="0"/>
+        </a:xfrm>
+      </p:grpSpPr>
+      <p:sp>
+        <p:nvSpPr>
+          <p:cNvPr id="7" name="Title 1">
+            <a:extLst>
+              <a:ext uri="{FF2B5EF4-FFF2-40B4-BE49-F238E27FC236}">
+                <a16:creationId xmlns:a16="http://schemas.microsoft.com/office/drawing/2014/main" xmlns="" id="{EDDE273D-90E2-47F3-8613-1F70BBDC1086}"/>
+              </a:ext>
+            </a:extLst>
+          </p:cNvPr>
+          <p:cNvSpPr txBox="1">
+            <a:spLocks/>
+          </p:cNvSpPr>
+          <p:nvPr/>
+        </p:nvSpPr>
+        <p:spPr bwMode="auto">
+          <a:xfrm>
+            <a:off x="457200" y="704850"/>
+            <a:ext cx="8229600" cy="779934"/>
+          </a:xfrm>
+          <a:prstGeom prst="rect">
+            <a:avLst/>
+          </a:prstGeom>
+          <a:noFill/>
+          <a:ln>
+            <a:noFill/>
+          </a:ln>
+          <a:extLst>
+            <a:ext uri="{909E8E84-426E-40DD-AFC4-6F175D3DCCD1}">
+              <a14:hiddenFill xmlns:a14="http://schemas.microsoft.com/office/drawing/2010/main">
+                <a:solidFill>
+                  <a:srgbClr val="FFFFFF"/>
+                </a:solidFill>
+              </a14:hiddenFill>
+            </a:ext>
+            <a:ext uri="{91240B29-F687-4F45-9708-019B960494DF}">
+              <a14:hiddenLine xmlns:a14="http://schemas.microsoft.com/office/drawing/2010/main" w="9525">
+                <a:solidFill>
+                  <a:srgbClr val="000000"/>
+                </a:solidFill>
+                <a:miter lim="800000"/>
+                <a:headEnd/>
+                <a:tailEnd/>
+              </a14:hiddenLine>
+            </a:ext>
+          </a:extLst>
+        </p:spPr>
+        <p:txBody>
+          <a:bodyPr vert="horz" wrap="square" lIns="0" tIns="45720" rIns="0" bIns="0" numCol="1" anchor="b" anchorCtr="0" compatLnSpc="1">
+            <a:prstTxWarp prst="textNoShape">
+              <a:avLst/>
+            </a:prstTxWarp>
+            <a:normAutofit fontScale="97500"/>
+          </a:bodyPr>
+          <a:lstStyle>
+            <a:lvl1pPr algn="l" rtl="0" eaLnBrk="1" fontAlgn="base" hangingPunct="1">
+              <a:spcBef>
+                <a:spcPct val="0"/>
+              </a:spcBef>
+              <a:spcAft>
+                <a:spcPct val="0"/>
+              </a:spcAft>
+              <a:defRPr sz="5000" kern="1200">
+                <a:solidFill>
+                  <a:schemeClr val="tx2"/>
+                </a:solidFill>
+                <a:latin typeface="+mj-lt"/>
+                <a:ea typeface="+mj-ea"/>
+                <a:cs typeface="+mj-cs"/>
+              </a:defRPr>
+            </a:lvl1pPr>
+            <a:lvl2pPr algn="l" rtl="0" eaLnBrk="1" fontAlgn="base" hangingPunct="1">
+              <a:spcBef>
+                <a:spcPct val="0"/>
+              </a:spcBef>
+              <a:spcAft>
+                <a:spcPct val="0"/>
+              </a:spcAft>
+              <a:defRPr sz="5000">
+                <a:solidFill>
+                  <a:schemeClr val="tx2"/>
+                </a:solidFill>
+                <a:latin typeface="Calibri" pitchFamily="34" charset="0"/>
+              </a:defRPr>
+            </a:lvl2pPr>
+            <a:lvl3pPr algn="l" rtl="0" eaLnBrk="1" fontAlgn="base" hangingPunct="1">
+              <a:spcBef>
+                <a:spcPct val="0"/>
+              </a:spcBef>
+              <a:spcAft>
+                <a:spcPct val="0"/>
+              </a:spcAft>
+              <a:defRPr sz="5000">
+                <a:solidFill>
+                  <a:schemeClr val="tx2"/>
+                </a:solidFill>
+                <a:latin typeface="Calibri" pitchFamily="34" charset="0"/>
+              </a:defRPr>
+            </a:lvl3pPr>
+            <a:lvl4pPr algn="l" rtl="0" eaLnBrk="1" fontAlgn="base" hangingPunct="1">
+              <a:spcBef>
+                <a:spcPct val="0"/>
+              </a:spcBef>
+              <a:spcAft>
+                <a:spcPct val="0"/>
+              </a:spcAft>
+              <a:defRPr sz="5000">
+                <a:solidFill>
+                  <a:schemeClr val="tx2"/>
+                </a:solidFill>
+                <a:latin typeface="Calibri" pitchFamily="34" charset="0"/>
+              </a:defRPr>
+            </a:lvl4pPr>
+            <a:lvl5pPr algn="l" rtl="0" eaLnBrk="1" fontAlgn="base" hangingPunct="1">
+              <a:spcBef>
+                <a:spcPct val="0"/>
+              </a:spcBef>
+              <a:spcAft>
+                <a:spcPct val="0"/>
+              </a:spcAft>
+              <a:defRPr sz="5000">
+                <a:solidFill>
+                  <a:schemeClr val="tx2"/>
+                </a:solidFill>
+                <a:latin typeface="Calibri" pitchFamily="34" charset="0"/>
+              </a:defRPr>
+            </a:lvl5pPr>
+            <a:lvl6pPr marL="457200" algn="l" rtl="0" eaLnBrk="1" fontAlgn="base" hangingPunct="1">
+              <a:spcBef>
+                <a:spcPct val="0"/>
+              </a:spcBef>
+              <a:spcAft>
+                <a:spcPct val="0"/>
+              </a:spcAft>
+              <a:defRPr sz="5000">
+                <a:solidFill>
+                  <a:schemeClr val="tx2"/>
+                </a:solidFill>
+                <a:latin typeface="Calibri" pitchFamily="34" charset="0"/>
+              </a:defRPr>
+            </a:lvl6pPr>
+            <a:lvl7pPr marL="914400" algn="l" rtl="0" eaLnBrk="1" fontAlgn="base" hangingPunct="1">
+              <a:spcBef>
+                <a:spcPct val="0"/>
+              </a:spcBef>
+              <a:spcAft>
+                <a:spcPct val="0"/>
+              </a:spcAft>
+              <a:defRPr sz="5000">
+                <a:solidFill>
+                  <a:schemeClr val="tx2"/>
+                </a:solidFill>
+                <a:latin typeface="Calibri" pitchFamily="34" charset="0"/>
+              </a:defRPr>
+            </a:lvl7pPr>
+            <a:lvl8pPr marL="1371600" algn="l" rtl="0" eaLnBrk="1" fontAlgn="base" hangingPunct="1">
+              <a:spcBef>
+                <a:spcPct val="0"/>
+              </a:spcBef>
+              <a:spcAft>
+                <a:spcPct val="0"/>
+              </a:spcAft>
+              <a:defRPr sz="5000">
+                <a:solidFill>
+                  <a:schemeClr val="tx2"/>
+                </a:solidFill>
+                <a:latin typeface="Calibri" pitchFamily="34" charset="0"/>
+              </a:defRPr>
+            </a:lvl8pPr>
+            <a:lvl9pPr marL="1828800" algn="l" rtl="0" eaLnBrk="1" fontAlgn="base" hangingPunct="1">
+              <a:spcBef>
+                <a:spcPct val="0"/>
+              </a:spcBef>
+              <a:spcAft>
+                <a:spcPct val="0"/>
+              </a:spcAft>
+              <a:defRPr sz="5000">
+                <a:solidFill>
+                  <a:schemeClr val="tx2"/>
+                </a:solidFill>
+                <a:latin typeface="Calibri" pitchFamily="34" charset="0"/>
+              </a:defRPr>
+            </a:lvl9pPr>
+          </a:lstStyle>
+          <a:p>
+            <a:r>
+              <a:rPr lang="de-AT" sz="4400" dirty="0"/>
+              <a:t>R</a:t>
+            </a:r>
+            <a:r>
+              <a:rPr lang="de-AT" sz="4400" dirty="0" smtClean="0"/>
+              <a:t>andom </a:t>
+            </a:r>
+            <a:r>
+              <a:rPr lang="de-AT" sz="4400" dirty="0" err="1" smtClean="0"/>
+              <a:t>intercept</a:t>
+            </a:r>
+            <a:r>
+              <a:rPr lang="de-AT" sz="4400" dirty="0" smtClean="0"/>
+              <a:t> </a:t>
+            </a:r>
+            <a:r>
+              <a:rPr lang="de-AT" sz="4400" dirty="0" err="1" smtClean="0"/>
+              <a:t>and</a:t>
+            </a:r>
+            <a:r>
+              <a:rPr lang="de-AT" sz="4400" dirty="0" smtClean="0"/>
+              <a:t>/</a:t>
+            </a:r>
+            <a:r>
+              <a:rPr lang="de-AT" sz="4400" dirty="0" err="1" smtClean="0"/>
+              <a:t>or</a:t>
+            </a:r>
+            <a:r>
+              <a:rPr lang="de-AT" sz="4400" dirty="0" smtClean="0"/>
+              <a:t> </a:t>
+            </a:r>
+            <a:r>
+              <a:rPr lang="de-AT" sz="4400" dirty="0" err="1" smtClean="0"/>
+              <a:t>slope</a:t>
+            </a:r>
+            <a:endParaRPr lang="en-CA" sz="4400" dirty="0"/>
+          </a:p>
+        </p:txBody>
+      </p:sp>
+      <p:pic>
+        <p:nvPicPr>
+          <p:cNvPr id="5" name="Picture 4"/>
+          <p:cNvPicPr>
+            <a:picLocks noChangeAspect="1"/>
+          </p:cNvPicPr>
+          <p:nvPr/>
+        </p:nvPicPr>
+        <p:blipFill>
+          <a:blip r:embed="rId2"/>
+          <a:stretch>
+            <a:fillRect/>
+          </a:stretch>
+        </p:blipFill>
+        <p:spPr>
+          <a:xfrm>
+            <a:off x="1259632" y="1620617"/>
+            <a:ext cx="6353175" cy="2714625"/>
+          </a:xfrm>
+          <a:prstGeom prst="rect">
+            <a:avLst/>
+          </a:prstGeom>
+        </p:spPr>
+      </p:pic>
+      <p:sp>
+        <p:nvSpPr>
+          <p:cNvPr id="6" name="Content Placeholder 2"/>
+          <p:cNvSpPr>
+            <a:spLocks noGrp="1"/>
+          </p:cNvSpPr>
+          <p:nvPr>
+            <p:ph idx="1"/>
+          </p:nvPr>
+        </p:nvSpPr>
+        <p:spPr>
+          <a:xfrm>
+            <a:off x="755576" y="4365104"/>
+            <a:ext cx="7704856" cy="2376263"/>
+          </a:xfrm>
+        </p:spPr>
+        <p:txBody>
+          <a:bodyPr/>
+          <a:lstStyle/>
+          <a:p>
+            <a:pPr marL="342900" indent="-342900">
+              <a:buFont typeface="Arial" panose="020B0604020202020204" pitchFamily="34" charset="0"/>
+              <a:buChar char="•"/>
+            </a:pPr>
+            <a:r>
+              <a:rPr lang="en-GB" sz="2200" dirty="0"/>
+              <a:t>So far only the intercept </a:t>
+            </a:r>
+            <a:r>
+              <a:rPr lang="el-GR" sz="2200" dirty="0"/>
+              <a:t>α</a:t>
+            </a:r>
+            <a:r>
+              <a:rPr lang="de-AT" sz="2200" dirty="0"/>
+              <a:t> </a:t>
+            </a:r>
+            <a:r>
+              <a:rPr lang="en-GB" sz="2200" dirty="0"/>
+              <a:t>was </a:t>
+            </a:r>
+            <a:r>
+              <a:rPr lang="en-GB" sz="2200" dirty="0" err="1"/>
+              <a:t>modeled</a:t>
+            </a:r>
+            <a:r>
+              <a:rPr lang="en-GB" sz="2200" dirty="0"/>
+              <a:t> per individual (the model allowed for between-individual </a:t>
+            </a:r>
+            <a:r>
+              <a:rPr lang="en-GB" sz="2200" dirty="0" smtClean="0"/>
+              <a:t>variance)</a:t>
+            </a:r>
+          </a:p>
+          <a:p>
+            <a:pPr marL="342900" indent="-342900">
+              <a:buFont typeface="Arial" panose="020B0604020202020204" pitchFamily="34" charset="0"/>
+              <a:buChar char="•"/>
+            </a:pPr>
+            <a:r>
+              <a:rPr lang="en-GB" sz="2200" dirty="0" smtClean="0"/>
+              <a:t>The </a:t>
+            </a:r>
+            <a:r>
+              <a:rPr lang="en-GB" sz="2200" dirty="0"/>
+              <a:t>random effect does not need to be restricted to the </a:t>
+            </a:r>
+            <a:r>
+              <a:rPr lang="en-GB" sz="2200" dirty="0" smtClean="0"/>
+              <a:t>intercept!</a:t>
+            </a:r>
+          </a:p>
+          <a:p>
+            <a:pPr marL="342900" indent="-342900">
+              <a:buFont typeface="Arial" panose="020B0604020202020204" pitchFamily="34" charset="0"/>
+              <a:buChar char="•"/>
+            </a:pPr>
+            <a:r>
+              <a:rPr lang="en-GB" sz="2200" dirty="0" smtClean="0"/>
+              <a:t>We </a:t>
+            </a:r>
+            <a:r>
+              <a:rPr lang="en-GB" sz="2200" dirty="0"/>
+              <a:t>cannot include an individual-specific difference </a:t>
+            </a:r>
+            <a:r>
+              <a:rPr lang="en-GB" sz="2200" dirty="0" smtClean="0"/>
+              <a:t/>
+            </a:r>
+            <a:br>
+              <a:rPr lang="en-GB" sz="2200" dirty="0" smtClean="0"/>
+            </a:br>
+            <a:r>
+              <a:rPr lang="en-GB" sz="2200" dirty="0" smtClean="0"/>
+              <a:t>e.g</a:t>
+            </a:r>
+            <a:r>
+              <a:rPr lang="en-GB" sz="2200" dirty="0"/>
+              <a:t>. individuals might react differently </a:t>
+            </a:r>
+            <a:r>
+              <a:rPr lang="en-GB" sz="2200" dirty="0" smtClean="0"/>
+              <a:t>to a treatment</a:t>
+            </a:r>
+            <a:endParaRPr lang="en-GB" sz="2200" dirty="0"/>
+          </a:p>
+        </p:txBody>
+      </p:sp>
+    </p:spTree>
+    <p:extLst>
+      <p:ext uri="{BB962C8B-B14F-4D97-AF65-F5344CB8AC3E}">
+        <p14:creationId xmlns:p14="http://schemas.microsoft.com/office/powerpoint/2010/main" val="3250626373"/>
       </p:ext>
     </p:extLst>
   </p:cSld>
@@ -9567,7 +9373,7 @@
           <p:cNvPr id="2" name="Title 1">
             <a:extLst>
               <a:ext uri="{FF2B5EF4-FFF2-40B4-BE49-F238E27FC236}">
-                <a16:creationId xmlns="" xmlns:a16="http://schemas.microsoft.com/office/drawing/2014/main" id="{EDDE273D-90E2-47F3-8613-1F70BBDC1086}"/>
+                <a16:creationId xmlns:a16="http://schemas.microsoft.com/office/drawing/2014/main" xmlns="" id="{EDDE273D-90E2-47F3-8613-1F70BBDC1086}"/>
               </a:ext>
             </a:extLst>
           </p:cNvPr>
@@ -9608,7 +9414,7 @@
               <p:cNvPr id="3" name="Content Placeholder 2">
                 <a:extLst>
                   <a:ext uri="{FF2B5EF4-FFF2-40B4-BE49-F238E27FC236}">
-                    <a16:creationId xmlns="" xmlns:a16="http://schemas.microsoft.com/office/drawing/2014/main" id="{460CDE3A-C773-49C0-80DE-48034E5EE1CD}"/>
+                    <a16:creationId xmlns:a16="http://schemas.microsoft.com/office/drawing/2014/main" xmlns="" id="{460CDE3A-C773-49C0-80DE-48034E5EE1CD}"/>
                   </a:ext>
                 </a:extLst>
               </p:cNvPr>
@@ -10108,398 +9914,6 @@
 </p:sld>
 </file>
 
-<file path=ppt/slides/slide20.xml><?xml version="1.0" encoding="utf-8"?>
-<p:sld xmlns:a="http://schemas.openxmlformats.org/drawingml/2006/main" xmlns:r="http://schemas.openxmlformats.org/officeDocument/2006/relationships" xmlns:p="http://schemas.openxmlformats.org/presentationml/2006/main">
-  <p:cSld>
-    <p:spTree>
-      <p:nvGrpSpPr>
-        <p:cNvPr id="1" name=""/>
-        <p:cNvGrpSpPr/>
-        <p:nvPr/>
-      </p:nvGrpSpPr>
-      <p:grpSpPr>
-        <a:xfrm>
-          <a:off x="0" y="0"/>
-          <a:ext cx="0" cy="0"/>
-          <a:chOff x="0" y="0"/>
-          <a:chExt cx="0" cy="0"/>
-        </a:xfrm>
-      </p:grpSpPr>
-      <p:sp>
-        <p:nvSpPr>
-          <p:cNvPr id="7" name="Title 1">
-            <a:extLst>
-              <a:ext uri="{FF2B5EF4-FFF2-40B4-BE49-F238E27FC236}">
-                <a16:creationId xmlns="" xmlns:a16="http://schemas.microsoft.com/office/drawing/2014/main" id="{EDDE273D-90E2-47F3-8613-1F70BBDC1086}"/>
-              </a:ext>
-            </a:extLst>
-          </p:cNvPr>
-          <p:cNvSpPr txBox="1">
-            <a:spLocks/>
-          </p:cNvSpPr>
-          <p:nvPr/>
-        </p:nvSpPr>
-        <p:spPr bwMode="auto">
-          <a:xfrm>
-            <a:off x="457200" y="704850"/>
-            <a:ext cx="8229600" cy="779934"/>
-          </a:xfrm>
-          <a:prstGeom prst="rect">
-            <a:avLst/>
-          </a:prstGeom>
-          <a:noFill/>
-          <a:ln>
-            <a:noFill/>
-          </a:ln>
-          <a:extLst>
-            <a:ext uri="{909E8E84-426E-40DD-AFC4-6F175D3DCCD1}">
-              <a14:hiddenFill xmlns:a14="http://schemas.microsoft.com/office/drawing/2010/main">
-                <a:solidFill>
-                  <a:srgbClr val="FFFFFF"/>
-                </a:solidFill>
-              </a14:hiddenFill>
-            </a:ext>
-            <a:ext uri="{91240B29-F687-4F45-9708-019B960494DF}">
-              <a14:hiddenLine xmlns:a14="http://schemas.microsoft.com/office/drawing/2010/main" w="9525">
-                <a:solidFill>
-                  <a:srgbClr val="000000"/>
-                </a:solidFill>
-                <a:miter lim="800000"/>
-                <a:headEnd/>
-                <a:tailEnd/>
-              </a14:hiddenLine>
-            </a:ext>
-          </a:extLst>
-        </p:spPr>
-        <p:txBody>
-          <a:bodyPr vert="horz" wrap="square" lIns="0" tIns="45720" rIns="0" bIns="0" numCol="1" anchor="b" anchorCtr="0" compatLnSpc="1">
-            <a:prstTxWarp prst="textNoShape">
-              <a:avLst/>
-            </a:prstTxWarp>
-            <a:normAutofit fontScale="97500"/>
-          </a:bodyPr>
-          <a:lstStyle>
-            <a:lvl1pPr algn="l" rtl="0" eaLnBrk="1" fontAlgn="base" hangingPunct="1">
-              <a:spcBef>
-                <a:spcPct val="0"/>
-              </a:spcBef>
-              <a:spcAft>
-                <a:spcPct val="0"/>
-              </a:spcAft>
-              <a:defRPr sz="5000" kern="1200">
-                <a:solidFill>
-                  <a:schemeClr val="tx2"/>
-                </a:solidFill>
-                <a:latin typeface="+mj-lt"/>
-                <a:ea typeface="+mj-ea"/>
-                <a:cs typeface="+mj-cs"/>
-              </a:defRPr>
-            </a:lvl1pPr>
-            <a:lvl2pPr algn="l" rtl="0" eaLnBrk="1" fontAlgn="base" hangingPunct="1">
-              <a:spcBef>
-                <a:spcPct val="0"/>
-              </a:spcBef>
-              <a:spcAft>
-                <a:spcPct val="0"/>
-              </a:spcAft>
-              <a:defRPr sz="5000">
-                <a:solidFill>
-                  <a:schemeClr val="tx2"/>
-                </a:solidFill>
-                <a:latin typeface="Calibri" pitchFamily="34" charset="0"/>
-              </a:defRPr>
-            </a:lvl2pPr>
-            <a:lvl3pPr algn="l" rtl="0" eaLnBrk="1" fontAlgn="base" hangingPunct="1">
-              <a:spcBef>
-                <a:spcPct val="0"/>
-              </a:spcBef>
-              <a:spcAft>
-                <a:spcPct val="0"/>
-              </a:spcAft>
-              <a:defRPr sz="5000">
-                <a:solidFill>
-                  <a:schemeClr val="tx2"/>
-                </a:solidFill>
-                <a:latin typeface="Calibri" pitchFamily="34" charset="0"/>
-              </a:defRPr>
-            </a:lvl3pPr>
-            <a:lvl4pPr algn="l" rtl="0" eaLnBrk="1" fontAlgn="base" hangingPunct="1">
-              <a:spcBef>
-                <a:spcPct val="0"/>
-              </a:spcBef>
-              <a:spcAft>
-                <a:spcPct val="0"/>
-              </a:spcAft>
-              <a:defRPr sz="5000">
-                <a:solidFill>
-                  <a:schemeClr val="tx2"/>
-                </a:solidFill>
-                <a:latin typeface="Calibri" pitchFamily="34" charset="0"/>
-              </a:defRPr>
-            </a:lvl4pPr>
-            <a:lvl5pPr algn="l" rtl="0" eaLnBrk="1" fontAlgn="base" hangingPunct="1">
-              <a:spcBef>
-                <a:spcPct val="0"/>
-              </a:spcBef>
-              <a:spcAft>
-                <a:spcPct val="0"/>
-              </a:spcAft>
-              <a:defRPr sz="5000">
-                <a:solidFill>
-                  <a:schemeClr val="tx2"/>
-                </a:solidFill>
-                <a:latin typeface="Calibri" pitchFamily="34" charset="0"/>
-              </a:defRPr>
-            </a:lvl5pPr>
-            <a:lvl6pPr marL="457200" algn="l" rtl="0" eaLnBrk="1" fontAlgn="base" hangingPunct="1">
-              <a:spcBef>
-                <a:spcPct val="0"/>
-              </a:spcBef>
-              <a:spcAft>
-                <a:spcPct val="0"/>
-              </a:spcAft>
-              <a:defRPr sz="5000">
-                <a:solidFill>
-                  <a:schemeClr val="tx2"/>
-                </a:solidFill>
-                <a:latin typeface="Calibri" pitchFamily="34" charset="0"/>
-              </a:defRPr>
-            </a:lvl6pPr>
-            <a:lvl7pPr marL="914400" algn="l" rtl="0" eaLnBrk="1" fontAlgn="base" hangingPunct="1">
-              <a:spcBef>
-                <a:spcPct val="0"/>
-              </a:spcBef>
-              <a:spcAft>
-                <a:spcPct val="0"/>
-              </a:spcAft>
-              <a:defRPr sz="5000">
-                <a:solidFill>
-                  <a:schemeClr val="tx2"/>
-                </a:solidFill>
-                <a:latin typeface="Calibri" pitchFamily="34" charset="0"/>
-              </a:defRPr>
-            </a:lvl7pPr>
-            <a:lvl8pPr marL="1371600" algn="l" rtl="0" eaLnBrk="1" fontAlgn="base" hangingPunct="1">
-              <a:spcBef>
-                <a:spcPct val="0"/>
-              </a:spcBef>
-              <a:spcAft>
-                <a:spcPct val="0"/>
-              </a:spcAft>
-              <a:defRPr sz="5000">
-                <a:solidFill>
-                  <a:schemeClr val="tx2"/>
-                </a:solidFill>
-                <a:latin typeface="Calibri" pitchFamily="34" charset="0"/>
-              </a:defRPr>
-            </a:lvl8pPr>
-            <a:lvl9pPr marL="1828800" algn="l" rtl="0" eaLnBrk="1" fontAlgn="base" hangingPunct="1">
-              <a:spcBef>
-                <a:spcPct val="0"/>
-              </a:spcBef>
-              <a:spcAft>
-                <a:spcPct val="0"/>
-              </a:spcAft>
-              <a:defRPr sz="5000">
-                <a:solidFill>
-                  <a:schemeClr val="tx2"/>
-                </a:solidFill>
-                <a:latin typeface="Calibri" pitchFamily="34" charset="0"/>
-              </a:defRPr>
-            </a:lvl9pPr>
-          </a:lstStyle>
-          <a:p>
-            <a:r>
-              <a:rPr lang="de-AT" sz="4400" dirty="0"/>
-              <a:t>R</a:t>
-            </a:r>
-            <a:r>
-              <a:rPr lang="de-AT" sz="4400" dirty="0" smtClean="0"/>
-              <a:t>andom </a:t>
-            </a:r>
-            <a:r>
-              <a:rPr lang="de-AT" sz="4400" dirty="0" err="1" smtClean="0"/>
-              <a:t>intercept</a:t>
-            </a:r>
-            <a:r>
-              <a:rPr lang="de-AT" sz="4400" dirty="0" smtClean="0"/>
-              <a:t> </a:t>
-            </a:r>
-            <a:r>
-              <a:rPr lang="de-AT" sz="4400" dirty="0" err="1" smtClean="0"/>
-              <a:t>and</a:t>
-            </a:r>
-            <a:r>
-              <a:rPr lang="de-AT" sz="4400" dirty="0" smtClean="0"/>
-              <a:t>/</a:t>
-            </a:r>
-            <a:r>
-              <a:rPr lang="de-AT" sz="4400" dirty="0" err="1" smtClean="0"/>
-              <a:t>or</a:t>
-            </a:r>
-            <a:r>
-              <a:rPr lang="de-AT" sz="4400" dirty="0" smtClean="0"/>
-              <a:t> </a:t>
-            </a:r>
-            <a:r>
-              <a:rPr lang="de-AT" sz="4400" dirty="0" err="1" smtClean="0"/>
-              <a:t>slope</a:t>
-            </a:r>
-            <a:endParaRPr lang="en-CA" sz="4400" dirty="0"/>
-          </a:p>
-        </p:txBody>
-      </p:sp>
-      <p:pic>
-        <p:nvPicPr>
-          <p:cNvPr id="5" name="Picture 4"/>
-          <p:cNvPicPr>
-            <a:picLocks noChangeAspect="1"/>
-          </p:cNvPicPr>
-          <p:nvPr/>
-        </p:nvPicPr>
-        <p:blipFill>
-          <a:blip r:embed="rId2"/>
-          <a:stretch>
-            <a:fillRect/>
-          </a:stretch>
-        </p:blipFill>
-        <p:spPr>
-          <a:xfrm>
-            <a:off x="1259632" y="1620617"/>
-            <a:ext cx="6353175" cy="2714625"/>
-          </a:xfrm>
-          <a:prstGeom prst="rect">
-            <a:avLst/>
-          </a:prstGeom>
-        </p:spPr>
-      </p:pic>
-      <p:sp>
-        <p:nvSpPr>
-          <p:cNvPr id="6" name="Content Placeholder 2"/>
-          <p:cNvSpPr>
-            <a:spLocks noGrp="1"/>
-          </p:cNvSpPr>
-          <p:nvPr>
-            <p:ph idx="1"/>
-          </p:nvPr>
-        </p:nvSpPr>
-        <p:spPr>
-          <a:xfrm>
-            <a:off x="755576" y="4365104"/>
-            <a:ext cx="7704856" cy="2376263"/>
-          </a:xfrm>
-        </p:spPr>
-        <p:txBody>
-          <a:bodyPr/>
-          <a:lstStyle/>
-          <a:p>
-            <a:pPr marL="342900" indent="-342900">
-              <a:buFont typeface="Arial" panose="020B0604020202020204" pitchFamily="34" charset="0"/>
-              <a:buChar char="•"/>
-            </a:pPr>
-            <a:r>
-              <a:rPr lang="en-GB" sz="2200" dirty="0"/>
-              <a:t>So far only the intercept </a:t>
-            </a:r>
-            <a:r>
-              <a:rPr lang="el-GR" sz="2200" dirty="0"/>
-              <a:t>α</a:t>
-            </a:r>
-            <a:r>
-              <a:rPr lang="de-AT" sz="2200" dirty="0"/>
-              <a:t> </a:t>
-            </a:r>
-            <a:r>
-              <a:rPr lang="en-GB" sz="2200" dirty="0"/>
-              <a:t>was </a:t>
-            </a:r>
-            <a:r>
-              <a:rPr lang="en-GB" sz="2200" dirty="0" err="1"/>
-              <a:t>modeled</a:t>
-            </a:r>
-            <a:r>
-              <a:rPr lang="en-GB" sz="2200" dirty="0"/>
-              <a:t> per individual (the model allowed for between-individual </a:t>
-            </a:r>
-            <a:r>
-              <a:rPr lang="en-GB" sz="2200" dirty="0" smtClean="0"/>
-              <a:t>variance)</a:t>
-            </a:r>
-          </a:p>
-          <a:p>
-            <a:pPr marL="342900" indent="-342900">
-              <a:buFont typeface="Arial" panose="020B0604020202020204" pitchFamily="34" charset="0"/>
-              <a:buChar char="•"/>
-            </a:pPr>
-            <a:r>
-              <a:rPr lang="en-GB" sz="2200" dirty="0" smtClean="0"/>
-              <a:t>The </a:t>
-            </a:r>
-            <a:r>
-              <a:rPr lang="en-GB" sz="2200" dirty="0"/>
-              <a:t>random effect does not need to be restricted to the </a:t>
-            </a:r>
-            <a:r>
-              <a:rPr lang="en-GB" sz="2200" dirty="0" smtClean="0"/>
-              <a:t>intercept!</a:t>
-            </a:r>
-          </a:p>
-          <a:p>
-            <a:pPr marL="342900" indent="-342900">
-              <a:buFont typeface="Arial" panose="020B0604020202020204" pitchFamily="34" charset="0"/>
-              <a:buChar char="•"/>
-            </a:pPr>
-            <a:r>
-              <a:rPr lang="en-GB" sz="2200" dirty="0" smtClean="0"/>
-              <a:t>We </a:t>
-            </a:r>
-            <a:r>
-              <a:rPr lang="en-GB" sz="2200" dirty="0"/>
-              <a:t>cannot include an individual-specific difference </a:t>
-            </a:r>
-            <a:r>
-              <a:rPr lang="en-GB" sz="2200" dirty="0" smtClean="0"/>
-              <a:t/>
-            </a:r>
-            <a:br>
-              <a:rPr lang="en-GB" sz="2200" dirty="0" smtClean="0"/>
-            </a:br>
-            <a:r>
-              <a:rPr lang="en-GB" sz="2200" dirty="0" smtClean="0"/>
-              <a:t>e.g</a:t>
-            </a:r>
-            <a:r>
-              <a:rPr lang="en-GB" sz="2200" dirty="0"/>
-              <a:t>. individuals might react differently </a:t>
-            </a:r>
-            <a:r>
-              <a:rPr lang="en-GB" sz="2200" dirty="0" smtClean="0"/>
-              <a:t>to a treatment</a:t>
-            </a:r>
-            <a:endParaRPr lang="en-GB" sz="2200" dirty="0"/>
-          </a:p>
-        </p:txBody>
-      </p:sp>
-    </p:spTree>
-    <p:extLst>
-      <p:ext uri="{BB962C8B-B14F-4D97-AF65-F5344CB8AC3E}">
-        <p14:creationId xmlns:p14="http://schemas.microsoft.com/office/powerpoint/2010/main" val="3250626373"/>
-      </p:ext>
-    </p:extLst>
-  </p:cSld>
-  <p:clrMapOvr>
-    <a:masterClrMapping/>
-  </p:clrMapOvr>
-  <p:timing>
-    <p:tnLst>
-      <p:par>
-        <p:cTn id="1" dur="indefinite" restart="never" nodeType="tmRoot"/>
-      </p:par>
-    </p:tnLst>
-  </p:timing>
-</p:sld>
-</file>
-
 <file path=ppt/slides/slide3.xml><?xml version="1.0" encoding="utf-8"?>
 <p:sld xmlns:a="http://schemas.openxmlformats.org/drawingml/2006/main" xmlns:r="http://schemas.openxmlformats.org/officeDocument/2006/relationships" xmlns:p="http://schemas.openxmlformats.org/presentationml/2006/main">
   <p:cSld>
@@ -10586,7 +10000,7 @@
           <p:cNvPr id="6" name="Title 1">
             <a:extLst>
               <a:ext uri="{FF2B5EF4-FFF2-40B4-BE49-F238E27FC236}">
-                <a16:creationId xmlns="" xmlns:a16="http://schemas.microsoft.com/office/drawing/2014/main" id="{EDDE273D-90E2-47F3-8613-1F70BBDC1086}"/>
+                <a16:creationId xmlns:a16="http://schemas.microsoft.com/office/drawing/2014/main" xmlns="" id="{EDDE273D-90E2-47F3-8613-1F70BBDC1086}"/>
               </a:ext>
             </a:extLst>
           </p:cNvPr>
@@ -10861,7 +10275,7 @@
           <p:cNvPr id="4" name="Title 1">
             <a:extLst>
               <a:ext uri="{FF2B5EF4-FFF2-40B4-BE49-F238E27FC236}">
-                <a16:creationId xmlns="" xmlns:a16="http://schemas.microsoft.com/office/drawing/2014/main" id="{EDDE273D-90E2-47F3-8613-1F70BBDC1086}"/>
+                <a16:creationId xmlns:a16="http://schemas.microsoft.com/office/drawing/2014/main" xmlns="" id="{EDDE273D-90E2-47F3-8613-1F70BBDC1086}"/>
               </a:ext>
             </a:extLst>
           </p:cNvPr>
@@ -11320,7 +10734,7 @@
           <p:cNvPr id="10" name="Title 1">
             <a:extLst>
               <a:ext uri="{FF2B5EF4-FFF2-40B4-BE49-F238E27FC236}">
-                <a16:creationId xmlns="" xmlns:a16="http://schemas.microsoft.com/office/drawing/2014/main" id="{EDDE273D-90E2-47F3-8613-1F70BBDC1086}"/>
+                <a16:creationId xmlns:a16="http://schemas.microsoft.com/office/drawing/2014/main" xmlns="" id="{EDDE273D-90E2-47F3-8613-1F70BBDC1086}"/>
               </a:ext>
             </a:extLst>
           </p:cNvPr>
@@ -11951,8 +11365,20 @@
               <a:t>Fixed effects </a:t>
             </a:r>
             <a:r>
+              <a:rPr lang="en-GB" sz="2200" dirty="0" smtClean="0"/>
+              <a:t>(as factors)</a:t>
+            </a:r>
+            <a:r>
+              <a:rPr lang="en-GB" sz="2200" b="1" dirty="0" smtClean="0"/>
+              <a:t> </a:t>
+            </a:r>
+            <a:r>
+              <a:rPr lang="en-GB" sz="2200" dirty="0" smtClean="0"/>
+              <a:t>have </a:t>
+            </a:r>
+            <a:r>
               <a:rPr lang="en-GB" sz="2200" dirty="0"/>
-              <a:t>have a finite (“fixed</a:t>
+              <a:t>a finite (“fixed</a:t>
             </a:r>
             <a:r>
               <a:rPr lang="en-GB" sz="2200" dirty="0" smtClean="0"/>
@@ -11970,10 +11396,7 @@
               <a:rPr lang="en-GB" sz="2200" dirty="0"/>
               <a:t>” </a:t>
             </a:r>
-            <a:r>
-              <a:rPr lang="en-GB" sz="2000" dirty="0" smtClean="0"/>
-              <a:t>– (don’t mix it up with continuous variables!)</a:t>
-            </a:r>
+            <a:endParaRPr lang="en-GB" sz="2000" dirty="0"/>
           </a:p>
           <a:p>
             <a:r>
@@ -12077,7 +11500,7 @@
           <p:cNvPr id="8" name="Title 1">
             <a:extLst>
               <a:ext uri="{FF2B5EF4-FFF2-40B4-BE49-F238E27FC236}">
-                <a16:creationId xmlns="" xmlns:a16="http://schemas.microsoft.com/office/drawing/2014/main" id="{EDDE273D-90E2-47F3-8613-1F70BBDC1086}"/>
+                <a16:creationId xmlns:a16="http://schemas.microsoft.com/office/drawing/2014/main" xmlns="" id="{EDDE273D-90E2-47F3-8613-1F70BBDC1086}"/>
               </a:ext>
             </a:extLst>
           </p:cNvPr>
@@ -12579,55 +12002,6 @@
                                         <p:tgtEl>
                                           <p:spTgt spid="3">
                                             <p:txEl>
-                                              <p:pRg st="1" end="1"/>
-                                            </p:txEl>
-                                          </p:spTgt>
-                                        </p:tgtEl>
-                                        <p:attrNameLst>
-                                          <p:attrName>style.visibility</p:attrName>
-                                        </p:attrNameLst>
-                                      </p:cBhvr>
-                                      <p:to>
-                                        <p:strVal val="visible"/>
-                                      </p:to>
-                                    </p:set>
-                                  </p:childTnLst>
-                                </p:cTn>
-                              </p:par>
-                            </p:childTnLst>
-                          </p:cTn>
-                        </p:par>
-                      </p:childTnLst>
-                    </p:cTn>
-                  </p:par>
-                  <p:par>
-                    <p:cTn id="7" fill="hold">
-                      <p:stCondLst>
-                        <p:cond delay="indefinite"/>
-                      </p:stCondLst>
-                      <p:childTnLst>
-                        <p:par>
-                          <p:cTn id="8" fill="hold">
-                            <p:stCondLst>
-                              <p:cond delay="0"/>
-                            </p:stCondLst>
-                            <p:childTnLst>
-                              <p:par>
-                                <p:cTn id="9" presetID="1" presetClass="entr" presetSubtype="0" fill="hold" nodeType="clickEffect">
-                                  <p:stCondLst>
-                                    <p:cond delay="0"/>
-                                  </p:stCondLst>
-                                  <p:childTnLst>
-                                    <p:set>
-                                      <p:cBhvr>
-                                        <p:cTn id="10" dur="1" fill="hold">
-                                          <p:stCondLst>
-                                            <p:cond delay="0"/>
-                                          </p:stCondLst>
-                                        </p:cTn>
-                                        <p:tgtEl>
-                                          <p:spTgt spid="3">
-                                            <p:txEl>
                                               <p:pRg st="2" end="2"/>
                                             </p:txEl>
                                           </p:spTgt>
@@ -12644,14 +12018,14 @@
                                 </p:cTn>
                               </p:par>
                               <p:par>
-                                <p:cTn id="11" presetID="1" presetClass="entr" presetSubtype="0" fill="hold" nodeType="withEffect">
+                                <p:cTn id="7" presetID="1" presetClass="entr" presetSubtype="0" fill="hold" nodeType="withEffect">
                                   <p:stCondLst>
                                     <p:cond delay="0"/>
                                   </p:stCondLst>
                                   <p:childTnLst>
                                     <p:set>
                                       <p:cBhvr>
-                                        <p:cTn id="12" dur="1" fill="hold">
+                                        <p:cTn id="8" dur="1" fill="hold">
                                           <p:stCondLst>
                                             <p:cond delay="0"/>
                                           </p:stCondLst>
@@ -12681,26 +12055,26 @@
                     </p:cTn>
                   </p:par>
                   <p:par>
-                    <p:cTn id="13" fill="hold">
+                    <p:cTn id="9" fill="hold">
                       <p:stCondLst>
                         <p:cond delay="indefinite"/>
                       </p:stCondLst>
                       <p:childTnLst>
                         <p:par>
-                          <p:cTn id="14" fill="hold">
+                          <p:cTn id="10" fill="hold">
                             <p:stCondLst>
                               <p:cond delay="0"/>
                             </p:stCondLst>
                             <p:childTnLst>
                               <p:par>
-                                <p:cTn id="15" presetID="1" presetClass="entr" presetSubtype="0" fill="hold" nodeType="clickEffect">
+                                <p:cTn id="11" presetID="1" presetClass="entr" presetSubtype="0" fill="hold" nodeType="clickEffect">
                                   <p:stCondLst>
                                     <p:cond delay="0"/>
                                   </p:stCondLst>
                                   <p:childTnLst>
                                     <p:set>
                                       <p:cBhvr>
-                                        <p:cTn id="16" dur="1" fill="hold">
+                                        <p:cTn id="12" dur="1" fill="hold">
                                           <p:stCondLst>
                                             <p:cond delay="0"/>
                                           </p:stCondLst>
@@ -12776,7 +12150,7 @@
           <p:cNvPr id="7" name="Title 1">
             <a:extLst>
               <a:ext uri="{FF2B5EF4-FFF2-40B4-BE49-F238E27FC236}">
-                <a16:creationId xmlns="" xmlns:a16="http://schemas.microsoft.com/office/drawing/2014/main" id="{EDDE273D-90E2-47F3-8613-1F70BBDC1086}"/>
+                <a16:creationId xmlns:a16="http://schemas.microsoft.com/office/drawing/2014/main" xmlns="" id="{EDDE273D-90E2-47F3-8613-1F70BBDC1086}"/>
               </a:ext>
             </a:extLst>
           </p:cNvPr>
@@ -13301,11 +12675,11 @@
               <a:t>, </a:t>
             </a:r>
             <a:r>
-              <a:rPr lang="de-AT" dirty="0" err="1"/>
-              <a:t>sey</a:t>
-            </a:r>
-            <a:r>
-              <a:rPr lang="de-AT" dirty="0"/>
+              <a:rPr lang="de-AT" dirty="0" err="1" smtClean="0"/>
+              <a:t>sex</a:t>
+            </a:r>
+            <a:r>
+              <a:rPr lang="de-AT" dirty="0" smtClean="0"/>
               <a:t>, </a:t>
             </a:r>
             <a:r>
@@ -14333,120 +13707,106 @@
         </p:nvSpPr>
         <p:spPr>
           <a:xfrm>
-            <a:off x="457200" y="1628801"/>
-            <a:ext cx="8229600" cy="4695800"/>
+            <a:off x="457200" y="4581128"/>
+            <a:ext cx="8229600" cy="1671465"/>
           </a:xfrm>
         </p:spPr>
         <p:txBody>
           <a:bodyPr/>
           <a:lstStyle/>
           <a:p>
-            <a:r>
-              <a:rPr lang="de-AT" dirty="0" smtClean="0"/>
-              <a:t>Model </a:t>
-            </a:r>
-            <a:r>
-              <a:rPr lang="de-AT" dirty="0" err="1" smtClean="0"/>
-              <a:t>with</a:t>
-            </a:r>
-            <a:r>
-              <a:rPr lang="de-AT" dirty="0" smtClean="0"/>
-              <a:t> </a:t>
-            </a:r>
-            <a:r>
-              <a:rPr lang="de-AT" dirty="0" err="1" smtClean="0"/>
-              <a:t>fixed</a:t>
-            </a:r>
-            <a:r>
-              <a:rPr lang="de-AT" dirty="0" smtClean="0"/>
-              <a:t> </a:t>
-            </a:r>
-            <a:r>
-              <a:rPr lang="de-AT" dirty="0" err="1" smtClean="0"/>
-              <a:t>factors</a:t>
-            </a:r>
-            <a:r>
-              <a:rPr lang="de-AT" dirty="0" smtClean="0"/>
-              <a:t>: </a:t>
-            </a:r>
-            <a:r>
-              <a:rPr lang="en-GB" dirty="0"/>
-              <a:t>differences of the group means to the </a:t>
-            </a:r>
-            <a:r>
-              <a:rPr lang="en-GB" dirty="0" smtClean="0"/>
-              <a:t>mean of </a:t>
-            </a:r>
-            <a:r>
-              <a:rPr lang="en-GB" dirty="0"/>
-              <a:t>the reference group are separately estimated as model parameters </a:t>
-            </a:r>
-            <a:r>
-              <a:rPr lang="en-GB" dirty="0" smtClean="0"/>
-              <a:t>k - 1 (independent</a:t>
-            </a:r>
-            <a:r>
-              <a:rPr lang="en-GB" dirty="0"/>
-              <a:t>) model parameters, where </a:t>
-            </a:r>
-            <a:r>
-              <a:rPr lang="en-GB" dirty="0" smtClean="0"/>
-              <a:t>k = </a:t>
-            </a:r>
-            <a:r>
-              <a:rPr lang="en-GB" dirty="0"/>
-              <a:t>number of </a:t>
-            </a:r>
-            <a:r>
-              <a:rPr lang="en-GB" dirty="0" smtClean="0"/>
-              <a:t>groups (or </a:t>
-            </a:r>
-            <a:r>
-              <a:rPr lang="en-GB" dirty="0"/>
-              <a:t>number of factor levels</a:t>
-            </a:r>
-            <a:r>
-              <a:rPr lang="en-GB" dirty="0" smtClean="0"/>
-              <a:t>).</a:t>
-            </a:r>
-          </a:p>
-          <a:p>
-            <a:endParaRPr lang="en-GB" dirty="0" smtClean="0"/>
-          </a:p>
-          <a:p>
-            <a:r>
-              <a:rPr lang="en-GB" dirty="0" smtClean="0"/>
-              <a:t>Model with random factors: </a:t>
-            </a:r>
-            <a:r>
-              <a:rPr lang="en-GB" dirty="0"/>
-              <a:t>only one</a:t>
+            <a:pPr marL="0" indent="0">
+              <a:buNone/>
+            </a:pPr>
+            <a:r>
+              <a:rPr lang="de-AT" sz="2400" dirty="0" smtClean="0"/>
+              <a:t>1. </a:t>
+            </a:r>
+            <a:r>
+              <a:rPr lang="de-AT" sz="2400" dirty="0" err="1" smtClean="0"/>
+              <a:t>Grouping</a:t>
+            </a:r>
+            <a:r>
+              <a:rPr lang="de-AT" sz="2400" dirty="0" smtClean="0"/>
+              <a:t> </a:t>
+            </a:r>
+            <a:r>
+              <a:rPr lang="de-AT" sz="2400" dirty="0" err="1" smtClean="0"/>
+              <a:t>is</a:t>
+            </a:r>
+            <a:r>
+              <a:rPr lang="de-AT" sz="2400" dirty="0" smtClean="0"/>
+              <a:t> </a:t>
+            </a:r>
+            <a:r>
+              <a:rPr lang="de-AT" sz="2400" dirty="0" err="1" smtClean="0"/>
+              <a:t>ignored</a:t>
+            </a:r>
+            <a:r>
+              <a:rPr lang="de-AT" sz="2400" dirty="0" smtClean="0"/>
+              <a:t> – </a:t>
+            </a:r>
+            <a:r>
+              <a:rPr lang="de-AT" sz="2400" b="1" dirty="0" err="1" smtClean="0"/>
+              <a:t>complete</a:t>
+            </a:r>
+            <a:r>
+              <a:rPr lang="de-AT" sz="2400" b="1" dirty="0" smtClean="0"/>
+              <a:t> </a:t>
+            </a:r>
+            <a:r>
+              <a:rPr lang="de-AT" sz="2400" b="1" dirty="0" err="1" smtClean="0"/>
+              <a:t>pooling</a:t>
+            </a:r>
+            <a:endParaRPr lang="de-AT" sz="2400" b="1" dirty="0" smtClean="0"/>
+          </a:p>
+          <a:p>
+            <a:pPr marL="0" indent="0">
+              <a:buNone/>
+            </a:pPr>
+            <a:r>
+              <a:rPr lang="de-AT" sz="2400" dirty="0" smtClean="0"/>
+              <a:t>-&gt; </a:t>
+            </a:r>
+            <a:r>
+              <a:rPr lang="de-AT" sz="2400" dirty="0" err="1" smtClean="0"/>
+              <a:t>Pseudpreplication</a:t>
+            </a:r>
+            <a:r>
+              <a:rPr lang="de-AT" sz="2400" dirty="0"/>
+              <a:t>!</a:t>
+            </a:r>
+            <a:r>
+              <a:rPr lang="de-AT" sz="2400" dirty="0" smtClean="0"/>
+              <a:t> </a:t>
             </a:r>
             <a:br>
-              <a:rPr lang="en-GB" dirty="0"/>
+              <a:rPr lang="de-AT" sz="2400" dirty="0" smtClean="0"/>
             </a:br>
             <a:r>
-              <a:rPr lang="en-GB" dirty="0"/>
-              <a:t>parameter, namely the between-group variance, is estimated. k differences from the population mean. These </a:t>
-            </a:r>
-            <a:r>
-              <a:rPr lang="en-GB" dirty="0" smtClean="0"/>
-              <a:t>k differences </a:t>
-            </a:r>
-            <a:r>
-              <a:rPr lang="en-GB" dirty="0"/>
-              <a:t>are not independent. </a:t>
-            </a:r>
-            <a:br>
-              <a:rPr lang="en-GB" dirty="0"/>
-            </a:br>
-            <a:r>
-              <a:rPr lang="en-GB" dirty="0"/>
-              <a:t> </a:t>
-            </a:r>
-            <a:br>
-              <a:rPr lang="en-GB" dirty="0"/>
-            </a:br>
+              <a:rPr lang="de-AT" sz="2400" dirty="0" err="1" smtClean="0"/>
+              <a:t>we</a:t>
+            </a:r>
+            <a:r>
+              <a:rPr lang="de-AT" sz="2400" dirty="0" smtClean="0"/>
+              <a:t> </a:t>
+            </a:r>
+            <a:r>
+              <a:rPr lang="de-AT" sz="2400" dirty="0" err="1" smtClean="0"/>
+              <a:t>are</a:t>
+            </a:r>
+            <a:r>
+              <a:rPr lang="de-AT" sz="2400" dirty="0" smtClean="0"/>
+              <a:t> </a:t>
+            </a:r>
+            <a:r>
+              <a:rPr lang="en-GB" sz="2400" dirty="0" smtClean="0"/>
+              <a:t>too </a:t>
+            </a:r>
+            <a:r>
+              <a:rPr lang="en-GB" sz="2400" dirty="0"/>
+              <a:t>confident in the result because we assume that all observations are independent when they are not. </a:t>
+            </a:r>
             <a:r>
               <a:rPr lang="en-GB" dirty="0"/>
               <a:t/>
@@ -14463,7 +13823,7 @@
           <p:cNvPr id="7" name="Title 1">
             <a:extLst>
               <a:ext uri="{FF2B5EF4-FFF2-40B4-BE49-F238E27FC236}">
-                <a16:creationId xmlns="" xmlns:a16="http://schemas.microsoft.com/office/drawing/2014/main" id="{EDDE273D-90E2-47F3-8613-1F70BBDC1086}"/>
+                <a16:creationId xmlns:a16="http://schemas.microsoft.com/office/drawing/2014/main" xmlns="" id="{EDDE273D-90E2-47F3-8613-1F70BBDC1086}"/>
               </a:ext>
             </a:extLst>
           </p:cNvPr>
@@ -14509,7 +13869,7 @@
             <a:prstTxWarp prst="textNoShape">
               <a:avLst/>
             </a:prstTxWarp>
-            <a:normAutofit fontScale="90000"/>
+            <a:normAutofit fontScale="75000" lnSpcReduction="20000"/>
           </a:bodyPr>
           <a:lstStyle>
             <a:lvl1pPr algn="l" rtl="0" eaLnBrk="1" fontAlgn="base" hangingPunct="1">
@@ -14644,11 +14004,11 @@
           <a:p>
             <a:r>
               <a:rPr lang="de-AT" dirty="0" smtClean="0"/>
-              <a:t>Random </a:t>
+              <a:t>3 </a:t>
             </a:r>
             <a:r>
               <a:rPr lang="de-AT" dirty="0" err="1" smtClean="0"/>
-              <a:t>factors</a:t>
+              <a:t>ways</a:t>
             </a:r>
             <a:r>
               <a:rPr lang="de-AT" dirty="0" smtClean="0"/>
@@ -14656,24 +14016,80 @@
             </a:r>
             <a:r>
               <a:rPr lang="de-AT" dirty="0" err="1" smtClean="0"/>
-              <a:t>and</a:t>
+              <a:t>to</a:t>
             </a:r>
             <a:r>
               <a:rPr lang="de-AT" dirty="0" smtClean="0"/>
-              <a:t> partial </a:t>
+              <a:t> </a:t>
             </a:r>
             <a:r>
               <a:rPr lang="de-AT" dirty="0" err="1" smtClean="0"/>
-              <a:t>pooling</a:t>
+              <a:t>obtain</a:t>
+            </a:r>
+            <a:r>
+              <a:rPr lang="de-AT" dirty="0" smtClean="0"/>
+              <a:t> </a:t>
+            </a:r>
+            <a:r>
+              <a:rPr lang="de-AT" dirty="0" err="1" smtClean="0"/>
+              <a:t>means</a:t>
+            </a:r>
+            <a:r>
+              <a:rPr lang="de-AT" dirty="0" smtClean="0"/>
+              <a:t> </a:t>
+            </a:r>
+            <a:r>
+              <a:rPr lang="de-AT" dirty="0" err="1" smtClean="0"/>
+              <a:t>of</a:t>
+            </a:r>
+            <a:r>
+              <a:rPr lang="de-AT" dirty="0" smtClean="0"/>
+              <a:t> </a:t>
+            </a:r>
+            <a:r>
+              <a:rPr lang="de-AT" dirty="0" err="1" smtClean="0"/>
+              <a:t>grouped</a:t>
+            </a:r>
+            <a:r>
+              <a:rPr lang="de-AT" dirty="0" smtClean="0"/>
+              <a:t> </a:t>
+            </a:r>
+            <a:r>
+              <a:rPr lang="de-AT" dirty="0" err="1" smtClean="0"/>
+              <a:t>data</a:t>
             </a:r>
             <a:endParaRPr lang="en-CA" dirty="0"/>
           </a:p>
         </p:txBody>
       </p:sp>
+      <p:pic>
+        <p:nvPicPr>
+          <p:cNvPr id="8" name="Picture 7"/>
+          <p:cNvPicPr>
+            <a:picLocks noChangeAspect="1"/>
+          </p:cNvPicPr>
+          <p:nvPr/>
+        </p:nvPicPr>
+        <p:blipFill>
+          <a:blip r:embed="rId2"/>
+          <a:stretch>
+            <a:fillRect/>
+          </a:stretch>
+        </p:blipFill>
+        <p:spPr>
+          <a:xfrm>
+            <a:off x="1259632" y="1556792"/>
+            <a:ext cx="6336704" cy="2726430"/>
+          </a:xfrm>
+          <a:prstGeom prst="rect">
+            <a:avLst/>
+          </a:prstGeom>
+        </p:spPr>
+      </p:pic>
     </p:spTree>
     <p:extLst>
       <p:ext uri="{BB962C8B-B14F-4D97-AF65-F5344CB8AC3E}">
-        <p14:creationId xmlns:p14="http://schemas.microsoft.com/office/powerpoint/2010/main" val="1384089192"/>
+        <p14:creationId xmlns:p14="http://schemas.microsoft.com/office/powerpoint/2010/main" val="1735189189"/>
       </p:ext>
     </p:extLst>
   </p:cSld>
@@ -14683,79 +14099,7 @@
   <p:timing>
     <p:tnLst>
       <p:par>
-        <p:cTn id="1" dur="indefinite" restart="never" nodeType="tmRoot">
-          <p:childTnLst>
-            <p:seq concurrent="1" nextAc="seek">
-              <p:cTn id="2" dur="indefinite" nodeType="mainSeq">
-                <p:childTnLst>
-                  <p:par>
-                    <p:cTn id="3" fill="hold">
-                      <p:stCondLst>
-                        <p:cond delay="indefinite"/>
-                      </p:stCondLst>
-                      <p:childTnLst>
-                        <p:par>
-                          <p:cTn id="4" fill="hold">
-                            <p:stCondLst>
-                              <p:cond delay="0"/>
-                            </p:stCondLst>
-                            <p:childTnLst>
-                              <p:par>
-                                <p:cTn id="5" presetID="1" presetClass="entr" presetSubtype="0" fill="hold" nodeType="clickEffect">
-                                  <p:stCondLst>
-                                    <p:cond delay="0"/>
-                                  </p:stCondLst>
-                                  <p:childTnLst>
-                                    <p:set>
-                                      <p:cBhvr>
-                                        <p:cTn id="6" dur="1" fill="hold">
-                                          <p:stCondLst>
-                                            <p:cond delay="0"/>
-                                          </p:stCondLst>
-                                        </p:cTn>
-                                        <p:tgtEl>
-                                          <p:spTgt spid="3">
-                                            <p:txEl>
-                                              <p:pRg st="2" end="2"/>
-                                            </p:txEl>
-                                          </p:spTgt>
-                                        </p:tgtEl>
-                                        <p:attrNameLst>
-                                          <p:attrName>style.visibility</p:attrName>
-                                        </p:attrNameLst>
-                                      </p:cBhvr>
-                                      <p:to>
-                                        <p:strVal val="visible"/>
-                                      </p:to>
-                                    </p:set>
-                                  </p:childTnLst>
-                                </p:cTn>
-                              </p:par>
-                            </p:childTnLst>
-                          </p:cTn>
-                        </p:par>
-                      </p:childTnLst>
-                    </p:cTn>
-                  </p:par>
-                </p:childTnLst>
-              </p:cTn>
-              <p:prevCondLst>
-                <p:cond evt="onPrev" delay="0">
-                  <p:tgtEl>
-                    <p:sldTgt/>
-                  </p:tgtEl>
-                </p:cond>
-              </p:prevCondLst>
-              <p:nextCondLst>
-                <p:cond evt="onNext" delay="0">
-                  <p:tgtEl>
-                    <p:sldTgt/>
-                  </p:tgtEl>
-                </p:cond>
-              </p:nextCondLst>
-            </p:seq>
-          </p:childTnLst>
-        </p:cTn>
+        <p:cTn id="1" dur="indefinite" restart="never" nodeType="tmRoot"/>
       </p:par>
     </p:tnLst>
   </p:timing>
@@ -14791,7 +14135,7 @@
         </p:nvSpPr>
         <p:spPr>
           <a:xfrm>
-            <a:off x="457200" y="4581128"/>
+            <a:off x="466430" y="4437112"/>
             <a:ext cx="8229600" cy="1671465"/>
           </a:xfrm>
         </p:spPr>
@@ -14804,11 +14148,11 @@
             </a:pPr>
             <a:r>
               <a:rPr lang="de-AT" sz="2400" dirty="0" smtClean="0"/>
-              <a:t>1. </a:t>
+              <a:t>2. Group </a:t>
             </a:r>
             <a:r>
               <a:rPr lang="de-AT" sz="2400" dirty="0" err="1" smtClean="0"/>
-              <a:t>Grouping</a:t>
+              <a:t>means</a:t>
             </a:r>
             <a:r>
               <a:rPr lang="de-AT" sz="2400" dirty="0" smtClean="0"/>
@@ -14816,7 +14160,7 @@
             </a:r>
             <a:r>
               <a:rPr lang="de-AT" sz="2400" dirty="0" err="1" smtClean="0"/>
-              <a:t>is</a:t>
+              <a:t>are</a:t>
             </a:r>
             <a:r>
               <a:rPr lang="de-AT" sz="2400" dirty="0" smtClean="0"/>
@@ -14824,15 +14168,23 @@
             </a:r>
             <a:r>
               <a:rPr lang="de-AT" sz="2400" dirty="0" err="1" smtClean="0"/>
-              <a:t>ignored</a:t>
+              <a:t>estimated</a:t>
             </a:r>
             <a:r>
               <a:rPr lang="de-AT" sz="2400" dirty="0" smtClean="0"/>
-              <a:t> – </a:t>
+              <a:t> </a:t>
+            </a:r>
+            <a:r>
+              <a:rPr lang="de-AT" sz="2400" dirty="0" err="1" smtClean="0"/>
+              <a:t>separately</a:t>
+            </a:r>
+            <a:r>
+              <a:rPr lang="de-AT" sz="2400" dirty="0" smtClean="0"/>
+              <a:t> - </a:t>
             </a:r>
             <a:r>
               <a:rPr lang="de-AT" sz="2400" b="1" dirty="0" err="1" smtClean="0"/>
-              <a:t>complete</a:t>
+              <a:t>no</a:t>
             </a:r>
             <a:r>
               <a:rPr lang="de-AT" sz="2400" b="1" dirty="0" smtClean="0"/>
@@ -14842,54 +14194,36 @@
               <a:rPr lang="de-AT" sz="2400" b="1" dirty="0" err="1" smtClean="0"/>
               <a:t>pooling</a:t>
             </a:r>
-            <a:endParaRPr lang="de-AT" sz="2400" b="1" dirty="0" smtClean="0"/>
-          </a:p>
-          <a:p>
-            <a:pPr marL="0" indent="0">
-              <a:buNone/>
-            </a:pPr>
-            <a:r>
-              <a:rPr lang="de-AT" sz="2400" dirty="0" smtClean="0"/>
-              <a:t>-&gt; </a:t>
-            </a:r>
-            <a:r>
-              <a:rPr lang="de-AT" sz="2400" dirty="0" err="1" smtClean="0"/>
-              <a:t>Pseudpreplication</a:t>
-            </a:r>
-            <a:r>
-              <a:rPr lang="de-AT" sz="2400" dirty="0"/>
-              <a:t>!</a:t>
-            </a:r>
-            <a:r>
-              <a:rPr lang="de-AT" sz="2400" dirty="0" smtClean="0"/>
-              <a:t> </a:t>
+            <a:r>
+              <a:rPr lang="de-AT" b="1" dirty="0" smtClean="0"/>
+              <a:t/>
             </a:r>
             <a:br>
-              <a:rPr lang="de-AT" sz="2400" dirty="0" smtClean="0"/>
+              <a:rPr lang="de-AT" b="1" dirty="0" smtClean="0"/>
             </a:br>
             <a:r>
-              <a:rPr lang="de-AT" sz="2400" dirty="0" err="1" smtClean="0"/>
-              <a:t>we</a:t>
-            </a:r>
-            <a:r>
-              <a:rPr lang="de-AT" sz="2400" dirty="0" smtClean="0"/>
-              <a:t> </a:t>
-            </a:r>
-            <a:r>
-              <a:rPr lang="de-AT" sz="2400" dirty="0" err="1" smtClean="0"/>
-              <a:t>are</a:t>
-            </a:r>
-            <a:r>
-              <a:rPr lang="de-AT" sz="2400" dirty="0" smtClean="0"/>
-              <a:t> </a:t>
-            </a:r>
-            <a:r>
-              <a:rPr lang="en-GB" sz="2400" dirty="0" smtClean="0"/>
-              <a:t>too </a:t>
-            </a:r>
-            <a:r>
-              <a:rPr lang="en-GB" sz="2400" dirty="0"/>
-              <a:t>confident in the result because we assume that all observations are independent when they are not. </a:t>
+              <a:rPr lang="de-AT" sz="2000" b="1" dirty="0" smtClean="0"/>
+              <a:t>(</a:t>
+            </a:r>
+            <a:r>
+              <a:rPr lang="en-GB" sz="2000" dirty="0" smtClean="0"/>
+              <a:t>data </a:t>
+            </a:r>
+            <a:r>
+              <a:rPr lang="en-GB" sz="2000" dirty="0"/>
+              <a:t>from all other groups are ignored when estimating a group </a:t>
+            </a:r>
+            <a:r>
+              <a:rPr lang="en-GB" sz="2000" dirty="0" smtClean="0"/>
+              <a:t>mean - </a:t>
+            </a:r>
+            <a:r>
+              <a:rPr lang="en-GB" sz="2000" dirty="0"/>
+              <a:t>equivalent to treating the factor </a:t>
+            </a:r>
+            <a:r>
+              <a:rPr lang="en-GB" sz="2000" dirty="0" smtClean="0"/>
+              <a:t>as fixed)</a:t>
             </a:r>
             <a:r>
               <a:rPr lang="en-GB" dirty="0"/>
@@ -14897,6 +14231,29 @@
             </a:r>
             <a:br>
               <a:rPr lang="en-GB" dirty="0"/>
+            </a:br>
+            <a:r>
+              <a:rPr lang="de-AT" sz="2400" dirty="0" smtClean="0"/>
+              <a:t>-&gt;  </a:t>
+            </a:r>
+            <a:r>
+              <a:rPr lang="en-GB" sz="2400" dirty="0"/>
+              <a:t>danger of overestimation of the </a:t>
+            </a:r>
+            <a:r>
+              <a:rPr lang="en-GB" sz="2400" i="1" dirty="0"/>
+              <a:t>between-group variance </a:t>
+            </a:r>
+            <a:r>
+              <a:rPr lang="en-GB" sz="2400" dirty="0" smtClean="0"/>
+              <a:t>because the </a:t>
+            </a:r>
+            <a:r>
+              <a:rPr lang="en-GB" sz="2400" dirty="0"/>
+              <a:t>group means are estimated independently of each other </a:t>
+            </a:r>
+            <a:br>
+              <a:rPr lang="en-GB" sz="2400" dirty="0"/>
             </a:br>
             <a:endParaRPr lang="en-GB" dirty="0"/>
           </a:p>
@@ -14907,7 +14264,7 @@
           <p:cNvPr id="7" name="Title 1">
             <a:extLst>
               <a:ext uri="{FF2B5EF4-FFF2-40B4-BE49-F238E27FC236}">
-                <a16:creationId xmlns="" xmlns:a16="http://schemas.microsoft.com/office/drawing/2014/main" id="{EDDE273D-90E2-47F3-8613-1F70BBDC1086}"/>
+                <a16:creationId xmlns:a16="http://schemas.microsoft.com/office/drawing/2014/main" xmlns="" id="{EDDE273D-90E2-47F3-8613-1F70BBDC1086}"/>
               </a:ext>
             </a:extLst>
           </p:cNvPr>
@@ -15148,7 +14505,7 @@
       </p:sp>
       <p:pic>
         <p:nvPicPr>
-          <p:cNvPr id="8" name="Picture 7"/>
+          <p:cNvPr id="5" name="Picture 4"/>
           <p:cNvPicPr>
             <a:picLocks noChangeAspect="1"/>
           </p:cNvPicPr>
@@ -15173,7 +14530,7 @@
     </p:spTree>
     <p:extLst>
       <p:ext uri="{BB962C8B-B14F-4D97-AF65-F5344CB8AC3E}">
-        <p14:creationId xmlns:p14="http://schemas.microsoft.com/office/powerpoint/2010/main" val="1735189189"/>
+        <p14:creationId xmlns:p14="http://schemas.microsoft.com/office/powerpoint/2010/main" val="3490982237"/>
       </p:ext>
     </p:extLst>
   </p:cSld>
